--- a/swiftER 발표 보고서.pptx
+++ b/swiftER 발표 보고서.pptx
@@ -18,18 +18,18 @@
   <p:notesSz cx="6858000" cy="9144000"/>
   <p:embeddedFontLst>
     <p:embeddedFont>
-      <p:font typeface="맑은 고딕" panose="020B0503020000020004" pitchFamily="50" charset="-127"/>
+      <p:font typeface="Bahnschrift" panose="020B0502040204020203" pitchFamily="34" charset="0"/>
       <p:regular r:id="rId10"/>
       <p:bold r:id="rId11"/>
     </p:embeddedFont>
     <p:embeddedFont>
-      <p:font typeface="Bahnschrift Light" panose="020B0502040204020203" pitchFamily="34" charset="0"/>
+      <p:font typeface="맑은 고딕" panose="020B0503020000020004" pitchFamily="50" charset="-127"/>
       <p:regular r:id="rId12"/>
+      <p:bold r:id="rId13"/>
     </p:embeddedFont>
     <p:embeddedFont>
-      <p:font typeface="Bahnschrift" panose="020B0502040204020203" pitchFamily="34" charset="0"/>
-      <p:regular r:id="rId13"/>
-      <p:bold r:id="rId14"/>
+      <p:font typeface="Bahnschrift Light" panose="020B0502040204020203" pitchFamily="34" charset="0"/>
+      <p:regular r:id="rId14"/>
     </p:embeddedFont>
   </p:embeddedFontLst>
   <p:defaultTextStyle>
@@ -9697,7 +9697,7 @@
         </p:nvSpPr>
         <p:spPr>
           <a:xfrm>
-            <a:off x="1148862" y="6016089"/>
+            <a:off x="1148862" y="5843689"/>
             <a:ext cx="9357946" cy="369332"/>
           </a:xfrm>
           <a:prstGeom prst="rect">
@@ -9714,6 +9714,63 @@
               <a:rPr lang="ko-KR" altLang="en-US" b="1" dirty="0"/>
               <a:t>https://www.youtube.com/playlist?list=PLxK0fGN5LM-VbruXG3z3G9Nr3PblKivOu</a:t>
             </a:r>
+          </a:p>
+        </p:txBody>
+      </p:sp>
+      <p:sp>
+        <p:nvSpPr>
+          <p:cNvPr id="22" name="직사각형 21"/>
+          <p:cNvSpPr/>
+          <p:nvPr/>
+        </p:nvSpPr>
+        <p:spPr>
+          <a:xfrm>
+            <a:off x="1148862" y="6265637"/>
+            <a:ext cx="9357946" cy="369332"/>
+          </a:xfrm>
+          <a:prstGeom prst="rect">
+            <a:avLst/>
+          </a:prstGeom>
+        </p:spPr>
+        <p:txBody>
+          <a:bodyPr wrap="square">
+            <a:spAutoFit/>
+          </a:bodyPr>
+          <a:lstStyle/>
+          <a:p>
+            <a:r>
+              <a:rPr lang="en-US" altLang="ko-KR" b="1" dirty="0" smtClean="0"/>
+              <a:t>52.79.139.8:8181/</a:t>
+            </a:r>
+            <a:r>
+              <a:rPr lang="en-US" altLang="ko-KR" b="1" dirty="0" err="1" smtClean="0"/>
+              <a:t>swiftER</a:t>
+            </a:r>
+            <a:r>
+              <a:rPr lang="en-US" altLang="ko-KR" b="1" dirty="0" smtClean="0"/>
+              <a:t>/</a:t>
+            </a:r>
+            <a:r>
+              <a:rPr lang="en-US" altLang="ko-KR" dirty="0" smtClean="0"/>
+              <a:t> (</a:t>
+            </a:r>
+            <a:r>
+              <a:rPr lang="ko-KR" altLang="en-US" dirty="0" smtClean="0"/>
+              <a:t>관리자 아이디</a:t>
+            </a:r>
+            <a:r>
+              <a:rPr lang="en-US" altLang="ko-KR" dirty="0" smtClean="0"/>
+              <a:t>: et009153, </a:t>
+            </a:r>
+            <a:r>
+              <a:rPr lang="ko-KR" altLang="en-US" dirty="0" smtClean="0"/>
+              <a:t>비밀번호</a:t>
+            </a:r>
+            <a:r>
+              <a:rPr lang="en-US" altLang="ko-KR" dirty="0" smtClean="0"/>
+              <a:t>: !q2w3e4r)</a:t>
+            </a:r>
+            <a:endParaRPr lang="ko-KR" altLang="en-US" b="1" dirty="0"/>
           </a:p>
         </p:txBody>
       </p:sp>

--- a/swiftER 발표 보고서.pptx
+++ b/swiftER 발표 보고서.pptx
@@ -13,23 +13,24 @@
     <p:sldId id="260" r:id="rId7"/>
     <p:sldId id="261" r:id="rId8"/>
     <p:sldId id="263" r:id="rId9"/>
+    <p:sldId id="264" r:id="rId10"/>
   </p:sldIdLst>
   <p:sldSz cx="12192000" cy="6858000"/>
   <p:notesSz cx="6858000" cy="9144000"/>
   <p:embeddedFontLst>
     <p:embeddedFont>
-      <p:font typeface="Bahnschrift" panose="020B0502040204020203" pitchFamily="34" charset="0"/>
-      <p:regular r:id="rId10"/>
-      <p:bold r:id="rId11"/>
+      <p:font typeface="Bahnschrift Light" panose="020B0502040204020203" pitchFamily="34" charset="0"/>
+      <p:regular r:id="rId11"/>
     </p:embeddedFont>
     <p:embeddedFont>
-      <p:font typeface="맑은 고딕" panose="020B0503020000020004" pitchFamily="50" charset="-127"/>
+      <p:font typeface="Bahnschrift" panose="020B0502040204020203" pitchFamily="34" charset="0"/>
       <p:regular r:id="rId12"/>
       <p:bold r:id="rId13"/>
     </p:embeddedFont>
     <p:embeddedFont>
-      <p:font typeface="Bahnschrift Light" panose="020B0502040204020203" pitchFamily="34" charset="0"/>
+      <p:font typeface="맑은 고딕" panose="020B0503020000020004" pitchFamily="50" charset="-127"/>
       <p:regular r:id="rId14"/>
+      <p:bold r:id="rId15"/>
     </p:embeddedFont>
   </p:embeddedFontLst>
   <p:defaultTextStyle>
@@ -9794,6 +9795,212 @@
 </p:sld>
 </file>
 
+<file path=ppt/slides/slide9.xml><?xml version="1.0" encoding="utf-8"?>
+<p:sld xmlns:a="http://schemas.openxmlformats.org/drawingml/2006/main" xmlns:r="http://schemas.openxmlformats.org/officeDocument/2006/relationships" xmlns:p="http://schemas.openxmlformats.org/presentationml/2006/main">
+  <p:cSld>
+    <p:spTree>
+      <p:nvGrpSpPr>
+        <p:cNvPr id="1" name=""/>
+        <p:cNvGrpSpPr/>
+        <p:nvPr/>
+      </p:nvGrpSpPr>
+      <p:grpSpPr>
+        <a:xfrm>
+          <a:off x="0" y="0"/>
+          <a:ext cx="0" cy="0"/>
+          <a:chOff x="0" y="0"/>
+          <a:chExt cx="0" cy="0"/>
+        </a:xfrm>
+      </p:grpSpPr>
+      <p:pic>
+        <p:nvPicPr>
+          <p:cNvPr id="9" name="그림 8"/>
+          <p:cNvPicPr>
+            <a:picLocks noChangeAspect="1"/>
+          </p:cNvPicPr>
+          <p:nvPr/>
+        </p:nvPicPr>
+        <p:blipFill>
+          <a:blip r:embed="rId2"/>
+          <a:stretch>
+            <a:fillRect/>
+          </a:stretch>
+        </p:blipFill>
+        <p:spPr>
+          <a:xfrm>
+            <a:off x="0" y="0"/>
+            <a:ext cx="12192000" cy="1011600"/>
+          </a:xfrm>
+          <a:prstGeom prst="rect">
+            <a:avLst/>
+          </a:prstGeom>
+        </p:spPr>
+      </p:pic>
+      <p:sp>
+        <p:nvSpPr>
+          <p:cNvPr id="4" name="타원 3"/>
+          <p:cNvSpPr/>
+          <p:nvPr/>
+        </p:nvSpPr>
+        <p:spPr>
+          <a:xfrm>
+            <a:off x="194552" y="97276"/>
+            <a:ext cx="768485" cy="768485"/>
+          </a:xfrm>
+          <a:prstGeom prst="ellipse">
+            <a:avLst/>
+          </a:prstGeom>
+          <a:solidFill>
+            <a:schemeClr val="bg1"/>
+          </a:solidFill>
+          <a:ln>
+            <a:noFill/>
+          </a:ln>
+        </p:spPr>
+        <p:style>
+          <a:lnRef idx="2">
+            <a:schemeClr val="accent1">
+              <a:shade val="50000"/>
+            </a:schemeClr>
+          </a:lnRef>
+          <a:fillRef idx="1">
+            <a:schemeClr val="accent1"/>
+          </a:fillRef>
+          <a:effectRef idx="0">
+            <a:schemeClr val="accent1"/>
+          </a:effectRef>
+          <a:fontRef idx="minor">
+            <a:schemeClr val="lt1"/>
+          </a:fontRef>
+        </p:style>
+        <p:txBody>
+          <a:bodyPr rtlCol="0" anchor="ctr"/>
+          <a:lstStyle/>
+          <a:p>
+            <a:pPr algn="ctr"/>
+            <a:endParaRPr lang="ko-KR" altLang="en-US"/>
+          </a:p>
+        </p:txBody>
+      </p:sp>
+      <p:pic>
+        <p:nvPicPr>
+          <p:cNvPr id="3" name="그림 2"/>
+          <p:cNvPicPr>
+            <a:picLocks noChangeAspect="1"/>
+          </p:cNvPicPr>
+          <p:nvPr/>
+        </p:nvPicPr>
+        <p:blipFill>
+          <a:blip r:embed="rId3">
+            <a:extLst>
+              <a:ext uri="{28A0092B-C50C-407E-A947-70E740481C1C}">
+                <a14:useLocalDpi xmlns:a14="http://schemas.microsoft.com/office/drawing/2010/main" val="0"/>
+              </a:ext>
+            </a:extLst>
+          </a:blip>
+          <a:stretch>
+            <a:fillRect/>
+          </a:stretch>
+        </p:blipFill>
+        <p:spPr>
+          <a:xfrm>
+            <a:off x="194552" y="97275"/>
+            <a:ext cx="753847" cy="768485"/>
+          </a:xfrm>
+          <a:prstGeom prst="rect">
+            <a:avLst/>
+          </a:prstGeom>
+        </p:spPr>
+      </p:pic>
+      <p:sp>
+        <p:nvSpPr>
+          <p:cNvPr id="6" name="TextBox 5"/>
+          <p:cNvSpPr txBox="1"/>
+          <p:nvPr/>
+        </p:nvSpPr>
+        <p:spPr>
+          <a:xfrm>
+            <a:off x="1274323" y="175098"/>
+            <a:ext cx="6647546" cy="630942"/>
+          </a:xfrm>
+          <a:prstGeom prst="rect">
+            <a:avLst/>
+          </a:prstGeom>
+          <a:noFill/>
+        </p:spPr>
+        <p:txBody>
+          <a:bodyPr wrap="square" rtlCol="0">
+            <a:spAutoFit/>
+          </a:bodyPr>
+          <a:lstStyle/>
+          <a:p>
+            <a:r>
+              <a:rPr lang="ko-KR" altLang="en-US" sz="3500" dirty="0" smtClean="0">
+                <a:solidFill>
+                  <a:schemeClr val="bg1"/>
+                </a:solidFill>
+                <a:ea typeface="문체부 제목 돋음체" panose="020B0609000101010101" pitchFamily="49" charset="-127"/>
+              </a:rPr>
+              <a:t>질의응답 및 소감 발표</a:t>
+            </a:r>
+            <a:endParaRPr lang="ko-KR" altLang="en-US" sz="3500" dirty="0">
+              <a:solidFill>
+                <a:schemeClr val="bg1"/>
+              </a:solidFill>
+              <a:ea typeface="문체부 제목 돋음체" panose="020B0609000101010101" pitchFamily="49" charset="-127"/>
+            </a:endParaRPr>
+          </a:p>
+        </p:txBody>
+      </p:sp>
+      <p:pic>
+        <p:nvPicPr>
+          <p:cNvPr id="7" name="그림 6"/>
+          <p:cNvPicPr>
+            <a:picLocks noChangeAspect="1"/>
+          </p:cNvPicPr>
+          <p:nvPr/>
+        </p:nvPicPr>
+        <p:blipFill rotWithShape="1">
+          <a:blip r:embed="rId4">
+            <a:extLst>
+              <a:ext uri="{28A0092B-C50C-407E-A947-70E740481C1C}">
+                <a14:useLocalDpi xmlns:a14="http://schemas.microsoft.com/office/drawing/2010/main" val="0"/>
+              </a:ext>
+            </a:extLst>
+          </a:blip>
+          <a:srcRect l="15442" t="28628" r="16631" b="24691"/>
+          <a:stretch/>
+        </p:blipFill>
+        <p:spPr>
+          <a:xfrm>
+            <a:off x="4411556" y="2561204"/>
+            <a:ext cx="3368888" cy="2315183"/>
+          </a:xfrm>
+          <a:prstGeom prst="rect">
+            <a:avLst/>
+          </a:prstGeom>
+        </p:spPr>
+      </p:pic>
+    </p:spTree>
+    <p:extLst>
+      <p:ext uri="{BB962C8B-B14F-4D97-AF65-F5344CB8AC3E}">
+        <p14:creationId xmlns:p14="http://schemas.microsoft.com/office/powerpoint/2010/main" val="1275047113"/>
+      </p:ext>
+    </p:extLst>
+  </p:cSld>
+  <p:clrMapOvr>
+    <a:masterClrMapping/>
+  </p:clrMapOvr>
+  <p:timing>
+    <p:tnLst>
+      <p:par>
+        <p:cTn id="1" dur="indefinite" restart="never" nodeType="tmRoot"/>
+      </p:par>
+    </p:tnLst>
+  </p:timing>
+</p:sld>
+</file>
+
 <file path=ppt/theme/theme1.xml><?xml version="1.0" encoding="utf-8"?>
 <a:theme xmlns:a="http://schemas.openxmlformats.org/drawingml/2006/main" name="Office 테마">
   <a:themeElements>

--- a/swiftER 발표 보고서.pptx
+++ b/swiftER 발표 보고서.pptx
@@ -14,23 +14,28 @@
     <p:sldId id="261" r:id="rId8"/>
     <p:sldId id="263" r:id="rId9"/>
     <p:sldId id="264" r:id="rId10"/>
+    <p:sldId id="265" r:id="rId11"/>
   </p:sldIdLst>
   <p:sldSz cx="12192000" cy="6858000"/>
   <p:notesSz cx="6858000" cy="9144000"/>
   <p:embeddedFontLst>
     <p:embeddedFont>
-      <p:font typeface="Bahnschrift Light" panose="020B0502040204020203" pitchFamily="34" charset="0"/>
-      <p:regular r:id="rId11"/>
+      <p:font typeface="HY견고딕" panose="02030600000101010101" pitchFamily="18" charset="-127"/>
+      <p:regular r:id="rId12"/>
+    </p:embeddedFont>
+    <p:embeddedFont>
+      <p:font typeface="맑은 고딕" panose="020B0503020000020004" pitchFamily="50" charset="-127"/>
+      <p:regular r:id="rId13"/>
+      <p:bold r:id="rId14"/>
+    </p:embeddedFont>
+    <p:embeddedFont>
+      <p:font typeface="나눔고딕 ExtraBold" panose="020D0904000000000000" pitchFamily="50" charset="-127"/>
+      <p:bold r:id="rId15"/>
     </p:embeddedFont>
     <p:embeddedFont>
       <p:font typeface="Bahnschrift" panose="020B0502040204020203" pitchFamily="34" charset="0"/>
-      <p:regular r:id="rId12"/>
-      <p:bold r:id="rId13"/>
-    </p:embeddedFont>
-    <p:embeddedFont>
-      <p:font typeface="맑은 고딕" panose="020B0503020000020004" pitchFamily="50" charset="-127"/>
-      <p:regular r:id="rId14"/>
-      <p:bold r:id="rId15"/>
+      <p:regular r:id="rId16"/>
+      <p:bold r:id="rId17"/>
     </p:embeddedFont>
   </p:embeddedFontLst>
   <p:defaultTextStyle>
@@ -267,7 +272,7 @@
           <a:p>
             <a:fld id="{BFD51FC1-7DA1-4A7E-B866-81D87DCF9972}" type="datetimeFigureOut">
               <a:rPr lang="ko-KR" altLang="en-US" smtClean="0"/>
-              <a:t>2023-05-16</a:t>
+              <a:t>2023-05-17</a:t>
             </a:fld>
             <a:endParaRPr lang="ko-KR" altLang="en-US"/>
           </a:p>
@@ -437,7 +442,7 @@
           <a:p>
             <a:fld id="{BFD51FC1-7DA1-4A7E-B866-81D87DCF9972}" type="datetimeFigureOut">
               <a:rPr lang="ko-KR" altLang="en-US" smtClean="0"/>
-              <a:t>2023-05-16</a:t>
+              <a:t>2023-05-17</a:t>
             </a:fld>
             <a:endParaRPr lang="ko-KR" altLang="en-US"/>
           </a:p>
@@ -617,7 +622,7 @@
           <a:p>
             <a:fld id="{BFD51FC1-7DA1-4A7E-B866-81D87DCF9972}" type="datetimeFigureOut">
               <a:rPr lang="ko-KR" altLang="en-US" smtClean="0"/>
-              <a:t>2023-05-16</a:t>
+              <a:t>2023-05-17</a:t>
             </a:fld>
             <a:endParaRPr lang="ko-KR" altLang="en-US"/>
           </a:p>
@@ -787,7 +792,7 @@
           <a:p>
             <a:fld id="{BFD51FC1-7DA1-4A7E-B866-81D87DCF9972}" type="datetimeFigureOut">
               <a:rPr lang="ko-KR" altLang="en-US" smtClean="0"/>
-              <a:t>2023-05-16</a:t>
+              <a:t>2023-05-17</a:t>
             </a:fld>
             <a:endParaRPr lang="ko-KR" altLang="en-US"/>
           </a:p>
@@ -1033,7 +1038,7 @@
           <a:p>
             <a:fld id="{BFD51FC1-7DA1-4A7E-B866-81D87DCF9972}" type="datetimeFigureOut">
               <a:rPr lang="ko-KR" altLang="en-US" smtClean="0"/>
-              <a:t>2023-05-16</a:t>
+              <a:t>2023-05-17</a:t>
             </a:fld>
             <a:endParaRPr lang="ko-KR" altLang="en-US"/>
           </a:p>
@@ -1265,7 +1270,7 @@
           <a:p>
             <a:fld id="{BFD51FC1-7DA1-4A7E-B866-81D87DCF9972}" type="datetimeFigureOut">
               <a:rPr lang="ko-KR" altLang="en-US" smtClean="0"/>
-              <a:t>2023-05-16</a:t>
+              <a:t>2023-05-17</a:t>
             </a:fld>
             <a:endParaRPr lang="ko-KR" altLang="en-US"/>
           </a:p>
@@ -1632,7 +1637,7 @@
           <a:p>
             <a:fld id="{BFD51FC1-7DA1-4A7E-B866-81D87DCF9972}" type="datetimeFigureOut">
               <a:rPr lang="ko-KR" altLang="en-US" smtClean="0"/>
-              <a:t>2023-05-16</a:t>
+              <a:t>2023-05-17</a:t>
             </a:fld>
             <a:endParaRPr lang="ko-KR" altLang="en-US"/>
           </a:p>
@@ -1750,7 +1755,7 @@
           <a:p>
             <a:fld id="{BFD51FC1-7DA1-4A7E-B866-81D87DCF9972}" type="datetimeFigureOut">
               <a:rPr lang="ko-KR" altLang="en-US" smtClean="0"/>
-              <a:t>2023-05-16</a:t>
+              <a:t>2023-05-17</a:t>
             </a:fld>
             <a:endParaRPr lang="ko-KR" altLang="en-US"/>
           </a:p>
@@ -1845,7 +1850,7 @@
           <a:p>
             <a:fld id="{BFD51FC1-7DA1-4A7E-B866-81D87DCF9972}" type="datetimeFigureOut">
               <a:rPr lang="ko-KR" altLang="en-US" smtClean="0"/>
-              <a:t>2023-05-16</a:t>
+              <a:t>2023-05-17</a:t>
             </a:fld>
             <a:endParaRPr lang="ko-KR" altLang="en-US"/>
           </a:p>
@@ -2122,7 +2127,7 @@
           <a:p>
             <a:fld id="{BFD51FC1-7DA1-4A7E-B866-81D87DCF9972}" type="datetimeFigureOut">
               <a:rPr lang="ko-KR" altLang="en-US" smtClean="0"/>
-              <a:t>2023-05-16</a:t>
+              <a:t>2023-05-17</a:t>
             </a:fld>
             <a:endParaRPr lang="ko-KR" altLang="en-US"/>
           </a:p>
@@ -2375,7 +2380,7 @@
           <a:p>
             <a:fld id="{BFD51FC1-7DA1-4A7E-B866-81D87DCF9972}" type="datetimeFigureOut">
               <a:rPr lang="ko-KR" altLang="en-US" smtClean="0"/>
-              <a:t>2023-05-16</a:t>
+              <a:t>2023-05-17</a:t>
             </a:fld>
             <a:endParaRPr lang="ko-KR" altLang="en-US"/>
           </a:p>
@@ -2588,7 +2593,7 @@
           <a:p>
             <a:fld id="{BFD51FC1-7DA1-4A7E-B866-81D87DCF9972}" type="datetimeFigureOut">
               <a:rPr lang="ko-KR" altLang="en-US" smtClean="0"/>
-              <a:t>2023-05-16</a:t>
+              <a:t>2023-05-17</a:t>
             </a:fld>
             <a:endParaRPr lang="ko-KR" altLang="en-US"/>
           </a:p>
@@ -3014,7 +3019,7 @@
         </p:blipFill>
         <p:spPr>
           <a:xfrm>
-            <a:off x="734500" y="1663430"/>
+            <a:off x="4411557" y="1663430"/>
             <a:ext cx="3368888" cy="2315183"/>
           </a:xfrm>
           <a:prstGeom prst="rect">
@@ -3054,7 +3059,7 @@
         </p:nvSpPr>
         <p:spPr>
           <a:xfrm>
-            <a:off x="734500" y="3978613"/>
+            <a:off x="3172839" y="4511074"/>
             <a:ext cx="5846323" cy="784830"/>
           </a:xfrm>
           <a:prstGeom prst="rect">
@@ -3068,14 +3073,17 @@
           </a:bodyPr>
           <a:lstStyle/>
           <a:p>
+            <a:pPr algn="ctr"/>
             <a:r>
               <a:rPr lang="ko-KR" altLang="en-US" sz="4500" dirty="0" smtClean="0">
-                <a:ea typeface="문체부 제목 돋음체" panose="020B0609000101010101" pitchFamily="49" charset="-127"/>
+                <a:latin typeface="나눔고딕 ExtraBold" panose="020D0904000000000000" pitchFamily="50" charset="-127"/>
+                <a:ea typeface="나눔고딕 ExtraBold" panose="020D0904000000000000" pitchFamily="50" charset="-127"/>
               </a:rPr>
               <a:t>프로젝트 발표 보고서</a:t>
             </a:r>
             <a:endParaRPr lang="ko-KR" altLang="en-US" sz="4500" dirty="0">
-              <a:ea typeface="문체부 제목 돋음체" panose="020B0609000101010101" pitchFamily="49" charset="-127"/>
+              <a:latin typeface="나눔고딕 ExtraBold" panose="020D0904000000000000" pitchFamily="50" charset="-127"/>
+              <a:ea typeface="나눔고딕 ExtraBold" panose="020D0904000000000000" pitchFamily="50" charset="-127"/>
             </a:endParaRPr>
           </a:p>
         </p:txBody>
@@ -3084,6 +3092,215 @@
     <p:extLst>
       <p:ext uri="{BB962C8B-B14F-4D97-AF65-F5344CB8AC3E}">
         <p14:creationId xmlns:p14="http://schemas.microsoft.com/office/powerpoint/2010/main" val="3703027466"/>
+      </p:ext>
+    </p:extLst>
+  </p:cSld>
+  <p:clrMapOvr>
+    <a:masterClrMapping/>
+  </p:clrMapOvr>
+  <p:timing>
+    <p:tnLst>
+      <p:par>
+        <p:cTn id="1" dur="indefinite" restart="never" nodeType="tmRoot"/>
+      </p:par>
+    </p:tnLst>
+  </p:timing>
+</p:sld>
+</file>
+
+<file path=ppt/slides/slide10.xml><?xml version="1.0" encoding="utf-8"?>
+<p:sld xmlns:a="http://schemas.openxmlformats.org/drawingml/2006/main" xmlns:r="http://schemas.openxmlformats.org/officeDocument/2006/relationships" xmlns:p="http://schemas.openxmlformats.org/presentationml/2006/main">
+  <p:cSld>
+    <p:spTree>
+      <p:nvGrpSpPr>
+        <p:cNvPr id="1" name=""/>
+        <p:cNvGrpSpPr/>
+        <p:nvPr/>
+      </p:nvGrpSpPr>
+      <p:grpSpPr>
+        <a:xfrm>
+          <a:off x="0" y="0"/>
+          <a:ext cx="0" cy="0"/>
+          <a:chOff x="0" y="0"/>
+          <a:chExt cx="0" cy="0"/>
+        </a:xfrm>
+      </p:grpSpPr>
+      <p:pic>
+        <p:nvPicPr>
+          <p:cNvPr id="9" name="그림 8"/>
+          <p:cNvPicPr>
+            <a:picLocks noChangeAspect="1"/>
+          </p:cNvPicPr>
+          <p:nvPr/>
+        </p:nvPicPr>
+        <p:blipFill>
+          <a:blip r:embed="rId2"/>
+          <a:stretch>
+            <a:fillRect/>
+          </a:stretch>
+        </p:blipFill>
+        <p:spPr>
+          <a:xfrm>
+            <a:off x="0" y="0"/>
+            <a:ext cx="12192000" cy="1011600"/>
+          </a:xfrm>
+          <a:prstGeom prst="rect">
+            <a:avLst/>
+          </a:prstGeom>
+        </p:spPr>
+      </p:pic>
+      <p:sp>
+        <p:nvSpPr>
+          <p:cNvPr id="4" name="타원 3"/>
+          <p:cNvSpPr/>
+          <p:nvPr/>
+        </p:nvSpPr>
+        <p:spPr>
+          <a:xfrm>
+            <a:off x="194552" y="97276"/>
+            <a:ext cx="768485" cy="768485"/>
+          </a:xfrm>
+          <a:prstGeom prst="ellipse">
+            <a:avLst/>
+          </a:prstGeom>
+          <a:solidFill>
+            <a:schemeClr val="bg1"/>
+          </a:solidFill>
+          <a:ln>
+            <a:noFill/>
+          </a:ln>
+        </p:spPr>
+        <p:style>
+          <a:lnRef idx="2">
+            <a:schemeClr val="accent1">
+              <a:shade val="50000"/>
+            </a:schemeClr>
+          </a:lnRef>
+          <a:fillRef idx="1">
+            <a:schemeClr val="accent1"/>
+          </a:fillRef>
+          <a:effectRef idx="0">
+            <a:schemeClr val="accent1"/>
+          </a:effectRef>
+          <a:fontRef idx="minor">
+            <a:schemeClr val="lt1"/>
+          </a:fontRef>
+        </p:style>
+        <p:txBody>
+          <a:bodyPr rtlCol="0" anchor="ctr"/>
+          <a:lstStyle/>
+          <a:p>
+            <a:pPr algn="ctr"/>
+            <a:endParaRPr lang="ko-KR" altLang="en-US"/>
+          </a:p>
+        </p:txBody>
+      </p:sp>
+      <p:pic>
+        <p:nvPicPr>
+          <p:cNvPr id="3" name="그림 2"/>
+          <p:cNvPicPr>
+            <a:picLocks noChangeAspect="1"/>
+          </p:cNvPicPr>
+          <p:nvPr/>
+        </p:nvPicPr>
+        <p:blipFill>
+          <a:blip r:embed="rId3">
+            <a:extLst>
+              <a:ext uri="{28A0092B-C50C-407E-A947-70E740481C1C}">
+                <a14:useLocalDpi xmlns:a14="http://schemas.microsoft.com/office/drawing/2010/main" val="0"/>
+              </a:ext>
+            </a:extLst>
+          </a:blip>
+          <a:stretch>
+            <a:fillRect/>
+          </a:stretch>
+        </p:blipFill>
+        <p:spPr>
+          <a:xfrm>
+            <a:off x="194552" y="97275"/>
+            <a:ext cx="753847" cy="768485"/>
+          </a:xfrm>
+          <a:prstGeom prst="rect">
+            <a:avLst/>
+          </a:prstGeom>
+        </p:spPr>
+      </p:pic>
+      <p:sp>
+        <p:nvSpPr>
+          <p:cNvPr id="6" name="TextBox 5"/>
+          <p:cNvSpPr txBox="1"/>
+          <p:nvPr/>
+        </p:nvSpPr>
+        <p:spPr>
+          <a:xfrm>
+            <a:off x="2772227" y="190329"/>
+            <a:ext cx="6647546" cy="630942"/>
+          </a:xfrm>
+          <a:prstGeom prst="rect">
+            <a:avLst/>
+          </a:prstGeom>
+          <a:noFill/>
+        </p:spPr>
+        <p:txBody>
+          <a:bodyPr wrap="square" rtlCol="0">
+            <a:spAutoFit/>
+          </a:bodyPr>
+          <a:lstStyle/>
+          <a:p>
+            <a:pPr algn="ctr"/>
+            <a:r>
+              <a:rPr lang="en-US" altLang="ko-KR" sz="3500" b="1" dirty="0" smtClean="0">
+                <a:solidFill>
+                  <a:schemeClr val="bg1"/>
+                </a:solidFill>
+                <a:latin typeface="HY견고딕" panose="02030600000101010101" pitchFamily="18" charset="-127"/>
+                <a:ea typeface="HY견고딕" panose="02030600000101010101" pitchFamily="18" charset="-127"/>
+              </a:rPr>
+              <a:t>Q &amp; A</a:t>
+            </a:r>
+            <a:endParaRPr lang="ko-KR" altLang="en-US" sz="3500" b="1" dirty="0">
+              <a:solidFill>
+                <a:schemeClr val="bg1"/>
+              </a:solidFill>
+              <a:latin typeface="HY견고딕" panose="02030600000101010101" pitchFamily="18" charset="-127"/>
+              <a:ea typeface="HY견고딕" panose="02030600000101010101" pitchFamily="18" charset="-127"/>
+            </a:endParaRPr>
+          </a:p>
+        </p:txBody>
+      </p:sp>
+      <p:pic>
+        <p:nvPicPr>
+          <p:cNvPr id="7" name="그림 6"/>
+          <p:cNvPicPr>
+            <a:picLocks noChangeAspect="1"/>
+          </p:cNvPicPr>
+          <p:nvPr/>
+        </p:nvPicPr>
+        <p:blipFill rotWithShape="1">
+          <a:blip r:embed="rId4">
+            <a:extLst>
+              <a:ext uri="{28A0092B-C50C-407E-A947-70E740481C1C}">
+                <a14:useLocalDpi xmlns:a14="http://schemas.microsoft.com/office/drawing/2010/main" val="0"/>
+              </a:ext>
+            </a:extLst>
+          </a:blip>
+          <a:srcRect l="15442" t="28628" r="16631" b="24691"/>
+          <a:stretch/>
+        </p:blipFill>
+        <p:spPr>
+          <a:xfrm>
+            <a:off x="4411556" y="2561204"/>
+            <a:ext cx="3368888" cy="2315183"/>
+          </a:xfrm>
+          <a:prstGeom prst="rect">
+            <a:avLst/>
+          </a:prstGeom>
+        </p:spPr>
+      </p:pic>
+    </p:spTree>
+    <p:extLst>
+      <p:ext uri="{BB962C8B-B14F-4D97-AF65-F5344CB8AC3E}">
+        <p14:creationId xmlns:p14="http://schemas.microsoft.com/office/powerpoint/2010/main" val="165780252"/>
       </p:ext>
     </p:extLst>
   </p:cSld>
@@ -3240,19 +3457,21 @@
           <a:lstStyle/>
           <a:p>
             <a:r>
-              <a:rPr lang="ko-KR" altLang="en-US" sz="3500" dirty="0" smtClean="0">
+              <a:rPr lang="ko-KR" altLang="en-US" sz="3500" b="1" dirty="0" smtClean="0">
                 <a:solidFill>
                   <a:schemeClr val="bg1"/>
                 </a:solidFill>
-                <a:ea typeface="문체부 제목 돋음체" panose="020B0609000101010101" pitchFamily="49" charset="-127"/>
+                <a:latin typeface="맑은 고딕" panose="020B0503020000020004" pitchFamily="50" charset="-127"/>
+                <a:ea typeface="맑은 고딕" panose="020B0503020000020004" pitchFamily="50" charset="-127"/>
               </a:rPr>
               <a:t>개발 목적</a:t>
             </a:r>
-            <a:endParaRPr lang="ko-KR" altLang="en-US" sz="3500" dirty="0">
+            <a:endParaRPr lang="ko-KR" altLang="en-US" sz="3500" b="1" dirty="0">
               <a:solidFill>
                 <a:schemeClr val="bg1"/>
               </a:solidFill>
-              <a:ea typeface="문체부 제목 돋음체" panose="020B0609000101010101" pitchFamily="49" charset="-127"/>
+              <a:latin typeface="맑은 고딕" panose="020B0503020000020004" pitchFamily="50" charset="-127"/>
+              <a:ea typeface="맑은 고딕" panose="020B0503020000020004" pitchFamily="50" charset="-127"/>
             </a:endParaRPr>
           </a:p>
         </p:txBody>
@@ -3597,12 +3816,14 @@
           <a:p>
             <a:r>
               <a:rPr lang="ko-KR" altLang="en-US" dirty="0" smtClean="0">
-                <a:ea typeface="문체부 돋음체" panose="020B0609000101010101" pitchFamily="49" charset="-127"/>
+                <a:latin typeface="맑은 고딕" panose="020B0503020000020004" pitchFamily="50" charset="-127"/>
+                <a:ea typeface="맑은 고딕" panose="020B0503020000020004" pitchFamily="50" charset="-127"/>
               </a:rPr>
               <a:t>앉은 자리에서</a:t>
             </a:r>
             <a:endParaRPr lang="ko-KR" altLang="en-US" dirty="0">
-              <a:ea typeface="문체부 돋음체" panose="020B0609000101010101" pitchFamily="49" charset="-127"/>
+              <a:latin typeface="맑은 고딕" panose="020B0503020000020004" pitchFamily="50" charset="-127"/>
+              <a:ea typeface="맑은 고딕" panose="020B0503020000020004" pitchFamily="50" charset="-127"/>
             </a:endParaRPr>
           </a:p>
         </p:txBody>
@@ -3630,19 +3851,15 @@
           <a:lstStyle/>
           <a:p>
             <a:r>
-              <a:rPr lang="ko-KR" altLang="en-US" smtClean="0">
-                <a:ea typeface="문체부 돋음체" panose="020B0609000101010101" pitchFamily="49" charset="-127"/>
-              </a:rPr>
-              <a:t>질병 및 응급실 </a:t>
-            </a:r>
-            <a:r>
               <a:rPr lang="ko-KR" altLang="en-US" dirty="0" smtClean="0">
-                <a:ea typeface="문체부 돋음체" panose="020B0609000101010101" pitchFamily="49" charset="-127"/>
-              </a:rPr>
-              <a:t>정보를 검색하고</a:t>
+                <a:latin typeface="맑은 고딕" panose="020B0503020000020004" pitchFamily="50" charset="-127"/>
+                <a:ea typeface="맑은 고딕" panose="020B0503020000020004" pitchFamily="50" charset="-127"/>
+              </a:rPr>
+              <a:t>질병 및 응급실 정보를 검색하고</a:t>
             </a:r>
             <a:endParaRPr lang="ko-KR" altLang="en-US" dirty="0">
-              <a:ea typeface="문체부 돋음체" panose="020B0609000101010101" pitchFamily="49" charset="-127"/>
+              <a:latin typeface="맑은 고딕" panose="020B0503020000020004" pitchFamily="50" charset="-127"/>
+              <a:ea typeface="맑은 고딕" panose="020B0503020000020004" pitchFamily="50" charset="-127"/>
             </a:endParaRPr>
           </a:p>
         </p:txBody>
@@ -3670,13 +3887,15 @@
           <a:lstStyle/>
           <a:p>
             <a:r>
-              <a:rPr lang="ko-KR" altLang="en-US" smtClean="0">
-                <a:ea typeface="문체부 돋음체" panose="020B0609000101010101" pitchFamily="49" charset="-127"/>
+              <a:rPr lang="ko-KR" altLang="en-US" dirty="0" smtClean="0">
+                <a:latin typeface="맑은 고딕" panose="020B0503020000020004" pitchFamily="50" charset="-127"/>
+                <a:ea typeface="맑은 고딕" panose="020B0503020000020004" pitchFamily="50" charset="-127"/>
               </a:rPr>
               <a:t>정보 교류가 가능한 포털</a:t>
             </a:r>
             <a:endParaRPr lang="ko-KR" altLang="en-US" dirty="0">
-              <a:ea typeface="문체부 돋음체" panose="020B0609000101010101" pitchFamily="49" charset="-127"/>
+              <a:latin typeface="맑은 고딕" panose="020B0503020000020004" pitchFamily="50" charset="-127"/>
+              <a:ea typeface="맑은 고딕" panose="020B0503020000020004" pitchFamily="50" charset="-127"/>
             </a:endParaRPr>
           </a:p>
         </p:txBody>
@@ -4085,19 +4304,21 @@
           <a:lstStyle/>
           <a:p>
             <a:r>
-              <a:rPr lang="ko-KR" altLang="en-US" sz="3500" dirty="0" smtClean="0">
+              <a:rPr lang="ko-KR" altLang="en-US" sz="3500" b="1" dirty="0" smtClean="0">
                 <a:solidFill>
                   <a:schemeClr val="bg1"/>
                 </a:solidFill>
-                <a:ea typeface="문체부 제목 돋음체" panose="020B0609000101010101" pitchFamily="49" charset="-127"/>
+                <a:latin typeface="맑은 고딕" panose="020B0503020000020004" pitchFamily="50" charset="-127"/>
+                <a:ea typeface="맑은 고딕" panose="020B0503020000020004" pitchFamily="50" charset="-127"/>
               </a:rPr>
               <a:t>개발 관련 정보 </a:t>
             </a:r>
-            <a:endParaRPr lang="ko-KR" altLang="en-US" sz="3500" dirty="0">
+            <a:endParaRPr lang="ko-KR" altLang="en-US" sz="3500" b="1" dirty="0">
               <a:solidFill>
                 <a:schemeClr val="bg1"/>
               </a:solidFill>
-              <a:ea typeface="문체부 제목 돋음체" panose="020B0609000101010101" pitchFamily="49" charset="-127"/>
+              <a:latin typeface="맑은 고딕" panose="020B0503020000020004" pitchFamily="50" charset="-127"/>
+              <a:ea typeface="맑은 고딕" panose="020B0503020000020004" pitchFamily="50" charset="-127"/>
             </a:endParaRPr>
           </a:p>
         </p:txBody>
@@ -4110,8 +4331,8 @@
         </p:nvSpPr>
         <p:spPr>
           <a:xfrm flipH="1">
-            <a:off x="571475" y="1274883"/>
-            <a:ext cx="1695158" cy="477054"/>
+            <a:off x="571475" y="1186698"/>
+            <a:ext cx="1508041" cy="477054"/>
           </a:xfrm>
           <a:prstGeom prst="rect">
             <a:avLst/>
@@ -4125,13 +4346,13 @@
           <a:lstStyle/>
           <a:p>
             <a:r>
-              <a:rPr lang="ko-KR" altLang="en-US" sz="2500" dirty="0" smtClean="0">
-                <a:ea typeface="문체부 돋음체" panose="020B0609000101010101" pitchFamily="49" charset="-127"/>
+              <a:rPr lang="ko-KR" altLang="en-US" sz="2500" b="1" dirty="0" smtClean="0">
+                <a:latin typeface="+mn-ea"/>
               </a:rPr>
               <a:t>개발환경</a:t>
             </a:r>
-            <a:endParaRPr lang="ko-KR" altLang="en-US" sz="2500" dirty="0">
-              <a:ea typeface="문체부 돋음체" panose="020B0609000101010101" pitchFamily="49" charset="-127"/>
+            <a:endParaRPr lang="ko-KR" altLang="en-US" sz="2500" b="1" dirty="0">
+              <a:latin typeface="+mn-ea"/>
             </a:endParaRPr>
           </a:p>
         </p:txBody>
@@ -4144,7 +4365,7 @@
         </p:nvSpPr>
         <p:spPr>
           <a:xfrm>
-            <a:off x="677009" y="2101360"/>
+            <a:off x="677008" y="2202337"/>
             <a:ext cx="1099038" cy="369332"/>
           </a:xfrm>
           <a:prstGeom prst="rect">
@@ -4178,8 +4399,8 @@
         </p:nvSpPr>
         <p:spPr>
           <a:xfrm>
-            <a:off x="2433686" y="2101359"/>
-            <a:ext cx="5101321" cy="923330"/>
+            <a:off x="2433686" y="1951730"/>
+            <a:ext cx="5101321" cy="861774"/>
           </a:xfrm>
           <a:prstGeom prst="rect">
             <a:avLst/>
@@ -4193,48 +4414,34 @@
           <a:lstStyle/>
           <a:p>
             <a:r>
-              <a:rPr lang="en-US" altLang="ko-KR" dirty="0" smtClean="0">
-                <a:latin typeface="Bahnschrift Light" panose="020B0502040204020203" pitchFamily="34" charset="0"/>
-              </a:rPr>
+              <a:rPr lang="en-US" altLang="ko-KR" sz="1600" dirty="0" smtClean="0"/>
               <a:t>Java17, Spring Boot 3.0.4</a:t>
             </a:r>
           </a:p>
           <a:p>
             <a:r>
-              <a:rPr lang="en-US" altLang="ko-KR" dirty="0" smtClean="0">
-                <a:latin typeface="Bahnschrift Light" panose="020B0502040204020203" pitchFamily="34" charset="0"/>
-              </a:rPr>
+              <a:rPr lang="en-US" altLang="ko-KR" sz="1600" dirty="0" smtClean="0"/>
               <a:t>HTML/CSS, jQuery 3.5</a:t>
             </a:r>
           </a:p>
           <a:p>
             <a:r>
-              <a:rPr lang="en-US" altLang="ko-KR" dirty="0" smtClean="0">
-                <a:latin typeface="Bahnschrift Light" panose="020B0502040204020203" pitchFamily="34" charset="0"/>
-              </a:rPr>
+              <a:rPr lang="en-US" altLang="ko-KR" sz="1600" dirty="0" smtClean="0"/>
               <a:t>JavaScript(ES6), </a:t>
             </a:r>
             <a:r>
-              <a:rPr lang="en-US" altLang="ko-KR" dirty="0" err="1" smtClean="0">
-                <a:latin typeface="Bahnschrift Light" panose="020B0502040204020203" pitchFamily="34" charset="0"/>
-              </a:rPr>
+              <a:rPr lang="en-US" altLang="ko-KR" sz="1600" dirty="0" err="1" smtClean="0"/>
               <a:t>Thymeleaf</a:t>
             </a:r>
             <a:r>
-              <a:rPr lang="en-US" altLang="ko-KR" dirty="0" smtClean="0">
-                <a:latin typeface="Bahnschrift Light" panose="020B0502040204020203" pitchFamily="34" charset="0"/>
-              </a:rPr>
+              <a:rPr lang="en-US" altLang="ko-KR" sz="1600" dirty="0" smtClean="0"/>
               <a:t> 3.0.15</a:t>
             </a:r>
             <a:r>
-              <a:rPr lang="ko-KR" altLang="en-US" dirty="0" smtClean="0">
-                <a:latin typeface="Bahnschrift Light" panose="020B0502040204020203" pitchFamily="34" charset="0"/>
-              </a:rPr>
+              <a:rPr lang="ko-KR" altLang="en-US" sz="1600" dirty="0" smtClean="0"/>
               <a:t> </a:t>
             </a:r>
-            <a:endParaRPr lang="ko-KR" altLang="en-US" dirty="0">
-              <a:latin typeface="Bahnschrift Light" panose="020B0502040204020203" pitchFamily="34" charset="0"/>
-            </a:endParaRPr>
+            <a:endParaRPr lang="ko-KR" altLang="en-US" sz="1600" dirty="0"/>
           </a:p>
         </p:txBody>
       </p:sp>
@@ -4246,7 +4453,7 @@
         </p:nvSpPr>
         <p:spPr>
           <a:xfrm>
-            <a:off x="677009" y="3437791"/>
+            <a:off x="869535" y="3272773"/>
             <a:ext cx="1099038" cy="369332"/>
           </a:xfrm>
           <a:prstGeom prst="rect">
@@ -4262,12 +4469,14 @@
           <a:p>
             <a:r>
               <a:rPr lang="ko-KR" altLang="en-US" dirty="0" smtClean="0">
-                <a:ea typeface="문체부 돋음체" panose="020B0609000101010101" pitchFamily="49" charset="-127"/>
+                <a:latin typeface="맑은 고딕" panose="020B0503020000020004" pitchFamily="50" charset="-127"/>
+                <a:ea typeface="맑은 고딕" panose="020B0503020000020004" pitchFamily="50" charset="-127"/>
               </a:rPr>
               <a:t>서버</a:t>
             </a:r>
             <a:endParaRPr lang="ko-KR" altLang="en-US" dirty="0">
-              <a:ea typeface="문체부 돋음체" panose="020B0609000101010101" pitchFamily="49" charset="-127"/>
+              <a:latin typeface="맑은 고딕" panose="020B0503020000020004" pitchFamily="50" charset="-127"/>
+              <a:ea typeface="맑은 고딕" panose="020B0503020000020004" pitchFamily="50" charset="-127"/>
             </a:endParaRPr>
           </a:p>
         </p:txBody>
@@ -4280,8 +4489,8 @@
         </p:nvSpPr>
         <p:spPr>
           <a:xfrm>
-            <a:off x="2433686" y="3437791"/>
-            <a:ext cx="5101321" cy="369332"/>
+            <a:off x="2433686" y="3288162"/>
+            <a:ext cx="5101321" cy="338554"/>
           </a:xfrm>
           <a:prstGeom prst="rect">
             <a:avLst/>
@@ -4295,14 +4504,10 @@
           <a:lstStyle/>
           <a:p>
             <a:r>
-              <a:rPr lang="en-US" altLang="ko-KR" dirty="0" smtClean="0">
-                <a:latin typeface="Bahnschrift Light" panose="020B0502040204020203" pitchFamily="34" charset="0"/>
-              </a:rPr>
+              <a:rPr lang="en-US" altLang="ko-KR" sz="1600" dirty="0" smtClean="0"/>
               <a:t>Apache Tomcat 9.0</a:t>
             </a:r>
-            <a:endParaRPr lang="ko-KR" altLang="en-US" dirty="0">
-              <a:latin typeface="Bahnschrift Light" panose="020B0502040204020203" pitchFamily="34" charset="0"/>
-            </a:endParaRPr>
+            <a:endParaRPr lang="ko-KR" altLang="en-US" sz="1600" dirty="0"/>
           </a:p>
         </p:txBody>
       </p:sp>
@@ -4314,7 +4519,7 @@
         </p:nvSpPr>
         <p:spPr>
           <a:xfrm>
-            <a:off x="677009" y="4255477"/>
+            <a:off x="724803" y="4090459"/>
             <a:ext cx="1099038" cy="369332"/>
           </a:xfrm>
           <a:prstGeom prst="rect">
@@ -4348,8 +4553,8 @@
         </p:nvSpPr>
         <p:spPr>
           <a:xfrm>
-            <a:off x="2433686" y="4255477"/>
-            <a:ext cx="5101321" cy="369332"/>
+            <a:off x="2433686" y="4105848"/>
+            <a:ext cx="5101321" cy="338554"/>
           </a:xfrm>
           <a:prstGeom prst="rect">
             <a:avLst/>
@@ -4363,38 +4568,26 @@
           <a:lstStyle/>
           <a:p>
             <a:r>
-              <a:rPr lang="en-US" altLang="ko-KR" dirty="0" smtClean="0">
-                <a:latin typeface="Bahnschrift Light" panose="020B0502040204020203" pitchFamily="34" charset="0"/>
-              </a:rPr>
+              <a:rPr lang="en-US" altLang="ko-KR" sz="1600" dirty="0" smtClean="0"/>
               <a:t>MySQL 8.0, </a:t>
             </a:r>
             <a:r>
-              <a:rPr lang="en-US" altLang="ko-KR" dirty="0" err="1" smtClean="0">
-                <a:latin typeface="Bahnschrift Light" panose="020B0502040204020203" pitchFamily="34" charset="0"/>
-              </a:rPr>
+              <a:rPr lang="en-US" altLang="ko-KR" sz="1600" dirty="0" err="1" smtClean="0"/>
               <a:t>MariaDB</a:t>
             </a:r>
             <a:r>
-              <a:rPr lang="en-US" altLang="ko-KR" dirty="0" smtClean="0">
-                <a:latin typeface="Bahnschrift Light" panose="020B0502040204020203" pitchFamily="34" charset="0"/>
-              </a:rPr>
+              <a:rPr lang="en-US" altLang="ko-KR" sz="1600" dirty="0" smtClean="0"/>
               <a:t> 5.5.68(</a:t>
             </a:r>
             <a:r>
-              <a:rPr lang="ko-KR" altLang="en-US" dirty="0" smtClean="0">
-                <a:latin typeface="Bahnschrift Light" panose="020B0502040204020203" pitchFamily="34" charset="0"/>
-              </a:rPr>
+              <a:rPr lang="ko-KR" altLang="en-US" sz="1600" dirty="0" smtClean="0"/>
               <a:t>서비스</a:t>
             </a:r>
             <a:r>
-              <a:rPr lang="en-US" altLang="ko-KR" dirty="0" smtClean="0">
-                <a:latin typeface="Bahnschrift Light" panose="020B0502040204020203" pitchFamily="34" charset="0"/>
-              </a:rPr>
+              <a:rPr lang="en-US" altLang="ko-KR" sz="1600" dirty="0" smtClean="0"/>
               <a:t>)</a:t>
             </a:r>
-            <a:endParaRPr lang="ko-KR" altLang="en-US" dirty="0">
-              <a:latin typeface="Bahnschrift Light" panose="020B0502040204020203" pitchFamily="34" charset="0"/>
-            </a:endParaRPr>
+            <a:endParaRPr lang="ko-KR" altLang="en-US" sz="1600" dirty="0"/>
           </a:p>
         </p:txBody>
       </p:sp>
@@ -4406,8 +4599,8 @@
         </p:nvSpPr>
         <p:spPr>
           <a:xfrm>
-            <a:off x="677008" y="5046842"/>
-            <a:ext cx="1371599" cy="646331"/>
+            <a:off x="353480" y="5143434"/>
+            <a:ext cx="1854055" cy="369332"/>
           </a:xfrm>
           <a:prstGeom prst="rect">
             <a:avLst/>
@@ -4421,18 +4614,26 @@
           <a:lstStyle/>
           <a:p>
             <a:r>
-              <a:rPr lang="ko-KR" altLang="en-US" dirty="0" smtClean="0"/>
+              <a:rPr lang="ko-KR" altLang="en-US" dirty="0" smtClean="0">
+                <a:latin typeface="+mj-lt"/>
+              </a:rPr>
               <a:t>라이브러리</a:t>
             </a:r>
             <a:r>
-              <a:rPr lang="en-US" altLang="ko-KR" dirty="0" smtClean="0"/>
+              <a:rPr lang="en-US" altLang="ko-KR" dirty="0" smtClean="0">
+                <a:latin typeface="+mj-lt"/>
+              </a:rPr>
               <a:t>/API</a:t>
             </a:r>
             <a:r>
-              <a:rPr lang="ko-KR" altLang="en-US" dirty="0" smtClean="0"/>
+              <a:rPr lang="ko-KR" altLang="en-US" dirty="0" smtClean="0">
+                <a:latin typeface="+mj-lt"/>
+              </a:rPr>
               <a:t> </a:t>
             </a:r>
-            <a:endParaRPr lang="ko-KR" altLang="en-US" dirty="0"/>
+            <a:endParaRPr lang="ko-KR" altLang="en-US" dirty="0">
+              <a:latin typeface="+mj-lt"/>
+            </a:endParaRPr>
           </a:p>
         </p:txBody>
       </p:sp>
@@ -4444,8 +4645,8 @@
         </p:nvSpPr>
         <p:spPr>
           <a:xfrm>
-            <a:off x="2433686" y="5046842"/>
-            <a:ext cx="6341037" cy="923330"/>
+            <a:off x="2433686" y="4897213"/>
+            <a:ext cx="6341037" cy="861774"/>
           </a:xfrm>
           <a:prstGeom prst="rect">
             <a:avLst/>
@@ -4459,60 +4660,42 @@
           <a:lstStyle/>
           <a:p>
             <a:r>
-              <a:rPr lang="ko-KR" altLang="en-US" dirty="0" err="1" smtClean="0">
-                <a:latin typeface="Bahnschrift Light" panose="020B0502040204020203" pitchFamily="34" charset="0"/>
-              </a:rPr>
-              <a:t>공공데이터</a:t>
-            </a:r>
-            <a:r>
-              <a:rPr lang="en-US" altLang="ko-KR" dirty="0" smtClean="0">
-                <a:latin typeface="Bahnschrift Light" panose="020B0502040204020203" pitchFamily="34" charset="0"/>
-              </a:rPr>
+              <a:rPr lang="ko-KR" altLang="en-US" sz="1600" dirty="0" smtClean="0"/>
+              <a:t>공공 데이터</a:t>
+            </a:r>
+            <a:r>
+              <a:rPr lang="en-US" altLang="ko-KR" sz="1600" dirty="0" smtClean="0"/>
               <a:t>, Web Socket/Stomp protocol</a:t>
             </a:r>
           </a:p>
           <a:p>
             <a:r>
-              <a:rPr lang="en-US" altLang="ko-KR" dirty="0" err="1">
-                <a:latin typeface="Bahnschrift Light" panose="020B0502040204020203" pitchFamily="34" charset="0"/>
-              </a:rPr>
+              <a:rPr lang="en-US" altLang="ko-KR" sz="1600" dirty="0" err="1"/>
               <a:t>j</a:t>
             </a:r>
             <a:r>
-              <a:rPr lang="en-US" altLang="ko-KR" dirty="0" err="1" smtClean="0">
-                <a:latin typeface="Bahnschrift Light" panose="020B0502040204020203" pitchFamily="34" charset="0"/>
-              </a:rPr>
+              <a:rPr lang="en-US" altLang="ko-KR" sz="1600" dirty="0" err="1" smtClean="0"/>
               <a:t>soup</a:t>
             </a:r>
             <a:r>
-              <a:rPr lang="en-US" altLang="ko-KR" dirty="0" smtClean="0">
-                <a:latin typeface="Bahnschrift Light" panose="020B0502040204020203" pitchFamily="34" charset="0"/>
-              </a:rPr>
+              <a:rPr lang="en-US" altLang="ko-KR" sz="1600" dirty="0" smtClean="0"/>
               <a:t> 1.15.4, </a:t>
             </a:r>
             <a:r>
-              <a:rPr lang="en-US" altLang="ko-KR" dirty="0" err="1" smtClean="0">
-                <a:latin typeface="Bahnschrift Light" panose="020B0502040204020203" pitchFamily="34" charset="0"/>
-              </a:rPr>
+              <a:rPr lang="en-US" altLang="ko-KR" sz="1600" dirty="0" err="1" smtClean="0"/>
               <a:t>Kakao</a:t>
             </a:r>
             <a:r>
-              <a:rPr lang="en-US" altLang="ko-KR" dirty="0" smtClean="0">
-                <a:latin typeface="Bahnschrift Light" panose="020B0502040204020203" pitchFamily="34" charset="0"/>
-              </a:rPr>
+              <a:rPr lang="en-US" altLang="ko-KR" sz="1600" dirty="0" smtClean="0"/>
               <a:t> Map Web API</a:t>
             </a:r>
           </a:p>
           <a:p>
             <a:r>
-              <a:rPr lang="en-US" altLang="ko-KR" dirty="0" smtClean="0">
-                <a:latin typeface="Bahnschrift Light" panose="020B0502040204020203" pitchFamily="34" charset="0"/>
-              </a:rPr>
+              <a:rPr lang="en-US" altLang="ko-KR" sz="1600" dirty="0" smtClean="0"/>
               <a:t>Java Mail Sender</a:t>
             </a:r>
-            <a:endParaRPr lang="ko-KR" altLang="en-US" dirty="0">
-              <a:latin typeface="Bahnschrift Light" panose="020B0502040204020203" pitchFamily="34" charset="0"/>
-            </a:endParaRPr>
+            <a:endParaRPr lang="ko-KR" altLang="en-US" sz="1600" dirty="0"/>
           </a:p>
         </p:txBody>
       </p:sp>
@@ -4859,19 +5042,21 @@
           <a:lstStyle/>
           <a:p>
             <a:r>
-              <a:rPr lang="ko-KR" altLang="en-US" sz="3500" dirty="0" smtClean="0">
+              <a:rPr lang="ko-KR" altLang="en-US" sz="3500" b="1" dirty="0" smtClean="0">
                 <a:solidFill>
                   <a:schemeClr val="bg1"/>
                 </a:solidFill>
-                <a:ea typeface="문체부 제목 돋음체" panose="020B0609000101010101" pitchFamily="49" charset="-127"/>
+                <a:latin typeface="맑은 고딕" panose="020B0503020000020004" pitchFamily="50" charset="-127"/>
+                <a:ea typeface="맑은 고딕" panose="020B0503020000020004" pitchFamily="50" charset="-127"/>
               </a:rPr>
               <a:t>팀 구성</a:t>
             </a:r>
-            <a:endParaRPr lang="ko-KR" altLang="en-US" sz="3500" dirty="0">
+            <a:endParaRPr lang="ko-KR" altLang="en-US" sz="3500" b="1" dirty="0">
               <a:solidFill>
                 <a:schemeClr val="bg1"/>
               </a:solidFill>
-              <a:ea typeface="문체부 제목 돋음체" panose="020B0609000101010101" pitchFamily="49" charset="-127"/>
+              <a:latin typeface="맑은 고딕" panose="020B0503020000020004" pitchFamily="50" charset="-127"/>
+              <a:ea typeface="맑은 고딕" panose="020B0503020000020004" pitchFamily="50" charset="-127"/>
             </a:endParaRPr>
           </a:p>
         </p:txBody>
@@ -5046,7 +5231,8 @@
                 <a:solidFill>
                   <a:schemeClr val="tx1"/>
                 </a:solidFill>
-                <a:ea typeface="문체부 제목 돋음체" panose="020B0609000101010101" pitchFamily="49" charset="-127"/>
+                <a:latin typeface="맑은 고딕" panose="020B0503020000020004" pitchFamily="50" charset="-127"/>
+                <a:ea typeface="맑은 고딕" panose="020B0503020000020004" pitchFamily="50" charset="-127"/>
               </a:rPr>
               <a:t>조수빈</a:t>
             </a:r>
@@ -5054,7 +5240,8 @@
               <a:solidFill>
                 <a:schemeClr val="tx1"/>
               </a:solidFill>
-              <a:ea typeface="문체부 제목 돋음체" panose="020B0609000101010101" pitchFamily="49" charset="-127"/>
+              <a:latin typeface="맑은 고딕" panose="020B0503020000020004" pitchFamily="50" charset="-127"/>
+              <a:ea typeface="맑은 고딕" panose="020B0503020000020004" pitchFamily="50" charset="-127"/>
             </a:endParaRPr>
           </a:p>
         </p:txBody>
@@ -5106,7 +5293,8 @@
                 <a:solidFill>
                   <a:schemeClr val="tx1"/>
                 </a:solidFill>
-                <a:ea typeface="문체부 제목 돋음체" panose="020B0609000101010101" pitchFamily="49" charset="-127"/>
+                <a:latin typeface="맑은 고딕" panose="020B0503020000020004" pitchFamily="50" charset="-127"/>
+                <a:ea typeface="맑은 고딕" panose="020B0503020000020004" pitchFamily="50" charset="-127"/>
               </a:rPr>
               <a:t>김현준</a:t>
             </a:r>
@@ -5114,7 +5302,8 @@
               <a:solidFill>
                 <a:schemeClr val="tx1"/>
               </a:solidFill>
-              <a:ea typeface="문체부 제목 돋음체" panose="020B0609000101010101" pitchFamily="49" charset="-127"/>
+              <a:latin typeface="맑은 고딕" panose="020B0503020000020004" pitchFamily="50" charset="-127"/>
+              <a:ea typeface="맑은 고딕" panose="020B0503020000020004" pitchFamily="50" charset="-127"/>
             </a:endParaRPr>
           </a:p>
         </p:txBody>
@@ -5166,7 +5355,8 @@
                 <a:solidFill>
                   <a:schemeClr val="tx1"/>
                 </a:solidFill>
-                <a:ea typeface="문체부 제목 돋음체" panose="020B0609000101010101" pitchFamily="49" charset="-127"/>
+                <a:latin typeface="맑은 고딕" panose="020B0503020000020004" pitchFamily="50" charset="-127"/>
+                <a:ea typeface="맑은 고딕" panose="020B0503020000020004" pitchFamily="50" charset="-127"/>
               </a:rPr>
               <a:t>홍민준</a:t>
             </a:r>
@@ -5174,7 +5364,8 @@
               <a:solidFill>
                 <a:schemeClr val="tx1"/>
               </a:solidFill>
-              <a:ea typeface="문체부 제목 돋음체" panose="020B0609000101010101" pitchFamily="49" charset="-127"/>
+              <a:latin typeface="맑은 고딕" panose="020B0503020000020004" pitchFamily="50" charset="-127"/>
+              <a:ea typeface="맑은 고딕" panose="020B0503020000020004" pitchFamily="50" charset="-127"/>
             </a:endParaRPr>
           </a:p>
         </p:txBody>
@@ -5187,8 +5378,8 @@
         </p:nvSpPr>
         <p:spPr>
           <a:xfrm>
-            <a:off x="483579" y="2340976"/>
-            <a:ext cx="3527772" cy="3323987"/>
+            <a:off x="435910" y="1781836"/>
+            <a:ext cx="3527772" cy="4895186"/>
           </a:xfrm>
           <a:prstGeom prst="rect">
             <a:avLst/>
@@ -5201,253 +5392,381 @@
           </a:bodyPr>
           <a:lstStyle/>
           <a:p>
+            <a:pPr>
+              <a:lnSpc>
+                <a:spcPct val="150000"/>
+              </a:lnSpc>
+            </a:pPr>
             <a:r>
               <a:rPr lang="ko-KR" altLang="en-US" sz="1500" dirty="0" smtClean="0">
-                <a:ea typeface="문체부 돋음체" panose="020B0609000101010101" pitchFamily="49" charset="-127"/>
+                <a:latin typeface="맑은 고딕" panose="020B0503020000020004" pitchFamily="50" charset="-127"/>
+                <a:ea typeface="맑은 고딕" panose="020B0503020000020004" pitchFamily="50" charset="-127"/>
               </a:rPr>
               <a:t>메인</a:t>
             </a:r>
             <a:r>
+              <a:rPr lang="en-US" altLang="ko-KR" sz="1500" dirty="0">
+                <a:latin typeface="맑은 고딕" panose="020B0503020000020004" pitchFamily="50" charset="-127"/>
+                <a:ea typeface="맑은 고딕" panose="020B0503020000020004" pitchFamily="50" charset="-127"/>
+              </a:rPr>
+              <a:t> </a:t>
+            </a:r>
+            <a:r>
               <a:rPr lang="en-US" altLang="ko-KR" sz="1500" dirty="0" smtClean="0">
-                <a:ea typeface="문체부 돋음체" panose="020B0609000101010101" pitchFamily="49" charset="-127"/>
-              </a:rPr>
-              <a:t>, </a:t>
+                <a:latin typeface="맑은 고딕" panose="020B0503020000020004" pitchFamily="50" charset="-127"/>
+                <a:ea typeface="맑은 고딕" panose="020B0503020000020004" pitchFamily="50" charset="-127"/>
+              </a:rPr>
+              <a:t>/ </a:t>
             </a:r>
             <a:r>
               <a:rPr lang="ko-KR" altLang="en-US" sz="1500" dirty="0" smtClean="0">
-                <a:ea typeface="문체부 돋음체" panose="020B0609000101010101" pitchFamily="49" charset="-127"/>
+                <a:latin typeface="맑은 고딕" panose="020B0503020000020004" pitchFamily="50" charset="-127"/>
+                <a:ea typeface="맑은 고딕" panose="020B0503020000020004" pitchFamily="50" charset="-127"/>
               </a:rPr>
               <a:t>고객센터</a:t>
             </a:r>
             <a:r>
+              <a:rPr lang="en-US" altLang="ko-KR" sz="1500" dirty="0">
+                <a:latin typeface="맑은 고딕" panose="020B0503020000020004" pitchFamily="50" charset="-127"/>
+                <a:ea typeface="맑은 고딕" panose="020B0503020000020004" pitchFamily="50" charset="-127"/>
+              </a:rPr>
+              <a:t> </a:t>
+            </a:r>
+            <a:r>
               <a:rPr lang="en-US" altLang="ko-KR" sz="1500" dirty="0" smtClean="0">
-                <a:ea typeface="문체부 돋음체" panose="020B0609000101010101" pitchFamily="49" charset="-127"/>
-              </a:rPr>
-              <a:t>, </a:t>
+                <a:latin typeface="맑은 고딕" panose="020B0503020000020004" pitchFamily="50" charset="-127"/>
+                <a:ea typeface="맑은 고딕" panose="020B0503020000020004" pitchFamily="50" charset="-127"/>
+              </a:rPr>
+              <a:t>/ </a:t>
             </a:r>
             <a:r>
               <a:rPr lang="ko-KR" altLang="en-US" sz="1500" dirty="0" smtClean="0">
-                <a:ea typeface="문체부 돋음체" panose="020B0609000101010101" pitchFamily="49" charset="-127"/>
+                <a:latin typeface="맑은 고딕" panose="020B0503020000020004" pitchFamily="50" charset="-127"/>
+                <a:ea typeface="맑은 고딕" panose="020B0503020000020004" pitchFamily="50" charset="-127"/>
               </a:rPr>
               <a:t>관리자 화면 구현</a:t>
             </a:r>
             <a:endParaRPr lang="en-US" altLang="ko-KR" sz="1500" dirty="0" smtClean="0">
-              <a:ea typeface="문체부 돋음체" panose="020B0609000101010101" pitchFamily="49" charset="-127"/>
+              <a:latin typeface="맑은 고딕" panose="020B0503020000020004" pitchFamily="50" charset="-127"/>
+              <a:ea typeface="맑은 고딕" panose="020B0503020000020004" pitchFamily="50" charset="-127"/>
             </a:endParaRPr>
           </a:p>
           <a:p>
+            <a:pPr>
+              <a:lnSpc>
+                <a:spcPct val="150000"/>
+              </a:lnSpc>
+            </a:pPr>
             <a:r>
               <a:rPr lang="en-US" altLang="ko-KR" sz="1500" dirty="0" smtClean="0">
-                <a:ea typeface="문체부 돋음체" panose="020B0609000101010101" pitchFamily="49" charset="-127"/>
+                <a:latin typeface="맑은 고딕" panose="020B0503020000020004" pitchFamily="50" charset="-127"/>
+                <a:ea typeface="맑은 고딕" panose="020B0503020000020004" pitchFamily="50" charset="-127"/>
               </a:rPr>
               <a:t>ERD</a:t>
             </a:r>
             <a:r>
               <a:rPr lang="ko-KR" altLang="en-US" sz="1500" dirty="0" smtClean="0">
-                <a:ea typeface="문체부 돋음체" panose="020B0609000101010101" pitchFamily="49" charset="-127"/>
+                <a:latin typeface="맑은 고딕" panose="020B0503020000020004" pitchFamily="50" charset="-127"/>
+                <a:ea typeface="맑은 고딕" panose="020B0503020000020004" pitchFamily="50" charset="-127"/>
               </a:rPr>
               <a:t> 설계</a:t>
             </a:r>
             <a:endParaRPr lang="en-US" altLang="ko-KR" sz="1500" dirty="0" smtClean="0">
-              <a:ea typeface="문체부 돋음체" panose="020B0609000101010101" pitchFamily="49" charset="-127"/>
+              <a:latin typeface="맑은 고딕" panose="020B0503020000020004" pitchFamily="50" charset="-127"/>
+              <a:ea typeface="맑은 고딕" panose="020B0503020000020004" pitchFamily="50" charset="-127"/>
             </a:endParaRPr>
           </a:p>
           <a:p>
+            <a:pPr>
+              <a:lnSpc>
+                <a:spcPct val="150000"/>
+              </a:lnSpc>
+            </a:pPr>
             <a:r>
               <a:rPr lang="ko-KR" altLang="en-US" sz="1500" dirty="0" smtClean="0">
-                <a:ea typeface="문체부 돋음체" panose="020B0609000101010101" pitchFamily="49" charset="-127"/>
+                <a:latin typeface="맑은 고딕" panose="020B0503020000020004" pitchFamily="50" charset="-127"/>
+                <a:ea typeface="맑은 고딕" panose="020B0503020000020004" pitchFamily="50" charset="-127"/>
               </a:rPr>
               <a:t>고객센터 기능 구현</a:t>
             </a:r>
             <a:endParaRPr lang="en-US" altLang="ko-KR" sz="1500" dirty="0" smtClean="0">
-              <a:ea typeface="문체부 돋음체" panose="020B0609000101010101" pitchFamily="49" charset="-127"/>
+              <a:latin typeface="맑은 고딕" panose="020B0503020000020004" pitchFamily="50" charset="-127"/>
+              <a:ea typeface="맑은 고딕" panose="020B0503020000020004" pitchFamily="50" charset="-127"/>
             </a:endParaRPr>
           </a:p>
           <a:p>
+            <a:pPr>
+              <a:lnSpc>
+                <a:spcPct val="150000"/>
+              </a:lnSpc>
+            </a:pPr>
             <a:r>
               <a:rPr lang="ko-KR" altLang="en-US" sz="1500" dirty="0" smtClean="0">
-                <a:ea typeface="문체부 돋음체" panose="020B0609000101010101" pitchFamily="49" charset="-127"/>
+                <a:latin typeface="맑은 고딕" panose="020B0503020000020004" pitchFamily="50" charset="-127"/>
+                <a:ea typeface="맑은 고딕" panose="020B0503020000020004" pitchFamily="50" charset="-127"/>
               </a:rPr>
               <a:t>관리자 기능 구현</a:t>
             </a:r>
             <a:endParaRPr lang="en-US" altLang="ko-KR" sz="1500" dirty="0" smtClean="0">
-              <a:ea typeface="문체부 돋음체" panose="020B0609000101010101" pitchFamily="49" charset="-127"/>
+              <a:latin typeface="맑은 고딕" panose="020B0503020000020004" pitchFamily="50" charset="-127"/>
+              <a:ea typeface="맑은 고딕" panose="020B0503020000020004" pitchFamily="50" charset="-127"/>
             </a:endParaRPr>
           </a:p>
           <a:p>
+            <a:pPr>
+              <a:lnSpc>
+                <a:spcPct val="150000"/>
+              </a:lnSpc>
+            </a:pPr>
             <a:r>
               <a:rPr lang="ko-KR" altLang="en-US" sz="1500" dirty="0" smtClean="0">
-                <a:ea typeface="문체부 돋음체" panose="020B0609000101010101" pitchFamily="49" charset="-127"/>
+                <a:latin typeface="맑은 고딕" panose="020B0503020000020004" pitchFamily="50" charset="-127"/>
+                <a:ea typeface="맑은 고딕" panose="020B0503020000020004" pitchFamily="50" charset="-127"/>
               </a:rPr>
               <a:t>실시간 </a:t>
             </a:r>
             <a:r>
               <a:rPr lang="ko-KR" altLang="en-US" sz="1500" dirty="0" err="1" smtClean="0">
-                <a:ea typeface="문체부 돋음체" panose="020B0609000101010101" pitchFamily="49" charset="-127"/>
+                <a:latin typeface="맑은 고딕" panose="020B0503020000020004" pitchFamily="50" charset="-127"/>
+                <a:ea typeface="맑은 고딕" panose="020B0503020000020004" pitchFamily="50" charset="-127"/>
               </a:rPr>
               <a:t>메시징</a:t>
             </a:r>
             <a:r>
               <a:rPr lang="ko-KR" altLang="en-US" sz="1500" dirty="0" smtClean="0">
-                <a:ea typeface="문체부 돋음체" panose="020B0609000101010101" pitchFamily="49" charset="-127"/>
+                <a:latin typeface="맑은 고딕" panose="020B0503020000020004" pitchFamily="50" charset="-127"/>
+                <a:ea typeface="맑은 고딕" panose="020B0503020000020004" pitchFamily="50" charset="-127"/>
               </a:rPr>
               <a:t> 기능 구현</a:t>
             </a:r>
             <a:endParaRPr lang="en-US" altLang="ko-KR" sz="1500" dirty="0" smtClean="0">
-              <a:ea typeface="문체부 돋음체" panose="020B0609000101010101" pitchFamily="49" charset="-127"/>
+              <a:latin typeface="맑은 고딕" panose="020B0503020000020004" pitchFamily="50" charset="-127"/>
+              <a:ea typeface="맑은 고딕" panose="020B0503020000020004" pitchFamily="50" charset="-127"/>
             </a:endParaRPr>
           </a:p>
           <a:p>
+            <a:pPr>
+              <a:lnSpc>
+                <a:spcPct val="150000"/>
+              </a:lnSpc>
+            </a:pPr>
             <a:r>
               <a:rPr lang="ko-KR" altLang="en-US" sz="1500" dirty="0" err="1" smtClean="0">
-                <a:ea typeface="문체부 돋음체" panose="020B0609000101010101" pitchFamily="49" charset="-127"/>
+                <a:latin typeface="맑은 고딕" panose="020B0503020000020004" pitchFamily="50" charset="-127"/>
+                <a:ea typeface="맑은 고딕" panose="020B0503020000020004" pitchFamily="50" charset="-127"/>
               </a:rPr>
               <a:t>파이썬을</a:t>
             </a:r>
             <a:r>
               <a:rPr lang="ko-KR" altLang="en-US" sz="1500" dirty="0" smtClean="0">
-                <a:ea typeface="문체부 돋음체" panose="020B0609000101010101" pitchFamily="49" charset="-127"/>
+                <a:latin typeface="맑은 고딕" panose="020B0503020000020004" pitchFamily="50" charset="-127"/>
+                <a:ea typeface="맑은 고딕" panose="020B0503020000020004" pitchFamily="50" charset="-127"/>
               </a:rPr>
               <a:t> 이용해 증상 정보 </a:t>
             </a:r>
             <a:r>
               <a:rPr lang="ko-KR" altLang="en-US" sz="1500" dirty="0" err="1" smtClean="0">
-                <a:ea typeface="문체부 돋음체" panose="020B0609000101010101" pitchFamily="49" charset="-127"/>
+                <a:latin typeface="맑은 고딕" panose="020B0503020000020004" pitchFamily="50" charset="-127"/>
+                <a:ea typeface="맑은 고딕" panose="020B0503020000020004" pitchFamily="50" charset="-127"/>
               </a:rPr>
               <a:t>크롤링</a:t>
             </a:r>
             <a:endParaRPr lang="en-US" altLang="ko-KR" sz="1500" dirty="0" smtClean="0">
-              <a:ea typeface="문체부 돋음체" panose="020B0609000101010101" pitchFamily="49" charset="-127"/>
+              <a:latin typeface="맑은 고딕" panose="020B0503020000020004" pitchFamily="50" charset="-127"/>
+              <a:ea typeface="맑은 고딕" panose="020B0503020000020004" pitchFamily="50" charset="-127"/>
             </a:endParaRPr>
           </a:p>
           <a:p>
+            <a:pPr>
+              <a:lnSpc>
+                <a:spcPct val="150000"/>
+              </a:lnSpc>
+            </a:pPr>
             <a:r>
               <a:rPr lang="ko-KR" altLang="en-US" sz="1500" dirty="0" smtClean="0">
-                <a:ea typeface="문체부 돋음체" panose="020B0609000101010101" pitchFamily="49" charset="-127"/>
+                <a:latin typeface="맑은 고딕" panose="020B0503020000020004" pitchFamily="50" charset="-127"/>
+                <a:ea typeface="맑은 고딕" panose="020B0503020000020004" pitchFamily="50" charset="-127"/>
               </a:rPr>
               <a:t>검색 시 자동 완성 기능 구현</a:t>
             </a:r>
             <a:endParaRPr lang="en-US" altLang="ko-KR" sz="1500" dirty="0" smtClean="0">
-              <a:ea typeface="문체부 돋음체" panose="020B0609000101010101" pitchFamily="49" charset="-127"/>
+              <a:latin typeface="맑은 고딕" panose="020B0503020000020004" pitchFamily="50" charset="-127"/>
+              <a:ea typeface="맑은 고딕" panose="020B0503020000020004" pitchFamily="50" charset="-127"/>
             </a:endParaRPr>
           </a:p>
           <a:p>
+            <a:pPr>
+              <a:lnSpc>
+                <a:spcPct val="150000"/>
+              </a:lnSpc>
+            </a:pPr>
             <a:r>
               <a:rPr lang="ko-KR" altLang="en-US" sz="1500" dirty="0" smtClean="0">
-                <a:ea typeface="문체부 돋음체" panose="020B0609000101010101" pitchFamily="49" charset="-127"/>
+                <a:latin typeface="맑은 고딕" panose="020B0503020000020004" pitchFamily="50" charset="-127"/>
+                <a:ea typeface="맑은 고딕" panose="020B0503020000020004" pitchFamily="50" charset="-127"/>
               </a:rPr>
               <a:t>관리자 검색 결과 알고리즘 설계</a:t>
             </a:r>
             <a:endParaRPr lang="en-US" altLang="ko-KR" sz="1500" dirty="0" smtClean="0">
-              <a:ea typeface="문체부 돋음체" panose="020B0609000101010101" pitchFamily="49" charset="-127"/>
+              <a:latin typeface="맑은 고딕" panose="020B0503020000020004" pitchFamily="50" charset="-127"/>
+              <a:ea typeface="맑은 고딕" panose="020B0503020000020004" pitchFamily="50" charset="-127"/>
             </a:endParaRPr>
           </a:p>
           <a:p>
+            <a:pPr>
+              <a:lnSpc>
+                <a:spcPct val="150000"/>
+              </a:lnSpc>
+            </a:pPr>
             <a:r>
               <a:rPr lang="ko-KR" altLang="en-US" sz="1500" dirty="0" smtClean="0">
-                <a:ea typeface="문체부 돋음체" panose="020B0609000101010101" pitchFamily="49" charset="-127"/>
+                <a:latin typeface="맑은 고딕" panose="020B0503020000020004" pitchFamily="50" charset="-127"/>
+                <a:ea typeface="맑은 고딕" panose="020B0503020000020004" pitchFamily="50" charset="-127"/>
               </a:rPr>
               <a:t>관리자 현황 분석 보드 기능 구현</a:t>
             </a:r>
             <a:endParaRPr lang="en-US" altLang="ko-KR" sz="1500" dirty="0" smtClean="0">
-              <a:ea typeface="문체부 돋음체" panose="020B0609000101010101" pitchFamily="49" charset="-127"/>
+              <a:latin typeface="맑은 고딕" panose="020B0503020000020004" pitchFamily="50" charset="-127"/>
+              <a:ea typeface="맑은 고딕" panose="020B0503020000020004" pitchFamily="50" charset="-127"/>
             </a:endParaRPr>
           </a:p>
           <a:p>
+            <a:pPr>
+              <a:lnSpc>
+                <a:spcPct val="150000"/>
+              </a:lnSpc>
+            </a:pPr>
             <a:r>
               <a:rPr lang="en-US" altLang="ko-KR" sz="1500" dirty="0" err="1" smtClean="0">
-                <a:ea typeface="문체부 돋음체" panose="020B0609000101010101" pitchFamily="49" charset="-127"/>
+                <a:latin typeface="맑은 고딕" panose="020B0503020000020004" pitchFamily="50" charset="-127"/>
+                <a:ea typeface="맑은 고딕" panose="020B0503020000020004" pitchFamily="50" charset="-127"/>
               </a:rPr>
               <a:t>CKEditor</a:t>
             </a:r>
             <a:r>
               <a:rPr lang="ko-KR" altLang="en-US" sz="1500" dirty="0" smtClean="0">
-                <a:ea typeface="문체부 돋음체" panose="020B0609000101010101" pitchFamily="49" charset="-127"/>
+                <a:latin typeface="맑은 고딕" panose="020B0503020000020004" pitchFamily="50" charset="-127"/>
+                <a:ea typeface="맑은 고딕" panose="020B0503020000020004" pitchFamily="50" charset="-127"/>
               </a:rPr>
               <a:t>로 글 작성</a:t>
             </a:r>
             <a:r>
               <a:rPr lang="en-US" altLang="ko-KR" sz="1500" dirty="0" smtClean="0">
-                <a:ea typeface="문체부 돋음체" panose="020B0609000101010101" pitchFamily="49" charset="-127"/>
+                <a:latin typeface="맑은 고딕" panose="020B0503020000020004" pitchFamily="50" charset="-127"/>
+                <a:ea typeface="맑은 고딕" panose="020B0503020000020004" pitchFamily="50" charset="-127"/>
               </a:rPr>
               <a:t>/</a:t>
             </a:r>
             <a:r>
               <a:rPr lang="ko-KR" altLang="en-US" sz="1500" dirty="0" smtClean="0">
-                <a:ea typeface="문체부 돋음체" panose="020B0609000101010101" pitchFamily="49" charset="-127"/>
+                <a:latin typeface="맑은 고딕" panose="020B0503020000020004" pitchFamily="50" charset="-127"/>
+                <a:ea typeface="맑은 고딕" panose="020B0503020000020004" pitchFamily="50" charset="-127"/>
               </a:rPr>
               <a:t>수정 및 </a:t>
             </a:r>
             <a:endParaRPr lang="en-US" altLang="ko-KR" sz="1500" dirty="0" smtClean="0">
-              <a:ea typeface="문체부 돋음체" panose="020B0609000101010101" pitchFamily="49" charset="-127"/>
+              <a:latin typeface="맑은 고딕" panose="020B0503020000020004" pitchFamily="50" charset="-127"/>
+              <a:ea typeface="맑은 고딕" panose="020B0503020000020004" pitchFamily="50" charset="-127"/>
             </a:endParaRPr>
           </a:p>
           <a:p>
+            <a:pPr>
+              <a:lnSpc>
+                <a:spcPct val="150000"/>
+              </a:lnSpc>
+            </a:pPr>
             <a:r>
               <a:rPr lang="en-US" altLang="ko-KR" sz="1500" dirty="0" err="1" smtClean="0">
-                <a:ea typeface="문체부 돋음체" panose="020B0609000101010101" pitchFamily="49" charset="-127"/>
+                <a:latin typeface="맑은 고딕" panose="020B0503020000020004" pitchFamily="50" charset="-127"/>
+                <a:ea typeface="맑은 고딕" panose="020B0503020000020004" pitchFamily="50" charset="-127"/>
               </a:rPr>
               <a:t>jsoup</a:t>
             </a:r>
             <a:r>
               <a:rPr lang="ko-KR" altLang="en-US" sz="1500" dirty="0" smtClean="0">
-                <a:ea typeface="문체부 돋음체" panose="020B0609000101010101" pitchFamily="49" charset="-127"/>
+                <a:latin typeface="맑은 고딕" panose="020B0503020000020004" pitchFamily="50" charset="-127"/>
+                <a:ea typeface="맑은 고딕" panose="020B0503020000020004" pitchFamily="50" charset="-127"/>
               </a:rPr>
               <a:t>를 활용해 </a:t>
             </a:r>
             <a:r>
               <a:rPr lang="ko-KR" altLang="en-US" sz="1500" dirty="0" err="1" smtClean="0">
-                <a:ea typeface="문체부 돋음체" panose="020B0609000101010101" pitchFamily="49" charset="-127"/>
+                <a:latin typeface="맑은 고딕" panose="020B0503020000020004" pitchFamily="50" charset="-127"/>
+                <a:ea typeface="맑은 고딕" panose="020B0503020000020004" pitchFamily="50" charset="-127"/>
               </a:rPr>
               <a:t>입력값</a:t>
             </a:r>
             <a:r>
               <a:rPr lang="ko-KR" altLang="en-US" sz="1500" dirty="0" smtClean="0">
-                <a:ea typeface="문체부 돋음체" panose="020B0609000101010101" pitchFamily="49" charset="-127"/>
+                <a:latin typeface="맑은 고딕" panose="020B0503020000020004" pitchFamily="50" charset="-127"/>
+                <a:ea typeface="맑은 고딕" panose="020B0503020000020004" pitchFamily="50" charset="-127"/>
               </a:rPr>
               <a:t> 보안 처리</a:t>
             </a:r>
             <a:endParaRPr lang="en-US" altLang="ko-KR" sz="1500" dirty="0" smtClean="0">
-              <a:ea typeface="문체부 돋음체" panose="020B0609000101010101" pitchFamily="49" charset="-127"/>
+              <a:latin typeface="맑은 고딕" panose="020B0503020000020004" pitchFamily="50" charset="-127"/>
+              <a:ea typeface="맑은 고딕" panose="020B0503020000020004" pitchFamily="50" charset="-127"/>
             </a:endParaRPr>
           </a:p>
           <a:p>
+            <a:pPr>
+              <a:lnSpc>
+                <a:spcPct val="150000"/>
+              </a:lnSpc>
+            </a:pPr>
             <a:r>
               <a:rPr lang="ko-KR" altLang="en-US" sz="1500" dirty="0" smtClean="0">
-                <a:ea typeface="문체부 돋음체" panose="020B0609000101010101" pitchFamily="49" charset="-127"/>
+                <a:latin typeface="맑은 고딕" panose="020B0503020000020004" pitchFamily="50" charset="-127"/>
+                <a:ea typeface="맑은 고딕" panose="020B0503020000020004" pitchFamily="50" charset="-127"/>
               </a:rPr>
               <a:t>발표 </a:t>
             </a:r>
             <a:r>
               <a:rPr lang="en-US" altLang="ko-KR" sz="1500" dirty="0" smtClean="0">
-                <a:ea typeface="문체부 돋음체" panose="020B0609000101010101" pitchFamily="49" charset="-127"/>
+                <a:latin typeface="맑은 고딕" panose="020B0503020000020004" pitchFamily="50" charset="-127"/>
+                <a:ea typeface="맑은 고딕" panose="020B0503020000020004" pitchFamily="50" charset="-127"/>
               </a:rPr>
               <a:t>PPT </a:t>
             </a:r>
             <a:r>
               <a:rPr lang="ko-KR" altLang="en-US" sz="1500" dirty="0" smtClean="0">
-                <a:ea typeface="문체부 돋음체" panose="020B0609000101010101" pitchFamily="49" charset="-127"/>
+                <a:latin typeface="맑은 고딕" panose="020B0503020000020004" pitchFamily="50" charset="-127"/>
+                <a:ea typeface="맑은 고딕" panose="020B0503020000020004" pitchFamily="50" charset="-127"/>
               </a:rPr>
               <a:t>작성</a:t>
             </a:r>
             <a:endParaRPr lang="en-US" altLang="ko-KR" sz="1500" dirty="0" smtClean="0">
-              <a:ea typeface="문체부 돋음체" panose="020B0609000101010101" pitchFamily="49" charset="-127"/>
+              <a:latin typeface="맑은 고딕" panose="020B0503020000020004" pitchFamily="50" charset="-127"/>
+              <a:ea typeface="맑은 고딕" panose="020B0503020000020004" pitchFamily="50" charset="-127"/>
             </a:endParaRPr>
           </a:p>
           <a:p>
+            <a:pPr>
+              <a:lnSpc>
+                <a:spcPct val="150000"/>
+              </a:lnSpc>
+            </a:pPr>
             <a:endParaRPr lang="en-US" altLang="ko-KR" sz="1500" dirty="0" smtClean="0">
-              <a:ea typeface="문체부 돋음체" panose="020B0609000101010101" pitchFamily="49" charset="-127"/>
+              <a:latin typeface="맑은 고딕" panose="020B0503020000020004" pitchFamily="50" charset="-127"/>
+              <a:ea typeface="맑은 고딕" panose="020B0503020000020004" pitchFamily="50" charset="-127"/>
             </a:endParaRPr>
           </a:p>
           <a:p>
+            <a:pPr>
+              <a:lnSpc>
+                <a:spcPct val="150000"/>
+              </a:lnSpc>
+            </a:pPr>
             <a:r>
               <a:rPr lang="en-US" altLang="ko-KR" sz="1500" dirty="0" smtClean="0">
-                <a:ea typeface="문체부 돋음체" panose="020B0609000101010101" pitchFamily="49" charset="-127"/>
+                <a:latin typeface="맑은 고딕" panose="020B0503020000020004" pitchFamily="50" charset="-127"/>
+                <a:ea typeface="맑은 고딕" panose="020B0503020000020004" pitchFamily="50" charset="-127"/>
               </a:rPr>
               <a:t> </a:t>
             </a:r>
             <a:endParaRPr lang="ko-KR" altLang="en-US" sz="1500" dirty="0">
-              <a:ea typeface="문체부 돋음체" panose="020B0609000101010101" pitchFamily="49" charset="-127"/>
+              <a:latin typeface="맑은 고딕" panose="020B0503020000020004" pitchFamily="50" charset="-127"/>
+              <a:ea typeface="맑은 고딕" panose="020B0503020000020004" pitchFamily="50" charset="-127"/>
             </a:endParaRPr>
           </a:p>
         </p:txBody>
@@ -5460,8 +5779,8 @@
         </p:nvSpPr>
         <p:spPr>
           <a:xfrm>
-            <a:off x="4420040" y="2340976"/>
-            <a:ext cx="3527772" cy="1938992"/>
+            <a:off x="4435090" y="1837593"/>
+            <a:ext cx="3527772" cy="2817694"/>
           </a:xfrm>
           <a:prstGeom prst="rect">
             <a:avLst/>
@@ -5474,128 +5793,185 @@
           </a:bodyPr>
           <a:lstStyle/>
           <a:p>
+            <a:pPr>
+              <a:lnSpc>
+                <a:spcPct val="150000"/>
+              </a:lnSpc>
+            </a:pPr>
             <a:r>
               <a:rPr lang="ko-KR" altLang="en-US" sz="1500" dirty="0" smtClean="0">
-                <a:ea typeface="문체부 돋음체" panose="020B0609000101010101" pitchFamily="49" charset="-127"/>
+                <a:latin typeface="맑은 고딕" panose="020B0503020000020004" pitchFamily="50" charset="-127"/>
+                <a:ea typeface="맑은 고딕" panose="020B0503020000020004" pitchFamily="50" charset="-127"/>
               </a:rPr>
               <a:t>회원가입 및 정보 화면 구현</a:t>
             </a:r>
             <a:endParaRPr lang="en-US" altLang="ko-KR" sz="1500" dirty="0" smtClean="0">
-              <a:ea typeface="문체부 돋음체" panose="020B0609000101010101" pitchFamily="49" charset="-127"/>
+              <a:latin typeface="맑은 고딕" panose="020B0503020000020004" pitchFamily="50" charset="-127"/>
+              <a:ea typeface="맑은 고딕" panose="020B0503020000020004" pitchFamily="50" charset="-127"/>
             </a:endParaRPr>
           </a:p>
           <a:p>
+            <a:pPr>
+              <a:lnSpc>
+                <a:spcPct val="150000"/>
+              </a:lnSpc>
+            </a:pPr>
             <a:r>
               <a:rPr lang="ko-KR" altLang="en-US" sz="1500" dirty="0" smtClean="0">
-                <a:ea typeface="문체부 돋음체" panose="020B0609000101010101" pitchFamily="49" charset="-127"/>
+                <a:latin typeface="맑은 고딕" panose="020B0503020000020004" pitchFamily="50" charset="-127"/>
+                <a:ea typeface="맑은 고딕" panose="020B0503020000020004" pitchFamily="50" charset="-127"/>
               </a:rPr>
               <a:t>일반</a:t>
             </a:r>
             <a:r>
               <a:rPr lang="en-US" altLang="ko-KR" sz="1500" dirty="0" smtClean="0">
-                <a:ea typeface="문체부 돋음체" panose="020B0609000101010101" pitchFamily="49" charset="-127"/>
+                <a:latin typeface="맑은 고딕" panose="020B0503020000020004" pitchFamily="50" charset="-127"/>
+                <a:ea typeface="맑은 고딕" panose="020B0503020000020004" pitchFamily="50" charset="-127"/>
               </a:rPr>
               <a:t>/</a:t>
             </a:r>
             <a:r>
               <a:rPr lang="ko-KR" altLang="en-US" sz="1500" dirty="0" smtClean="0">
-                <a:ea typeface="문체부 돋음체" panose="020B0609000101010101" pitchFamily="49" charset="-127"/>
+                <a:latin typeface="맑은 고딕" panose="020B0503020000020004" pitchFamily="50" charset="-127"/>
+                <a:ea typeface="맑은 고딕" panose="020B0503020000020004" pitchFamily="50" charset="-127"/>
               </a:rPr>
               <a:t>의사 회원 가입 기능 구현</a:t>
             </a:r>
             <a:endParaRPr lang="en-US" altLang="ko-KR" sz="1500" dirty="0" smtClean="0">
-              <a:ea typeface="문체부 돋음체" panose="020B0609000101010101" pitchFamily="49" charset="-127"/>
+              <a:latin typeface="맑은 고딕" panose="020B0503020000020004" pitchFamily="50" charset="-127"/>
+              <a:ea typeface="맑은 고딕" panose="020B0503020000020004" pitchFamily="50" charset="-127"/>
             </a:endParaRPr>
           </a:p>
           <a:p>
+            <a:pPr>
+              <a:lnSpc>
+                <a:spcPct val="150000"/>
+              </a:lnSpc>
+            </a:pPr>
             <a:r>
               <a:rPr lang="ko-KR" altLang="en-US" sz="1500" dirty="0" smtClean="0">
-                <a:ea typeface="문체부 돋음체" panose="020B0609000101010101" pitchFamily="49" charset="-127"/>
+                <a:latin typeface="맑은 고딕" panose="020B0503020000020004" pitchFamily="50" charset="-127"/>
+                <a:ea typeface="맑은 고딕" panose="020B0503020000020004" pitchFamily="50" charset="-127"/>
               </a:rPr>
               <a:t>회원 가입 정보 인증 기능 구현</a:t>
             </a:r>
             <a:endParaRPr lang="en-US" altLang="ko-KR" sz="1500" dirty="0" smtClean="0">
-              <a:ea typeface="문체부 돋음체" panose="020B0609000101010101" pitchFamily="49" charset="-127"/>
+              <a:latin typeface="맑은 고딕" panose="020B0503020000020004" pitchFamily="50" charset="-127"/>
+              <a:ea typeface="맑은 고딕" panose="020B0503020000020004" pitchFamily="50" charset="-127"/>
             </a:endParaRPr>
           </a:p>
           <a:p>
+            <a:pPr>
+              <a:lnSpc>
+                <a:spcPct val="150000"/>
+              </a:lnSpc>
+            </a:pPr>
             <a:r>
               <a:rPr lang="ko-KR" altLang="en-US" sz="1500" dirty="0" smtClean="0">
-                <a:ea typeface="문체부 돋음체" panose="020B0609000101010101" pitchFamily="49" charset="-127"/>
+                <a:latin typeface="맑은 고딕" panose="020B0503020000020004" pitchFamily="50" charset="-127"/>
+                <a:ea typeface="맑은 고딕" panose="020B0503020000020004" pitchFamily="50" charset="-127"/>
               </a:rPr>
               <a:t>회원 정보 찾기</a:t>
             </a:r>
             <a:r>
               <a:rPr lang="en-US" altLang="ko-KR" sz="1500" dirty="0" smtClean="0">
-                <a:ea typeface="문체부 돋음체" panose="020B0609000101010101" pitchFamily="49" charset="-127"/>
+                <a:latin typeface="맑은 고딕" panose="020B0503020000020004" pitchFamily="50" charset="-127"/>
+                <a:ea typeface="맑은 고딕" panose="020B0503020000020004" pitchFamily="50" charset="-127"/>
               </a:rPr>
               <a:t>, </a:t>
             </a:r>
             <a:r>
               <a:rPr lang="ko-KR" altLang="en-US" sz="1500" dirty="0" err="1" smtClean="0">
-                <a:ea typeface="문체부 돋음체" panose="020B0609000101010101" pitchFamily="49" charset="-127"/>
+                <a:latin typeface="맑은 고딕" panose="020B0503020000020004" pitchFamily="50" charset="-127"/>
+                <a:ea typeface="맑은 고딕" panose="020B0503020000020004" pitchFamily="50" charset="-127"/>
               </a:rPr>
               <a:t>마이페이지</a:t>
             </a:r>
             <a:r>
               <a:rPr lang="ko-KR" altLang="en-US" sz="1500" dirty="0" smtClean="0">
-                <a:ea typeface="문체부 돋음체" panose="020B0609000101010101" pitchFamily="49" charset="-127"/>
+                <a:latin typeface="맑은 고딕" panose="020B0503020000020004" pitchFamily="50" charset="-127"/>
+                <a:ea typeface="맑은 고딕" panose="020B0503020000020004" pitchFamily="50" charset="-127"/>
               </a:rPr>
               <a:t> 기능 구현</a:t>
             </a:r>
             <a:endParaRPr lang="en-US" altLang="ko-KR" sz="1500" dirty="0">
-              <a:ea typeface="문체부 돋음체" panose="020B0609000101010101" pitchFamily="49" charset="-127"/>
+              <a:latin typeface="맑은 고딕" panose="020B0503020000020004" pitchFamily="50" charset="-127"/>
+              <a:ea typeface="맑은 고딕" panose="020B0503020000020004" pitchFamily="50" charset="-127"/>
             </a:endParaRPr>
           </a:p>
           <a:p>
+            <a:pPr>
+              <a:lnSpc>
+                <a:spcPct val="150000"/>
+              </a:lnSpc>
+            </a:pPr>
             <a:r>
               <a:rPr lang="en-US" altLang="ko-KR" sz="1500" dirty="0" smtClean="0">
-                <a:ea typeface="문체부 돋음체" panose="020B0609000101010101" pitchFamily="49" charset="-127"/>
+                <a:latin typeface="맑은 고딕" panose="020B0503020000020004" pitchFamily="50" charset="-127"/>
+                <a:ea typeface="맑은 고딕" panose="020B0503020000020004" pitchFamily="50" charset="-127"/>
               </a:rPr>
               <a:t>Spring Security </a:t>
             </a:r>
             <a:r>
               <a:rPr lang="ko-KR" altLang="en-US" sz="1500" dirty="0" smtClean="0">
-                <a:ea typeface="문체부 돋음체" panose="020B0609000101010101" pitchFamily="49" charset="-127"/>
+                <a:latin typeface="맑은 고딕" panose="020B0503020000020004" pitchFamily="50" charset="-127"/>
+                <a:ea typeface="맑은 고딕" panose="020B0503020000020004" pitchFamily="50" charset="-127"/>
               </a:rPr>
               <a:t>설정 및 적용</a:t>
             </a:r>
             <a:endParaRPr lang="en-US" altLang="ko-KR" sz="1500" dirty="0" smtClean="0">
-              <a:ea typeface="문체부 돋음체" panose="020B0609000101010101" pitchFamily="49" charset="-127"/>
+              <a:latin typeface="맑은 고딕" panose="020B0503020000020004" pitchFamily="50" charset="-127"/>
+              <a:ea typeface="맑은 고딕" panose="020B0503020000020004" pitchFamily="50" charset="-127"/>
             </a:endParaRPr>
           </a:p>
           <a:p>
+            <a:pPr>
+              <a:lnSpc>
+                <a:spcPct val="150000"/>
+              </a:lnSpc>
+            </a:pPr>
             <a:r>
               <a:rPr lang="ko-KR" altLang="en-US" sz="1500" dirty="0" smtClean="0">
-                <a:ea typeface="문체부 돋음체" panose="020B0609000101010101" pitchFamily="49" charset="-127"/>
+                <a:latin typeface="맑은 고딕" panose="020B0503020000020004" pitchFamily="50" charset="-127"/>
+                <a:ea typeface="맑은 고딕" panose="020B0503020000020004" pitchFamily="50" charset="-127"/>
               </a:rPr>
               <a:t>구글 이메일 전송 </a:t>
             </a:r>
             <a:r>
               <a:rPr lang="en-US" altLang="ko-KR" sz="1500" dirty="0" smtClean="0">
-                <a:ea typeface="문체부 돋음체" panose="020B0609000101010101" pitchFamily="49" charset="-127"/>
+                <a:latin typeface="맑은 고딕" panose="020B0503020000020004" pitchFamily="50" charset="-127"/>
+                <a:ea typeface="맑은 고딕" panose="020B0503020000020004" pitchFamily="50" charset="-127"/>
               </a:rPr>
               <a:t>API, Java Mail Sender: </a:t>
             </a:r>
             <a:r>
               <a:rPr lang="ko-KR" altLang="en-US" sz="1500" dirty="0" smtClean="0">
-                <a:ea typeface="문체부 돋음체" panose="020B0609000101010101" pitchFamily="49" charset="-127"/>
+                <a:latin typeface="맑은 고딕" panose="020B0503020000020004" pitchFamily="50" charset="-127"/>
+                <a:ea typeface="맑은 고딕" panose="020B0503020000020004" pitchFamily="50" charset="-127"/>
               </a:rPr>
               <a:t>이메일 인증</a:t>
             </a:r>
             <a:endParaRPr lang="en-US" altLang="ko-KR" sz="1500" dirty="0" smtClean="0">
-              <a:ea typeface="문체부 돋음체" panose="020B0609000101010101" pitchFamily="49" charset="-127"/>
+              <a:latin typeface="맑은 고딕" panose="020B0503020000020004" pitchFamily="50" charset="-127"/>
+              <a:ea typeface="맑은 고딕" panose="020B0503020000020004" pitchFamily="50" charset="-127"/>
             </a:endParaRPr>
           </a:p>
           <a:p>
+            <a:pPr>
+              <a:lnSpc>
+                <a:spcPct val="150000"/>
+              </a:lnSpc>
+            </a:pPr>
             <a:r>
               <a:rPr lang="en-US" altLang="ko-KR" sz="1500" dirty="0" smtClean="0">
-                <a:ea typeface="문체부 돋음체" panose="020B0609000101010101" pitchFamily="49" charset="-127"/>
+                <a:latin typeface="맑은 고딕" panose="020B0503020000020004" pitchFamily="50" charset="-127"/>
+                <a:ea typeface="맑은 고딕" panose="020B0503020000020004" pitchFamily="50" charset="-127"/>
               </a:rPr>
               <a:t> </a:t>
             </a:r>
             <a:endParaRPr lang="ko-KR" altLang="en-US" sz="1500" dirty="0">
-              <a:ea typeface="문체부 돋음체" panose="020B0609000101010101" pitchFamily="49" charset="-127"/>
+              <a:latin typeface="맑은 고딕" panose="020B0503020000020004" pitchFamily="50" charset="-127"/>
+              <a:ea typeface="맑은 고딕" panose="020B0503020000020004" pitchFamily="50" charset="-127"/>
             </a:endParaRPr>
           </a:p>
         </p:txBody>
@@ -5608,8 +5984,8 @@
         </p:nvSpPr>
         <p:spPr>
           <a:xfrm>
-            <a:off x="8409253" y="2340976"/>
-            <a:ext cx="3527772" cy="1477328"/>
+            <a:off x="8433095" y="1859837"/>
+            <a:ext cx="3527772" cy="2862322"/>
           </a:xfrm>
           <a:prstGeom prst="rect">
             <a:avLst/>
@@ -5622,123 +5998,210 @@
           </a:bodyPr>
           <a:lstStyle/>
           <a:p>
-            <a:r>
-              <a:rPr lang="ko-KR" altLang="en-US" sz="1500" smtClean="0">
-                <a:ea typeface="문체부 돋음체" panose="020B0609000101010101" pitchFamily="49" charset="-127"/>
+            <a:pPr>
+              <a:lnSpc>
+                <a:spcPct val="150000"/>
+              </a:lnSpc>
+            </a:pPr>
+            <a:r>
+              <a:rPr lang="ko-KR" altLang="en-US" sz="1500" dirty="0" smtClean="0">
+                <a:latin typeface="맑은 고딕" panose="020B0503020000020004" pitchFamily="50" charset="-127"/>
+                <a:ea typeface="맑은 고딕" panose="020B0503020000020004" pitchFamily="50" charset="-127"/>
               </a:rPr>
               <a:t>응급실 검색 및 결과</a:t>
             </a:r>
             <a:r>
-              <a:rPr lang="en-US" altLang="ko-KR" sz="1500" smtClean="0">
-                <a:ea typeface="문체부 돋음체" panose="020B0609000101010101" pitchFamily="49" charset="-127"/>
+              <a:rPr lang="en-US" altLang="ko-KR" sz="1500" dirty="0" smtClean="0">
+                <a:latin typeface="맑은 고딕" panose="020B0503020000020004" pitchFamily="50" charset="-127"/>
+                <a:ea typeface="맑은 고딕" panose="020B0503020000020004" pitchFamily="50" charset="-127"/>
               </a:rPr>
               <a:t>, </a:t>
             </a:r>
             <a:r>
               <a:rPr lang="ko-KR" altLang="en-US" sz="1500" dirty="0" smtClean="0">
-                <a:ea typeface="문체부 돋음체" panose="020B0609000101010101" pitchFamily="49" charset="-127"/>
+                <a:latin typeface="맑은 고딕" panose="020B0503020000020004" pitchFamily="50" charset="-127"/>
+                <a:ea typeface="맑은 고딕" panose="020B0503020000020004" pitchFamily="50" charset="-127"/>
               </a:rPr>
               <a:t>관리자 화면 구현</a:t>
             </a:r>
             <a:endParaRPr lang="en-US" altLang="ko-KR" sz="1500" dirty="0" smtClean="0">
-              <a:ea typeface="문체부 돋음체" panose="020B0609000101010101" pitchFamily="49" charset="-127"/>
+              <a:latin typeface="맑은 고딕" panose="020B0503020000020004" pitchFamily="50" charset="-127"/>
+              <a:ea typeface="맑은 고딕" panose="020B0503020000020004" pitchFamily="50" charset="-127"/>
             </a:endParaRPr>
           </a:p>
           <a:p>
+            <a:pPr>
+              <a:lnSpc>
+                <a:spcPct val="150000"/>
+              </a:lnSpc>
+            </a:pPr>
             <a:r>
               <a:rPr lang="ko-KR" altLang="en-US" sz="1500" dirty="0" smtClean="0">
-                <a:ea typeface="문체부 돋음체" panose="020B0609000101010101" pitchFamily="49" charset="-127"/>
+                <a:latin typeface="맑은 고딕" panose="020B0503020000020004" pitchFamily="50" charset="-127"/>
+                <a:ea typeface="맑은 고딕" panose="020B0503020000020004" pitchFamily="50" charset="-127"/>
               </a:rPr>
               <a:t>공공 데이터 실시간 검색 및 </a:t>
             </a:r>
             <a:r>
               <a:rPr lang="ko-KR" altLang="en-US" sz="1500" dirty="0" err="1" smtClean="0">
-                <a:ea typeface="문체부 돋음체" panose="020B0609000101010101" pitchFamily="49" charset="-127"/>
+                <a:latin typeface="맑은 고딕" panose="020B0503020000020004" pitchFamily="50" charset="-127"/>
+                <a:ea typeface="맑은 고딕" panose="020B0503020000020004" pitchFamily="50" charset="-127"/>
               </a:rPr>
               <a:t>파싱</a:t>
             </a:r>
             <a:endParaRPr lang="en-US" altLang="ko-KR" sz="1500" dirty="0" smtClean="0">
-              <a:ea typeface="문체부 돋음체" panose="020B0609000101010101" pitchFamily="49" charset="-127"/>
+              <a:latin typeface="맑은 고딕" panose="020B0503020000020004" pitchFamily="50" charset="-127"/>
+              <a:ea typeface="맑은 고딕" panose="020B0503020000020004" pitchFamily="50" charset="-127"/>
             </a:endParaRPr>
           </a:p>
           <a:p>
+            <a:pPr>
+              <a:lnSpc>
+                <a:spcPct val="150000"/>
+              </a:lnSpc>
+            </a:pPr>
             <a:r>
               <a:rPr lang="ko-KR" altLang="en-US" sz="1500" dirty="0" smtClean="0">
-                <a:ea typeface="문체부 돋음체" panose="020B0609000101010101" pitchFamily="49" charset="-127"/>
+                <a:latin typeface="맑은 고딕" panose="020B0503020000020004" pitchFamily="50" charset="-127"/>
+                <a:ea typeface="맑은 고딕" panose="020B0503020000020004" pitchFamily="50" charset="-127"/>
               </a:rPr>
               <a:t>카카오 맵 </a:t>
             </a:r>
             <a:r>
               <a:rPr lang="en-US" altLang="ko-KR" sz="1500" dirty="0" smtClean="0">
-                <a:ea typeface="문체부 돋음체" panose="020B0609000101010101" pitchFamily="49" charset="-127"/>
+                <a:latin typeface="맑은 고딕" panose="020B0503020000020004" pitchFamily="50" charset="-127"/>
+                <a:ea typeface="맑은 고딕" panose="020B0503020000020004" pitchFamily="50" charset="-127"/>
               </a:rPr>
               <a:t>API: </a:t>
             </a:r>
             <a:r>
               <a:rPr lang="ko-KR" altLang="en-US" sz="1500" dirty="0" smtClean="0">
-                <a:ea typeface="문체부 돋음체" panose="020B0609000101010101" pitchFamily="49" charset="-127"/>
+                <a:latin typeface="맑은 고딕" panose="020B0503020000020004" pitchFamily="50" charset="-127"/>
+                <a:ea typeface="맑은 고딕" panose="020B0503020000020004" pitchFamily="50" charset="-127"/>
               </a:rPr>
               <a:t>응급실 위치</a:t>
             </a:r>
             <a:r>
               <a:rPr lang="en-US" altLang="ko-KR" sz="1500" dirty="0" smtClean="0">
-                <a:ea typeface="문체부 돋음체" panose="020B0609000101010101" pitchFamily="49" charset="-127"/>
+                <a:latin typeface="맑은 고딕" panose="020B0503020000020004" pitchFamily="50" charset="-127"/>
+                <a:ea typeface="맑은 고딕" panose="020B0503020000020004" pitchFamily="50" charset="-127"/>
               </a:rPr>
               <a:t>/</a:t>
             </a:r>
             <a:r>
               <a:rPr lang="ko-KR" altLang="en-US" sz="1500" dirty="0" smtClean="0">
-                <a:ea typeface="문체부 돋음체" panose="020B0609000101010101" pitchFamily="49" charset="-127"/>
+                <a:latin typeface="맑은 고딕" panose="020B0503020000020004" pitchFamily="50" charset="-127"/>
+                <a:ea typeface="맑은 고딕" panose="020B0503020000020004" pitchFamily="50" charset="-127"/>
               </a:rPr>
               <a:t>상세 정보</a:t>
             </a:r>
             <a:endParaRPr lang="en-US" altLang="ko-KR" sz="1500" dirty="0" smtClean="0">
-              <a:ea typeface="문체부 돋음체" panose="020B0609000101010101" pitchFamily="49" charset="-127"/>
+              <a:latin typeface="맑은 고딕" panose="020B0503020000020004" pitchFamily="50" charset="-127"/>
+              <a:ea typeface="맑은 고딕" panose="020B0503020000020004" pitchFamily="50" charset="-127"/>
             </a:endParaRPr>
           </a:p>
           <a:p>
+            <a:pPr>
+              <a:lnSpc>
+                <a:spcPct val="150000"/>
+              </a:lnSpc>
+            </a:pPr>
             <a:r>
               <a:rPr lang="ko-KR" altLang="en-US" sz="1500" dirty="0" smtClean="0">
-                <a:ea typeface="문체부 돋음체" panose="020B0609000101010101" pitchFamily="49" charset="-127"/>
+                <a:latin typeface="맑은 고딕" panose="020B0503020000020004" pitchFamily="50" charset="-127"/>
+                <a:ea typeface="맑은 고딕" panose="020B0503020000020004" pitchFamily="50" charset="-127"/>
               </a:rPr>
               <a:t>응급실 상세 페이지 기능 구현</a:t>
             </a:r>
             <a:endParaRPr lang="en-US" altLang="ko-KR" sz="1500" dirty="0" smtClean="0">
-              <a:ea typeface="문체부 돋음체" panose="020B0609000101010101" pitchFamily="49" charset="-127"/>
+              <a:latin typeface="맑은 고딕" panose="020B0503020000020004" pitchFamily="50" charset="-127"/>
+              <a:ea typeface="맑은 고딕" panose="020B0503020000020004" pitchFamily="50" charset="-127"/>
             </a:endParaRPr>
           </a:p>
           <a:p>
+            <a:pPr>
+              <a:lnSpc>
+                <a:spcPct val="150000"/>
+              </a:lnSpc>
+            </a:pPr>
             <a:r>
               <a:rPr lang="ko-KR" altLang="en-US" sz="1500" dirty="0" smtClean="0">
-                <a:ea typeface="문체부 돋음체" panose="020B0609000101010101" pitchFamily="49" charset="-127"/>
+                <a:latin typeface="맑은 고딕" panose="020B0503020000020004" pitchFamily="50" charset="-127"/>
+                <a:ea typeface="맑은 고딕" panose="020B0503020000020004" pitchFamily="50" charset="-127"/>
               </a:rPr>
               <a:t>응급실 리뷰 작성</a:t>
             </a:r>
             <a:r>
               <a:rPr lang="en-US" altLang="ko-KR" sz="1500" dirty="0" smtClean="0">
-                <a:ea typeface="문체부 돋음체" panose="020B0609000101010101" pitchFamily="49" charset="-127"/>
+                <a:latin typeface="맑은 고딕" panose="020B0503020000020004" pitchFamily="50" charset="-127"/>
+                <a:ea typeface="맑은 고딕" panose="020B0503020000020004" pitchFamily="50" charset="-127"/>
               </a:rPr>
               <a:t>/</a:t>
             </a:r>
             <a:r>
               <a:rPr lang="ko-KR" altLang="en-US" sz="1500" dirty="0" smtClean="0">
-                <a:ea typeface="문체부 돋음체" panose="020B0609000101010101" pitchFamily="49" charset="-127"/>
+                <a:latin typeface="맑은 고딕" panose="020B0503020000020004" pitchFamily="50" charset="-127"/>
+                <a:ea typeface="맑은 고딕" panose="020B0503020000020004" pitchFamily="50" charset="-127"/>
               </a:rPr>
               <a:t>수정 기능 구현</a:t>
             </a:r>
             <a:endParaRPr lang="en-US" altLang="ko-KR" sz="1500" dirty="0" smtClean="0">
-              <a:ea typeface="문체부 돋음체" panose="020B0609000101010101" pitchFamily="49" charset="-127"/>
+              <a:latin typeface="맑은 고딕" panose="020B0503020000020004" pitchFamily="50" charset="-127"/>
+              <a:ea typeface="맑은 고딕" panose="020B0503020000020004" pitchFamily="50" charset="-127"/>
             </a:endParaRPr>
           </a:p>
           <a:p>
+            <a:pPr>
+              <a:lnSpc>
+                <a:spcPct val="150000"/>
+              </a:lnSpc>
+            </a:pPr>
+            <a:r>
+              <a:rPr lang="ko-KR" altLang="en-US" sz="1500" dirty="0" smtClean="0">
+                <a:latin typeface="맑은 고딕" panose="020B0503020000020004" pitchFamily="50" charset="-127"/>
+                <a:ea typeface="맑은 고딕" panose="020B0503020000020004" pitchFamily="50" charset="-127"/>
+              </a:rPr>
+              <a:t>약국 검색 화면 구현</a:t>
+            </a:r>
+            <a:endParaRPr lang="en-US" altLang="ko-KR" sz="1500" dirty="0" smtClean="0">
+              <a:latin typeface="맑은 고딕" panose="020B0503020000020004" pitchFamily="50" charset="-127"/>
+              <a:ea typeface="맑은 고딕" panose="020B0503020000020004" pitchFamily="50" charset="-127"/>
+            </a:endParaRPr>
+          </a:p>
+          <a:p>
+            <a:pPr>
+              <a:lnSpc>
+                <a:spcPct val="150000"/>
+              </a:lnSpc>
+            </a:pPr>
+            <a:r>
+              <a:rPr lang="ko-KR" altLang="en-US" sz="1500" dirty="0" smtClean="0">
+                <a:latin typeface="맑은 고딕" panose="020B0503020000020004" pitchFamily="50" charset="-127"/>
+                <a:ea typeface="맑은 고딕" panose="020B0503020000020004" pitchFamily="50" charset="-127"/>
+              </a:rPr>
+              <a:t>약국 검색 기능 구현</a:t>
+            </a:r>
+            <a:endParaRPr lang="en-US" altLang="ko-KR" sz="1500" dirty="0" smtClean="0">
+              <a:latin typeface="맑은 고딕" panose="020B0503020000020004" pitchFamily="50" charset="-127"/>
+              <a:ea typeface="맑은 고딕" panose="020B0503020000020004" pitchFamily="50" charset="-127"/>
+            </a:endParaRPr>
+          </a:p>
+          <a:p>
+            <a:pPr>
+              <a:lnSpc>
+                <a:spcPct val="150000"/>
+              </a:lnSpc>
+            </a:pPr>
             <a:r>
               <a:rPr lang="en-US" altLang="ko-KR" sz="1500" dirty="0" smtClean="0">
-                <a:ea typeface="문체부 돋음체" panose="020B0609000101010101" pitchFamily="49" charset="-127"/>
+                <a:latin typeface="맑은 고딕" panose="020B0503020000020004" pitchFamily="50" charset="-127"/>
+                <a:ea typeface="맑은 고딕" panose="020B0503020000020004" pitchFamily="50" charset="-127"/>
               </a:rPr>
               <a:t> </a:t>
             </a:r>
             <a:endParaRPr lang="ko-KR" altLang="en-US" sz="1500" dirty="0">
-              <a:ea typeface="문체부 돋음체" panose="020B0609000101010101" pitchFamily="49" charset="-127"/>
+              <a:latin typeface="맑은 고딕" panose="020B0503020000020004" pitchFamily="50" charset="-127"/>
+              <a:ea typeface="맑은 고딕" panose="020B0503020000020004" pitchFamily="50" charset="-127"/>
             </a:endParaRPr>
           </a:p>
         </p:txBody>
@@ -5790,7 +6253,8 @@
                 <a:solidFill>
                   <a:schemeClr val="tx1"/>
                 </a:solidFill>
-                <a:ea typeface="문체부 제목 돋음체" panose="020B0609000101010101" pitchFamily="49" charset="-127"/>
+                <a:latin typeface="나눔고딕 ExtraBold" panose="020D0904000000000000" pitchFamily="50" charset="-127"/>
+                <a:ea typeface="나눔고딕 ExtraBold" panose="020D0904000000000000" pitchFamily="50" charset="-127"/>
               </a:rPr>
               <a:t>팀장</a:t>
             </a:r>
@@ -5798,7 +6262,8 @@
               <a:solidFill>
                 <a:schemeClr val="tx1"/>
               </a:solidFill>
-              <a:ea typeface="문체부 제목 돋음체" panose="020B0609000101010101" pitchFamily="49" charset="-127"/>
+              <a:latin typeface="나눔고딕 ExtraBold" panose="020D0904000000000000" pitchFamily="50" charset="-127"/>
+              <a:ea typeface="나눔고딕 ExtraBold" panose="020D0904000000000000" pitchFamily="50" charset="-127"/>
             </a:endParaRPr>
           </a:p>
         </p:txBody>
@@ -5850,7 +6315,8 @@
                 <a:solidFill>
                   <a:schemeClr val="tx1"/>
                 </a:solidFill>
-                <a:ea typeface="문체부 제목 돋음체" panose="020B0609000101010101" pitchFamily="49" charset="-127"/>
+                <a:latin typeface="나눔고딕 ExtraBold" panose="020D0904000000000000" pitchFamily="50" charset="-127"/>
+                <a:ea typeface="나눔고딕 ExtraBold" panose="020D0904000000000000" pitchFamily="50" charset="-127"/>
               </a:rPr>
               <a:t>팀원</a:t>
             </a:r>
@@ -5858,7 +6324,8 @@
               <a:solidFill>
                 <a:schemeClr val="tx1"/>
               </a:solidFill>
-              <a:ea typeface="문체부 제목 돋음체" panose="020B0609000101010101" pitchFamily="49" charset="-127"/>
+              <a:latin typeface="나눔고딕 ExtraBold" panose="020D0904000000000000" pitchFamily="50" charset="-127"/>
+              <a:ea typeface="나눔고딕 ExtraBold" panose="020D0904000000000000" pitchFamily="50" charset="-127"/>
             </a:endParaRPr>
           </a:p>
         </p:txBody>
@@ -5910,7 +6377,8 @@
                 <a:solidFill>
                   <a:schemeClr val="tx1"/>
                 </a:solidFill>
-                <a:ea typeface="문체부 제목 돋음체" panose="020B0609000101010101" pitchFamily="49" charset="-127"/>
+                <a:latin typeface="나눔고딕 ExtraBold" panose="020D0904000000000000" pitchFamily="50" charset="-127"/>
+                <a:ea typeface="나눔고딕 ExtraBold" panose="020D0904000000000000" pitchFamily="50" charset="-127"/>
               </a:rPr>
               <a:t>팀원</a:t>
             </a:r>
@@ -5918,7 +6386,8 @@
               <a:solidFill>
                 <a:schemeClr val="tx1"/>
               </a:solidFill>
-              <a:ea typeface="문체부 제목 돋음체" panose="020B0609000101010101" pitchFamily="49" charset="-127"/>
+              <a:latin typeface="나눔고딕 ExtraBold" panose="020D0904000000000000" pitchFamily="50" charset="-127"/>
+              <a:ea typeface="나눔고딕 ExtraBold" panose="020D0904000000000000" pitchFamily="50" charset="-127"/>
             </a:endParaRPr>
           </a:p>
         </p:txBody>
@@ -6083,19 +6552,21 @@
           <a:lstStyle/>
           <a:p>
             <a:r>
-              <a:rPr lang="ko-KR" altLang="en-US" sz="3500" dirty="0" smtClean="0">
+              <a:rPr lang="ko-KR" altLang="en-US" sz="3500" b="1" dirty="0" smtClean="0">
                 <a:solidFill>
                   <a:schemeClr val="bg1"/>
                 </a:solidFill>
-                <a:ea typeface="문체부 제목 돋음체" panose="020B0609000101010101" pitchFamily="49" charset="-127"/>
+                <a:latin typeface="맑은 고딕" panose="020B0503020000020004" pitchFamily="50" charset="-127"/>
+                <a:ea typeface="맑은 고딕" panose="020B0503020000020004" pitchFamily="50" charset="-127"/>
               </a:rPr>
               <a:t>팀 구성</a:t>
             </a:r>
-            <a:endParaRPr lang="ko-KR" altLang="en-US" sz="3500" dirty="0">
+            <a:endParaRPr lang="ko-KR" altLang="en-US" sz="3500" b="1" dirty="0">
               <a:solidFill>
                 <a:schemeClr val="bg1"/>
               </a:solidFill>
-              <a:ea typeface="문체부 제목 돋음체" panose="020B0609000101010101" pitchFamily="49" charset="-127"/>
+              <a:latin typeface="맑은 고딕" panose="020B0503020000020004" pitchFamily="50" charset="-127"/>
+              <a:ea typeface="맑은 고딕" panose="020B0503020000020004" pitchFamily="50" charset="-127"/>
             </a:endParaRPr>
           </a:p>
         </p:txBody>
@@ -6108,7 +6579,7 @@
         </p:nvSpPr>
         <p:spPr>
           <a:xfrm>
-            <a:off x="334109" y="1644161"/>
+            <a:off x="1463735" y="1644161"/>
             <a:ext cx="3527772" cy="4844562"/>
           </a:xfrm>
           <a:prstGeom prst="rect">
@@ -6149,7 +6620,7 @@
         </p:nvSpPr>
         <p:spPr>
           <a:xfrm>
-            <a:off x="4332114" y="1644161"/>
+            <a:off x="6867495" y="1644161"/>
             <a:ext cx="3527772" cy="4844562"/>
           </a:xfrm>
           <a:prstGeom prst="rect">
@@ -6190,7 +6661,7 @@
         </p:nvSpPr>
         <p:spPr>
           <a:xfrm>
-            <a:off x="996898" y="1301262"/>
+            <a:off x="2126524" y="1301262"/>
             <a:ext cx="2202194" cy="536331"/>
           </a:xfrm>
           <a:prstGeom prst="rect">
@@ -6229,7 +6700,8 @@
                 <a:solidFill>
                   <a:schemeClr val="tx1"/>
                 </a:solidFill>
-                <a:ea typeface="문체부 제목 돋음체" panose="020B0609000101010101" pitchFamily="49" charset="-127"/>
+                <a:latin typeface="맑은 고딕" panose="020B0503020000020004" pitchFamily="50" charset="-127"/>
+                <a:ea typeface="맑은 고딕" panose="020B0503020000020004" pitchFamily="50" charset="-127"/>
               </a:rPr>
               <a:t>최아영</a:t>
             </a:r>
@@ -6237,7 +6709,8 @@
               <a:solidFill>
                 <a:schemeClr val="tx1"/>
               </a:solidFill>
-              <a:ea typeface="문체부 제목 돋음체" panose="020B0609000101010101" pitchFamily="49" charset="-127"/>
+              <a:latin typeface="맑은 고딕" panose="020B0503020000020004" pitchFamily="50" charset="-127"/>
+              <a:ea typeface="맑은 고딕" panose="020B0503020000020004" pitchFamily="50" charset="-127"/>
             </a:endParaRPr>
           </a:p>
         </p:txBody>
@@ -6250,7 +6723,7 @@
         </p:nvSpPr>
         <p:spPr>
           <a:xfrm>
-            <a:off x="4994903" y="1301262"/>
+            <a:off x="7530284" y="1301262"/>
             <a:ext cx="2202194" cy="536331"/>
           </a:xfrm>
           <a:prstGeom prst="rect">
@@ -6289,7 +6762,8 @@
                 <a:solidFill>
                   <a:schemeClr val="tx1"/>
                 </a:solidFill>
-                <a:ea typeface="문체부 제목 돋음체" panose="020B0609000101010101" pitchFamily="49" charset="-127"/>
+                <a:latin typeface="맑은 고딕" panose="020B0503020000020004" pitchFamily="50" charset="-127"/>
+                <a:ea typeface="맑은 고딕" panose="020B0503020000020004" pitchFamily="50" charset="-127"/>
               </a:rPr>
               <a:t>공민혁</a:t>
             </a:r>
@@ -6297,7 +6771,8 @@
               <a:solidFill>
                 <a:schemeClr val="tx1"/>
               </a:solidFill>
-              <a:ea typeface="문체부 제목 돋음체" panose="020B0609000101010101" pitchFamily="49" charset="-127"/>
+              <a:latin typeface="맑은 고딕" panose="020B0503020000020004" pitchFamily="50" charset="-127"/>
+              <a:ea typeface="맑은 고딕" panose="020B0503020000020004" pitchFamily="50" charset="-127"/>
             </a:endParaRPr>
           </a:p>
         </p:txBody>
@@ -6310,8 +6785,8 @@
         </p:nvSpPr>
         <p:spPr>
           <a:xfrm>
-            <a:off x="483579" y="2340976"/>
-            <a:ext cx="3527772" cy="1246495"/>
+            <a:off x="1538470" y="1836818"/>
+            <a:ext cx="3527772" cy="1778949"/>
           </a:xfrm>
           <a:prstGeom prst="rect">
             <a:avLst/>
@@ -6324,94 +6799,135 @@
           </a:bodyPr>
           <a:lstStyle/>
           <a:p>
+            <a:pPr>
+              <a:lnSpc>
+                <a:spcPct val="150000"/>
+              </a:lnSpc>
+            </a:pPr>
             <a:r>
               <a:rPr lang="ko-KR" altLang="en-US" sz="1500" dirty="0" smtClean="0">
-                <a:ea typeface="문체부 돋음체" panose="020B0609000101010101" pitchFamily="49" charset="-127"/>
+                <a:latin typeface="맑은 고딕" panose="020B0503020000020004" pitchFamily="50" charset="-127"/>
+                <a:ea typeface="맑은 고딕" panose="020B0503020000020004" pitchFamily="50" charset="-127"/>
               </a:rPr>
               <a:t>커뮤니티 화면 구현</a:t>
             </a:r>
             <a:endParaRPr lang="en-US" altLang="ko-KR" sz="1500" dirty="0" smtClean="0">
-              <a:ea typeface="문체부 돋음체" panose="020B0609000101010101" pitchFamily="49" charset="-127"/>
+              <a:latin typeface="맑은 고딕" panose="020B0503020000020004" pitchFamily="50" charset="-127"/>
+              <a:ea typeface="맑은 고딕" panose="020B0503020000020004" pitchFamily="50" charset="-127"/>
             </a:endParaRPr>
           </a:p>
           <a:p>
+            <a:pPr>
+              <a:lnSpc>
+                <a:spcPct val="150000"/>
+              </a:lnSpc>
+            </a:pPr>
             <a:r>
               <a:rPr lang="ko-KR" altLang="en-US" sz="1500" dirty="0" smtClean="0">
-                <a:ea typeface="문체부 돋음체" panose="020B0609000101010101" pitchFamily="49" charset="-127"/>
+                <a:latin typeface="맑은 고딕" panose="020B0503020000020004" pitchFamily="50" charset="-127"/>
+                <a:ea typeface="맑은 고딕" panose="020B0503020000020004" pitchFamily="50" charset="-127"/>
               </a:rPr>
               <a:t>커뮤니티 </a:t>
             </a:r>
             <a:r>
               <a:rPr lang="ko-KR" altLang="en-US" sz="1500" dirty="0" err="1" smtClean="0">
-                <a:ea typeface="문체부 돋음체" panose="020B0609000101010101" pitchFamily="49" charset="-127"/>
+                <a:latin typeface="맑은 고딕" panose="020B0503020000020004" pitchFamily="50" charset="-127"/>
+                <a:ea typeface="맑은 고딕" panose="020B0503020000020004" pitchFamily="50" charset="-127"/>
               </a:rPr>
               <a:t>게시글</a:t>
             </a:r>
             <a:r>
               <a:rPr lang="ko-KR" altLang="en-US" sz="1500" dirty="0" smtClean="0">
-                <a:ea typeface="문체부 돋음체" panose="020B0609000101010101" pitchFamily="49" charset="-127"/>
+                <a:latin typeface="맑은 고딕" panose="020B0503020000020004" pitchFamily="50" charset="-127"/>
+                <a:ea typeface="맑은 고딕" panose="020B0503020000020004" pitchFamily="50" charset="-127"/>
               </a:rPr>
               <a:t> </a:t>
             </a:r>
             <a:r>
               <a:rPr lang="en-US" altLang="ko-KR" sz="1500" dirty="0" smtClean="0">
-                <a:ea typeface="문체부 돋음체" panose="020B0609000101010101" pitchFamily="49" charset="-127"/>
+                <a:latin typeface="맑은 고딕" panose="020B0503020000020004" pitchFamily="50" charset="-127"/>
+                <a:ea typeface="맑은 고딕" panose="020B0503020000020004" pitchFamily="50" charset="-127"/>
               </a:rPr>
               <a:t>CRUD </a:t>
             </a:r>
             <a:r>
               <a:rPr lang="ko-KR" altLang="en-US" sz="1500" dirty="0" smtClean="0">
-                <a:ea typeface="문체부 돋음체" panose="020B0609000101010101" pitchFamily="49" charset="-127"/>
+                <a:latin typeface="맑은 고딕" panose="020B0503020000020004" pitchFamily="50" charset="-127"/>
+                <a:ea typeface="맑은 고딕" panose="020B0503020000020004" pitchFamily="50" charset="-127"/>
               </a:rPr>
               <a:t>기능</a:t>
             </a:r>
             <a:r>
               <a:rPr lang="en-US" altLang="ko-KR" sz="1500" dirty="0" smtClean="0">
-                <a:ea typeface="문체부 돋음체" panose="020B0609000101010101" pitchFamily="49" charset="-127"/>
+                <a:latin typeface="맑은 고딕" panose="020B0503020000020004" pitchFamily="50" charset="-127"/>
+                <a:ea typeface="맑은 고딕" panose="020B0503020000020004" pitchFamily="50" charset="-127"/>
               </a:rPr>
               <a:t> </a:t>
             </a:r>
             <a:r>
               <a:rPr lang="ko-KR" altLang="en-US" sz="1500" dirty="0" smtClean="0">
-                <a:ea typeface="문체부 돋음체" panose="020B0609000101010101" pitchFamily="49" charset="-127"/>
+                <a:latin typeface="맑은 고딕" panose="020B0503020000020004" pitchFamily="50" charset="-127"/>
+                <a:ea typeface="맑은 고딕" panose="020B0503020000020004" pitchFamily="50" charset="-127"/>
               </a:rPr>
               <a:t>구현</a:t>
             </a:r>
             <a:endParaRPr lang="en-US" altLang="ko-KR" sz="1500" dirty="0" smtClean="0">
-              <a:ea typeface="문체부 돋음체" panose="020B0609000101010101" pitchFamily="49" charset="-127"/>
+              <a:latin typeface="맑은 고딕" panose="020B0503020000020004" pitchFamily="50" charset="-127"/>
+              <a:ea typeface="맑은 고딕" panose="020B0503020000020004" pitchFamily="50" charset="-127"/>
             </a:endParaRPr>
           </a:p>
           <a:p>
+            <a:pPr>
+              <a:lnSpc>
+                <a:spcPct val="150000"/>
+              </a:lnSpc>
+            </a:pPr>
             <a:r>
               <a:rPr lang="ko-KR" altLang="en-US" sz="1500" dirty="0" err="1" smtClean="0">
-                <a:ea typeface="문체부 돋음체" panose="020B0609000101010101" pitchFamily="49" charset="-127"/>
+                <a:latin typeface="맑은 고딕" panose="020B0503020000020004" pitchFamily="50" charset="-127"/>
+                <a:ea typeface="맑은 고딕" panose="020B0503020000020004" pitchFamily="50" charset="-127"/>
               </a:rPr>
               <a:t>게시글</a:t>
             </a:r>
             <a:r>
               <a:rPr lang="ko-KR" altLang="en-US" sz="1500" dirty="0" smtClean="0">
-                <a:ea typeface="문체부 돋음체" panose="020B0609000101010101" pitchFamily="49" charset="-127"/>
+                <a:latin typeface="맑은 고딕" panose="020B0503020000020004" pitchFamily="50" charset="-127"/>
+                <a:ea typeface="맑은 고딕" panose="020B0503020000020004" pitchFamily="50" charset="-127"/>
               </a:rPr>
               <a:t> 검색 기능 구현</a:t>
             </a:r>
             <a:endParaRPr lang="en-US" altLang="ko-KR" sz="1500" dirty="0" smtClean="0">
-              <a:ea typeface="문체부 돋음체" panose="020B0609000101010101" pitchFamily="49" charset="-127"/>
+              <a:latin typeface="맑은 고딕" panose="020B0503020000020004" pitchFamily="50" charset="-127"/>
+              <a:ea typeface="맑은 고딕" panose="020B0503020000020004" pitchFamily="50" charset="-127"/>
             </a:endParaRPr>
           </a:p>
           <a:p>
+            <a:pPr>
+              <a:lnSpc>
+                <a:spcPct val="150000"/>
+              </a:lnSpc>
+            </a:pPr>
             <a:endParaRPr lang="en-US" altLang="ko-KR" sz="1500" dirty="0" smtClean="0">
-              <a:ea typeface="문체부 돋음체" panose="020B0609000101010101" pitchFamily="49" charset="-127"/>
+              <a:latin typeface="맑은 고딕" panose="020B0503020000020004" pitchFamily="50" charset="-127"/>
+              <a:ea typeface="맑은 고딕" panose="020B0503020000020004" pitchFamily="50" charset="-127"/>
             </a:endParaRPr>
           </a:p>
           <a:p>
+            <a:pPr>
+              <a:lnSpc>
+                <a:spcPct val="150000"/>
+              </a:lnSpc>
+            </a:pPr>
             <a:r>
               <a:rPr lang="en-US" altLang="ko-KR" sz="1500" dirty="0" smtClean="0">
-                <a:ea typeface="문체부 돋음체" panose="020B0609000101010101" pitchFamily="49" charset="-127"/>
+                <a:latin typeface="맑은 고딕" panose="020B0503020000020004" pitchFamily="50" charset="-127"/>
+                <a:ea typeface="맑은 고딕" panose="020B0503020000020004" pitchFamily="50" charset="-127"/>
               </a:rPr>
               <a:t> </a:t>
             </a:r>
             <a:endParaRPr lang="ko-KR" altLang="en-US" sz="1500" dirty="0">
-              <a:ea typeface="문체부 돋음체" panose="020B0609000101010101" pitchFamily="49" charset="-127"/>
+              <a:latin typeface="맑은 고딕" panose="020B0503020000020004" pitchFamily="50" charset="-127"/>
+              <a:ea typeface="맑은 고딕" panose="020B0503020000020004" pitchFamily="50" charset="-127"/>
             </a:endParaRPr>
           </a:p>
         </p:txBody>
@@ -6424,8 +6940,8 @@
         </p:nvSpPr>
         <p:spPr>
           <a:xfrm>
-            <a:off x="4802347" y="2340976"/>
-            <a:ext cx="3527772" cy="784830"/>
+            <a:off x="7016965" y="1926928"/>
+            <a:ext cx="3527772" cy="1086451"/>
           </a:xfrm>
           <a:prstGeom prst="rect">
             <a:avLst/>
@@ -6438,48 +6954,71 @@
           </a:bodyPr>
           <a:lstStyle/>
           <a:p>
+            <a:pPr>
+              <a:lnSpc>
+                <a:spcPct val="150000"/>
+              </a:lnSpc>
+            </a:pPr>
             <a:r>
               <a:rPr lang="ko-KR" altLang="en-US" sz="1500" dirty="0" smtClean="0">
-                <a:ea typeface="문체부 돋음체" panose="020B0609000101010101" pitchFamily="49" charset="-127"/>
+                <a:latin typeface="맑은 고딕" panose="020B0503020000020004" pitchFamily="50" charset="-127"/>
+                <a:ea typeface="맑은 고딕" panose="020B0503020000020004" pitchFamily="50" charset="-127"/>
               </a:rPr>
               <a:t>증상 검색</a:t>
             </a:r>
             <a:r>
               <a:rPr lang="en-US" altLang="ko-KR" sz="1500" dirty="0" smtClean="0">
-                <a:ea typeface="문체부 돋음체" panose="020B0609000101010101" pitchFamily="49" charset="-127"/>
+                <a:latin typeface="맑은 고딕" panose="020B0503020000020004" pitchFamily="50" charset="-127"/>
+                <a:ea typeface="맑은 고딕" panose="020B0503020000020004" pitchFamily="50" charset="-127"/>
               </a:rPr>
               <a:t>, </a:t>
             </a:r>
             <a:r>
               <a:rPr lang="ko-KR" altLang="en-US" sz="1500" dirty="0" smtClean="0">
-                <a:ea typeface="문체부 돋음체" panose="020B0609000101010101" pitchFamily="49" charset="-127"/>
+                <a:latin typeface="맑은 고딕" panose="020B0503020000020004" pitchFamily="50" charset="-127"/>
+                <a:ea typeface="맑은 고딕" panose="020B0503020000020004" pitchFamily="50" charset="-127"/>
               </a:rPr>
               <a:t>결과 화면 구현</a:t>
             </a:r>
             <a:endParaRPr lang="en-US" altLang="ko-KR" sz="1500" dirty="0" smtClean="0">
-              <a:ea typeface="문체부 돋음체" panose="020B0609000101010101" pitchFamily="49" charset="-127"/>
+              <a:latin typeface="맑은 고딕" panose="020B0503020000020004" pitchFamily="50" charset="-127"/>
+              <a:ea typeface="맑은 고딕" panose="020B0503020000020004" pitchFamily="50" charset="-127"/>
             </a:endParaRPr>
           </a:p>
           <a:p>
+            <a:pPr>
+              <a:lnSpc>
+                <a:spcPct val="150000"/>
+              </a:lnSpc>
+            </a:pPr>
             <a:r>
               <a:rPr lang="ko-KR" altLang="en-US" sz="1500" dirty="0" smtClean="0">
-                <a:ea typeface="문체부 돋음체" panose="020B0609000101010101" pitchFamily="49" charset="-127"/>
+                <a:latin typeface="맑은 고딕" panose="020B0503020000020004" pitchFamily="50" charset="-127"/>
+                <a:ea typeface="맑은 고딕" panose="020B0503020000020004" pitchFamily="50" charset="-127"/>
               </a:rPr>
               <a:t>증상 검색 기능 구현</a:t>
             </a:r>
             <a:endParaRPr lang="en-US" altLang="ko-KR" sz="1500" dirty="0" smtClean="0">
-              <a:ea typeface="문체부 돋음체" panose="020B0609000101010101" pitchFamily="49" charset="-127"/>
+              <a:latin typeface="맑은 고딕" panose="020B0503020000020004" pitchFamily="50" charset="-127"/>
+              <a:ea typeface="맑은 고딕" panose="020B0503020000020004" pitchFamily="50" charset="-127"/>
             </a:endParaRPr>
           </a:p>
           <a:p>
+            <a:pPr>
+              <a:lnSpc>
+                <a:spcPct val="150000"/>
+              </a:lnSpc>
+            </a:pPr>
             <a:r>
               <a:rPr lang="ko-KR" altLang="en-US" sz="1500" dirty="0" smtClean="0">
-                <a:ea typeface="문체부 돋음체" panose="020B0609000101010101" pitchFamily="49" charset="-127"/>
+                <a:latin typeface="맑은 고딕" panose="020B0503020000020004" pitchFamily="50" charset="-127"/>
+                <a:ea typeface="맑은 고딕" panose="020B0503020000020004" pitchFamily="50" charset="-127"/>
               </a:rPr>
               <a:t>증상 검색 결과 기능 구현</a:t>
             </a:r>
             <a:endParaRPr lang="ko-KR" altLang="en-US" sz="1500" dirty="0">
-              <a:ea typeface="문체부 돋음체" panose="020B0609000101010101" pitchFamily="49" charset="-127"/>
+              <a:latin typeface="맑은 고딕" panose="020B0503020000020004" pitchFamily="50" charset="-127"/>
+              <a:ea typeface="맑은 고딕" panose="020B0503020000020004" pitchFamily="50" charset="-127"/>
             </a:endParaRPr>
           </a:p>
         </p:txBody>
@@ -6492,7 +7031,7 @@
         </p:nvSpPr>
         <p:spPr>
           <a:xfrm>
-            <a:off x="1246825" y="6260123"/>
+            <a:off x="2376451" y="6260123"/>
             <a:ext cx="1702340" cy="386861"/>
           </a:xfrm>
           <a:prstGeom prst="rect">
@@ -6531,7 +7070,8 @@
                 <a:solidFill>
                   <a:schemeClr val="tx1"/>
                 </a:solidFill>
-                <a:ea typeface="문체부 제목 돋음체" panose="020B0609000101010101" pitchFamily="49" charset="-127"/>
+                <a:latin typeface="나눔고딕 ExtraBold" panose="020D0904000000000000" pitchFamily="50" charset="-127"/>
+                <a:ea typeface="나눔고딕 ExtraBold" panose="020D0904000000000000" pitchFamily="50" charset="-127"/>
               </a:rPr>
               <a:t>팀원</a:t>
             </a:r>
@@ -6539,7 +7079,8 @@
               <a:solidFill>
                 <a:schemeClr val="tx1"/>
               </a:solidFill>
-              <a:ea typeface="문체부 제목 돋음체" panose="020B0609000101010101" pitchFamily="49" charset="-127"/>
+              <a:latin typeface="나눔고딕 ExtraBold" panose="020D0904000000000000" pitchFamily="50" charset="-127"/>
+              <a:ea typeface="나눔고딕 ExtraBold" panose="020D0904000000000000" pitchFamily="50" charset="-127"/>
             </a:endParaRPr>
           </a:p>
         </p:txBody>
@@ -6552,7 +7093,7 @@
         </p:nvSpPr>
         <p:spPr>
           <a:xfrm>
-            <a:off x="5244830" y="6260123"/>
+            <a:off x="7780211" y="6260123"/>
             <a:ext cx="1702340" cy="386861"/>
           </a:xfrm>
           <a:prstGeom prst="rect">
@@ -6591,7 +7132,8 @@
                 <a:solidFill>
                   <a:schemeClr val="tx1"/>
                 </a:solidFill>
-                <a:ea typeface="문체부 제목 돋음체" panose="020B0609000101010101" pitchFamily="49" charset="-127"/>
+                <a:latin typeface="나눔고딕 ExtraBold" panose="020D0904000000000000" pitchFamily="50" charset="-127"/>
+                <a:ea typeface="나눔고딕 ExtraBold" panose="020D0904000000000000" pitchFamily="50" charset="-127"/>
               </a:rPr>
               <a:t>팀원</a:t>
             </a:r>
@@ -6599,7 +7141,8 @@
               <a:solidFill>
                 <a:schemeClr val="tx1"/>
               </a:solidFill>
-              <a:ea typeface="문체부 제목 돋음체" panose="020B0609000101010101" pitchFamily="49" charset="-127"/>
+              <a:latin typeface="나눔고딕 ExtraBold" panose="020D0904000000000000" pitchFamily="50" charset="-127"/>
+              <a:ea typeface="나눔고딕 ExtraBold" panose="020D0904000000000000" pitchFamily="50" charset="-127"/>
             </a:endParaRPr>
           </a:p>
         </p:txBody>
@@ -6652,8 +7195,8 @@
         </p:nvCxnSpPr>
         <p:spPr>
           <a:xfrm>
-            <a:off x="1274323" y="2092569"/>
-            <a:ext cx="0" cy="4255492"/>
+            <a:off x="1274323" y="2025082"/>
+            <a:ext cx="0" cy="4270392"/>
           </a:xfrm>
           <a:prstGeom prst="line">
             <a:avLst/>
@@ -6802,19 +7345,21 @@
           <a:lstStyle/>
           <a:p>
             <a:r>
-              <a:rPr lang="ko-KR" altLang="en-US" sz="3500" dirty="0" smtClean="0">
+              <a:rPr lang="ko-KR" altLang="en-US" sz="3500" b="1" dirty="0" smtClean="0">
                 <a:solidFill>
                   <a:schemeClr val="bg1"/>
                 </a:solidFill>
-                <a:ea typeface="문체부 제목 돋음체" panose="020B0609000101010101" pitchFamily="49" charset="-127"/>
+                <a:latin typeface="맑은 고딕" panose="020B0503020000020004" pitchFamily="50" charset="-127"/>
+                <a:ea typeface="맑은 고딕" panose="020B0503020000020004" pitchFamily="50" charset="-127"/>
               </a:rPr>
               <a:t>프로젝트 구조</a:t>
             </a:r>
-            <a:endParaRPr lang="ko-KR" altLang="en-US" sz="3500" dirty="0">
+            <a:endParaRPr lang="ko-KR" altLang="en-US" sz="3500" b="1" dirty="0">
               <a:solidFill>
                 <a:schemeClr val="bg1"/>
               </a:solidFill>
-              <a:ea typeface="문체부 제목 돋음체" panose="020B0609000101010101" pitchFamily="49" charset="-127"/>
+              <a:latin typeface="맑은 고딕" panose="020B0503020000020004" pitchFamily="50" charset="-127"/>
+              <a:ea typeface="맑은 고딕" panose="020B0503020000020004" pitchFamily="50" charset="-127"/>
             </a:endParaRPr>
           </a:p>
         </p:txBody>
@@ -6827,8 +7372,8 @@
         </p:nvSpPr>
         <p:spPr>
           <a:xfrm>
-            <a:off x="440972" y="1415561"/>
-            <a:ext cx="1666702" cy="677008"/>
+            <a:off x="598516" y="1483048"/>
+            <a:ext cx="1351614" cy="542034"/>
           </a:xfrm>
           <a:prstGeom prst="roundRect">
             <a:avLst>
@@ -6864,13 +7409,15 @@
           <a:p>
             <a:pPr algn="ctr"/>
             <a:r>
-              <a:rPr lang="ko-KR" altLang="en-US" sz="2000" dirty="0" smtClean="0">
-                <a:ea typeface="문체부 제목 돋음체" panose="020B0609000101010101" pitchFamily="49" charset="-127"/>
+              <a:rPr lang="ko-KR" altLang="en-US" sz="1600" b="1" dirty="0" smtClean="0">
+                <a:latin typeface="+mj-ea"/>
+                <a:ea typeface="+mj-ea"/>
               </a:rPr>
               <a:t>회원</a:t>
             </a:r>
-            <a:endParaRPr lang="ko-KR" altLang="en-US" sz="2000" dirty="0">
-              <a:ea typeface="문체부 제목 돋음체" panose="020B0609000101010101" pitchFamily="49" charset="-127"/>
+            <a:endParaRPr lang="ko-KR" altLang="en-US" sz="1600" b="1" dirty="0">
+              <a:latin typeface="+mj-ea"/>
+              <a:ea typeface="+mj-ea"/>
             </a:endParaRPr>
           </a:p>
         </p:txBody>
@@ -6883,8 +7430,8 @@
         </p:nvSpPr>
         <p:spPr>
           <a:xfrm>
-            <a:off x="2340111" y="1415561"/>
-            <a:ext cx="1666702" cy="677008"/>
+            <a:off x="2497655" y="1483048"/>
+            <a:ext cx="1351614" cy="542034"/>
           </a:xfrm>
           <a:prstGeom prst="roundRect">
             <a:avLst>
@@ -6920,13 +7467,15 @@
           <a:p>
             <a:pPr algn="ctr"/>
             <a:r>
-              <a:rPr lang="ko-KR" altLang="en-US" sz="2000" dirty="0" smtClean="0">
-                <a:ea typeface="문체부 제목 돋음체" panose="020B0609000101010101" pitchFamily="49" charset="-127"/>
+              <a:rPr lang="ko-KR" altLang="en-US" sz="1600" b="1" dirty="0" smtClean="0">
+                <a:latin typeface="+mj-ea"/>
+                <a:ea typeface="+mj-ea"/>
               </a:rPr>
               <a:t>증상 검색</a:t>
             </a:r>
-            <a:endParaRPr lang="ko-KR" altLang="en-US" sz="2000" dirty="0">
-              <a:ea typeface="문체부 제목 돋음체" panose="020B0609000101010101" pitchFamily="49" charset="-127"/>
+            <a:endParaRPr lang="ko-KR" altLang="en-US" sz="1600" b="1" dirty="0">
+              <a:latin typeface="+mj-ea"/>
+              <a:ea typeface="+mj-ea"/>
             </a:endParaRPr>
           </a:p>
         </p:txBody>
@@ -6939,8 +7488,8 @@
         </p:nvSpPr>
         <p:spPr>
           <a:xfrm>
-            <a:off x="4239250" y="1415561"/>
-            <a:ext cx="1666702" cy="677008"/>
+            <a:off x="4396794" y="1483048"/>
+            <a:ext cx="1351614" cy="542034"/>
           </a:xfrm>
           <a:prstGeom prst="roundRect">
             <a:avLst>
@@ -6976,13 +7525,15 @@
           <a:p>
             <a:pPr algn="ctr"/>
             <a:r>
-              <a:rPr lang="ko-KR" altLang="en-US" sz="2000" dirty="0" smtClean="0">
-                <a:ea typeface="문체부 제목 돋음체" panose="020B0609000101010101" pitchFamily="49" charset="-127"/>
+              <a:rPr lang="ko-KR" altLang="en-US" sz="1600" b="1" dirty="0" smtClean="0">
+                <a:latin typeface="+mj-ea"/>
+                <a:ea typeface="+mj-ea"/>
               </a:rPr>
               <a:t>응급실 검색</a:t>
             </a:r>
-            <a:endParaRPr lang="ko-KR" altLang="en-US" sz="2000" dirty="0">
-              <a:ea typeface="문체부 제목 돋음체" panose="020B0609000101010101" pitchFamily="49" charset="-127"/>
+            <a:endParaRPr lang="ko-KR" altLang="en-US" sz="1600" b="1" dirty="0">
+              <a:latin typeface="+mj-ea"/>
+              <a:ea typeface="+mj-ea"/>
             </a:endParaRPr>
           </a:p>
         </p:txBody>
@@ -6995,8 +7546,8 @@
         </p:nvSpPr>
         <p:spPr>
           <a:xfrm>
-            <a:off x="6138389" y="1415561"/>
-            <a:ext cx="1666702" cy="677008"/>
+            <a:off x="6295933" y="1483048"/>
+            <a:ext cx="1351614" cy="542034"/>
           </a:xfrm>
           <a:prstGeom prst="roundRect">
             <a:avLst>
@@ -7032,13 +7583,15 @@
           <a:p>
             <a:pPr algn="ctr"/>
             <a:r>
-              <a:rPr lang="ko-KR" altLang="en-US" sz="2000" dirty="0" smtClean="0">
-                <a:ea typeface="문체부 제목 돋음체" panose="020B0609000101010101" pitchFamily="49" charset="-127"/>
+              <a:rPr lang="ko-KR" altLang="en-US" sz="1600" b="1" dirty="0" smtClean="0">
+                <a:latin typeface="+mj-ea"/>
+                <a:ea typeface="+mj-ea"/>
               </a:rPr>
               <a:t>커뮤니티</a:t>
             </a:r>
-            <a:endParaRPr lang="ko-KR" altLang="en-US" sz="2000" dirty="0">
-              <a:ea typeface="문체부 제목 돋음체" panose="020B0609000101010101" pitchFamily="49" charset="-127"/>
+            <a:endParaRPr lang="ko-KR" altLang="en-US" sz="1600" b="1" dirty="0">
+              <a:latin typeface="+mj-ea"/>
+              <a:ea typeface="+mj-ea"/>
             </a:endParaRPr>
           </a:p>
         </p:txBody>
@@ -7051,8 +7604,8 @@
         </p:nvSpPr>
         <p:spPr>
           <a:xfrm>
-            <a:off x="8037528" y="1415561"/>
-            <a:ext cx="1666702" cy="677008"/>
+            <a:off x="8195072" y="1483048"/>
+            <a:ext cx="1351614" cy="542034"/>
           </a:xfrm>
           <a:prstGeom prst="roundRect">
             <a:avLst>
@@ -7088,13 +7641,15 @@
           <a:p>
             <a:pPr algn="ctr"/>
             <a:r>
-              <a:rPr lang="ko-KR" altLang="en-US" sz="2000" dirty="0" smtClean="0">
-                <a:ea typeface="문체부 제목 돋음체" panose="020B0609000101010101" pitchFamily="49" charset="-127"/>
+              <a:rPr lang="ko-KR" altLang="en-US" sz="1600" b="1" dirty="0" smtClean="0">
+                <a:latin typeface="+mj-ea"/>
+                <a:ea typeface="+mj-ea"/>
               </a:rPr>
               <a:t>고객센터</a:t>
             </a:r>
-            <a:endParaRPr lang="ko-KR" altLang="en-US" sz="2000" dirty="0">
-              <a:ea typeface="문체부 제목 돋음체" panose="020B0609000101010101" pitchFamily="49" charset="-127"/>
+            <a:endParaRPr lang="ko-KR" altLang="en-US" sz="1600" b="1" dirty="0">
+              <a:latin typeface="+mj-ea"/>
+              <a:ea typeface="+mj-ea"/>
             </a:endParaRPr>
           </a:p>
         </p:txBody>
@@ -7107,8 +7662,8 @@
         </p:nvSpPr>
         <p:spPr>
           <a:xfrm>
-            <a:off x="9936667" y="1415561"/>
-            <a:ext cx="1666702" cy="677008"/>
+            <a:off x="10094211" y="1483048"/>
+            <a:ext cx="1351614" cy="542034"/>
           </a:xfrm>
           <a:prstGeom prst="roundRect">
             <a:avLst>
@@ -7144,13 +7699,15 @@
           <a:p>
             <a:pPr algn="ctr"/>
             <a:r>
-              <a:rPr lang="ko-KR" altLang="en-US" sz="2000" dirty="0" smtClean="0">
-                <a:ea typeface="문체부 제목 돋음체" panose="020B0609000101010101" pitchFamily="49" charset="-127"/>
+              <a:rPr lang="ko-KR" altLang="en-US" sz="1600" b="1" dirty="0" smtClean="0">
+                <a:latin typeface="+mj-ea"/>
+                <a:ea typeface="+mj-ea"/>
               </a:rPr>
               <a:t>관리자</a:t>
             </a:r>
-            <a:endParaRPr lang="ko-KR" altLang="en-US" sz="2000" dirty="0">
-              <a:ea typeface="문체부 제목 돋음체" panose="020B0609000101010101" pitchFamily="49" charset="-127"/>
+            <a:endParaRPr lang="ko-KR" altLang="en-US" sz="1600" b="1" dirty="0">
+              <a:latin typeface="+mj-ea"/>
+              <a:ea typeface="+mj-ea"/>
             </a:endParaRPr>
           </a:p>
         </p:txBody>
@@ -7163,8 +7720,8 @@
         </p:nvSpPr>
         <p:spPr>
           <a:xfrm>
-            <a:off x="440972" y="2303584"/>
-            <a:ext cx="1666702" cy="527539"/>
+            <a:off x="598516" y="2356172"/>
+            <a:ext cx="1351614" cy="422364"/>
           </a:xfrm>
           <a:prstGeom prst="roundRect">
             <a:avLst>
@@ -7202,19 +7759,21 @@
           <a:p>
             <a:pPr algn="ctr"/>
             <a:r>
-              <a:rPr lang="ko-KR" altLang="en-US" dirty="0" smtClean="0">
+              <a:rPr lang="ko-KR" altLang="en-US" sz="1400" b="1" dirty="0" smtClean="0">
                 <a:solidFill>
                   <a:schemeClr val="tx1"/>
                 </a:solidFill>
-                <a:ea typeface="문체부 돋음체" panose="020B0609000101010101" pitchFamily="49" charset="-127"/>
+                <a:latin typeface="+mj-ea"/>
+                <a:ea typeface="+mj-ea"/>
               </a:rPr>
               <a:t>로그인</a:t>
             </a:r>
-            <a:endParaRPr lang="ko-KR" altLang="en-US" dirty="0">
+            <a:endParaRPr lang="ko-KR" altLang="en-US" sz="1400" b="1" dirty="0">
               <a:solidFill>
                 <a:schemeClr val="tx1"/>
               </a:solidFill>
-              <a:ea typeface="문체부 돋음체" panose="020B0609000101010101" pitchFamily="49" charset="-127"/>
+              <a:latin typeface="+mj-ea"/>
+              <a:ea typeface="+mj-ea"/>
             </a:endParaRPr>
           </a:p>
         </p:txBody>
@@ -7227,8 +7786,8 @@
         </p:nvSpPr>
         <p:spPr>
           <a:xfrm>
-            <a:off x="440972" y="3006970"/>
-            <a:ext cx="1666702" cy="527539"/>
+            <a:off x="598516" y="3059558"/>
+            <a:ext cx="1351614" cy="422364"/>
           </a:xfrm>
           <a:prstGeom prst="roundRect">
             <a:avLst>
@@ -7266,19 +7825,21 @@
           <a:p>
             <a:pPr algn="ctr"/>
             <a:r>
-              <a:rPr lang="ko-KR" altLang="en-US" dirty="0" smtClean="0">
+              <a:rPr lang="ko-KR" altLang="en-US" sz="1400" b="1" dirty="0" smtClean="0">
                 <a:solidFill>
                   <a:schemeClr val="tx1"/>
                 </a:solidFill>
-                <a:ea typeface="문체부 돋음체" panose="020B0609000101010101" pitchFamily="49" charset="-127"/>
+                <a:latin typeface="+mj-ea"/>
+                <a:ea typeface="+mj-ea"/>
               </a:rPr>
               <a:t>회원약관</a:t>
             </a:r>
-            <a:endParaRPr lang="ko-KR" altLang="en-US" dirty="0">
+            <a:endParaRPr lang="ko-KR" altLang="en-US" sz="1400" b="1" dirty="0">
               <a:solidFill>
                 <a:schemeClr val="tx1"/>
               </a:solidFill>
-              <a:ea typeface="문체부 돋음체" panose="020B0609000101010101" pitchFamily="49" charset="-127"/>
+              <a:latin typeface="+mj-ea"/>
+              <a:ea typeface="+mj-ea"/>
             </a:endParaRPr>
           </a:p>
         </p:txBody>
@@ -7291,8 +7852,8 @@
         </p:nvSpPr>
         <p:spPr>
           <a:xfrm>
-            <a:off x="440972" y="3710356"/>
-            <a:ext cx="1666702" cy="527539"/>
+            <a:off x="598516" y="3762944"/>
+            <a:ext cx="1351614" cy="422364"/>
           </a:xfrm>
           <a:prstGeom prst="roundRect">
             <a:avLst>
@@ -7330,19 +7891,21 @@
           <a:p>
             <a:pPr algn="ctr"/>
             <a:r>
-              <a:rPr lang="ko-KR" altLang="en-US" dirty="0" smtClean="0">
+              <a:rPr lang="ko-KR" altLang="en-US" sz="1400" b="1" dirty="0" smtClean="0">
                 <a:solidFill>
                   <a:schemeClr val="tx1"/>
                 </a:solidFill>
-                <a:ea typeface="문체부 돋음체" panose="020B0609000101010101" pitchFamily="49" charset="-127"/>
+                <a:latin typeface="+mj-ea"/>
+                <a:ea typeface="+mj-ea"/>
               </a:rPr>
               <a:t>회원가입</a:t>
             </a:r>
-            <a:endParaRPr lang="ko-KR" altLang="en-US" dirty="0">
+            <a:endParaRPr lang="ko-KR" altLang="en-US" sz="1400" b="1" dirty="0">
               <a:solidFill>
                 <a:schemeClr val="tx1"/>
               </a:solidFill>
-              <a:ea typeface="문체부 돋음체" panose="020B0609000101010101" pitchFamily="49" charset="-127"/>
+              <a:latin typeface="+mj-ea"/>
+              <a:ea typeface="+mj-ea"/>
             </a:endParaRPr>
           </a:p>
         </p:txBody>
@@ -7355,8 +7918,8 @@
         </p:nvSpPr>
         <p:spPr>
           <a:xfrm>
-            <a:off x="440972" y="4413742"/>
-            <a:ext cx="1666702" cy="527539"/>
+            <a:off x="598516" y="4466330"/>
+            <a:ext cx="1351614" cy="422364"/>
           </a:xfrm>
           <a:prstGeom prst="roundRect">
             <a:avLst>
@@ -7394,19 +7957,21 @@
           <a:p>
             <a:pPr algn="ctr"/>
             <a:r>
-              <a:rPr lang="ko-KR" altLang="en-US" dirty="0" smtClean="0">
+              <a:rPr lang="ko-KR" altLang="en-US" sz="1400" b="1" dirty="0" smtClean="0">
                 <a:solidFill>
                   <a:schemeClr val="tx1"/>
                 </a:solidFill>
-                <a:ea typeface="문체부 돋음체" panose="020B0609000101010101" pitchFamily="49" charset="-127"/>
+                <a:latin typeface="+mj-ea"/>
+                <a:ea typeface="+mj-ea"/>
               </a:rPr>
               <a:t>아이디 찾기</a:t>
             </a:r>
-            <a:endParaRPr lang="ko-KR" altLang="en-US" dirty="0">
+            <a:endParaRPr lang="ko-KR" altLang="en-US" sz="1400" b="1" dirty="0">
               <a:solidFill>
                 <a:schemeClr val="tx1"/>
               </a:solidFill>
-              <a:ea typeface="문체부 돋음체" panose="020B0609000101010101" pitchFamily="49" charset="-127"/>
+              <a:latin typeface="+mj-ea"/>
+              <a:ea typeface="+mj-ea"/>
             </a:endParaRPr>
           </a:p>
         </p:txBody>
@@ -7419,8 +7984,8 @@
         </p:nvSpPr>
         <p:spPr>
           <a:xfrm>
-            <a:off x="440972" y="5117132"/>
-            <a:ext cx="1666702" cy="527539"/>
+            <a:off x="598516" y="5169720"/>
+            <a:ext cx="1351614" cy="422364"/>
           </a:xfrm>
           <a:prstGeom prst="roundRect">
             <a:avLst>
@@ -7458,19 +8023,21 @@
           <a:p>
             <a:pPr algn="ctr"/>
             <a:r>
-              <a:rPr lang="ko-KR" altLang="en-US" sz="1480" dirty="0" smtClean="0">
+              <a:rPr lang="ko-KR" altLang="en-US" sz="1100" b="1" dirty="0" smtClean="0">
                 <a:solidFill>
                   <a:schemeClr val="tx1"/>
                 </a:solidFill>
-                <a:ea typeface="문체부 돋음체" panose="020B0609000101010101" pitchFamily="49" charset="-127"/>
+                <a:latin typeface="+mj-ea"/>
+                <a:ea typeface="+mj-ea"/>
               </a:rPr>
               <a:t>비밀번호 재설정</a:t>
             </a:r>
-            <a:endParaRPr lang="ko-KR" altLang="en-US" sz="1480" dirty="0">
+            <a:endParaRPr lang="ko-KR" altLang="en-US" sz="1100" b="1" dirty="0">
               <a:solidFill>
                 <a:schemeClr val="tx1"/>
               </a:solidFill>
-              <a:ea typeface="문체부 돋음체" panose="020B0609000101010101" pitchFamily="49" charset="-127"/>
+              <a:latin typeface="+mj-ea"/>
+              <a:ea typeface="+mj-ea"/>
             </a:endParaRPr>
           </a:p>
         </p:txBody>
@@ -7483,8 +8050,8 @@
         </p:nvSpPr>
         <p:spPr>
           <a:xfrm>
-            <a:off x="440972" y="5820522"/>
-            <a:ext cx="1666702" cy="527539"/>
+            <a:off x="598516" y="5873110"/>
+            <a:ext cx="1351614" cy="422364"/>
           </a:xfrm>
           <a:prstGeom prst="roundRect">
             <a:avLst>
@@ -7522,19 +8089,21 @@
           <a:p>
             <a:pPr algn="ctr"/>
             <a:r>
-              <a:rPr lang="ko-KR" altLang="en-US" dirty="0" err="1" smtClean="0">
+              <a:rPr lang="ko-KR" altLang="en-US" sz="1400" b="1" dirty="0" err="1" smtClean="0">
                 <a:solidFill>
                   <a:schemeClr val="tx1"/>
                 </a:solidFill>
-                <a:ea typeface="문체부 돋음체" panose="020B0609000101010101" pitchFamily="49" charset="-127"/>
+                <a:latin typeface="+mj-ea"/>
+                <a:ea typeface="+mj-ea"/>
               </a:rPr>
               <a:t>마이페이지</a:t>
             </a:r>
-            <a:endParaRPr lang="ko-KR" altLang="en-US" dirty="0">
+            <a:endParaRPr lang="ko-KR" altLang="en-US" sz="1400" b="1" dirty="0">
               <a:solidFill>
                 <a:schemeClr val="tx1"/>
               </a:solidFill>
-              <a:ea typeface="문체부 돋음체" panose="020B0609000101010101" pitchFamily="49" charset="-127"/>
+              <a:latin typeface="+mj-ea"/>
+              <a:ea typeface="+mj-ea"/>
             </a:endParaRPr>
           </a:p>
         </p:txBody>
@@ -7550,7 +8119,7 @@
         <p:spPr>
           <a:xfrm>
             <a:off x="3173462" y="2092569"/>
-            <a:ext cx="0" cy="1441940"/>
+            <a:ext cx="0" cy="1389353"/>
           </a:xfrm>
           <a:prstGeom prst="line">
             <a:avLst/>
@@ -7584,8 +8153,8 @@
         </p:nvSpPr>
         <p:spPr>
           <a:xfrm>
-            <a:off x="2340111" y="2303584"/>
-            <a:ext cx="1666702" cy="527539"/>
+            <a:off x="2497655" y="2356172"/>
+            <a:ext cx="1351614" cy="422364"/>
           </a:xfrm>
           <a:prstGeom prst="roundRect">
             <a:avLst>
@@ -7623,19 +8192,21 @@
           <a:p>
             <a:pPr algn="ctr"/>
             <a:r>
-              <a:rPr lang="ko-KR" altLang="en-US" dirty="0" smtClean="0">
+              <a:rPr lang="ko-KR" altLang="en-US" sz="1400" b="1" dirty="0" smtClean="0">
                 <a:solidFill>
                   <a:schemeClr val="tx1"/>
                 </a:solidFill>
-                <a:ea typeface="문체부 돋음체" panose="020B0609000101010101" pitchFamily="49" charset="-127"/>
+                <a:latin typeface="+mj-ea"/>
+                <a:ea typeface="+mj-ea"/>
               </a:rPr>
               <a:t>검색</a:t>
             </a:r>
-            <a:endParaRPr lang="ko-KR" altLang="en-US" dirty="0">
+            <a:endParaRPr lang="ko-KR" altLang="en-US" sz="1400" b="1" dirty="0">
               <a:solidFill>
                 <a:schemeClr val="tx1"/>
               </a:solidFill>
-              <a:ea typeface="문체부 돋음체" panose="020B0609000101010101" pitchFamily="49" charset="-127"/>
+              <a:latin typeface="+mj-ea"/>
+              <a:ea typeface="+mj-ea"/>
             </a:endParaRPr>
           </a:p>
         </p:txBody>
@@ -7648,8 +8219,8 @@
         </p:nvSpPr>
         <p:spPr>
           <a:xfrm>
-            <a:off x="2340111" y="3006970"/>
-            <a:ext cx="1666702" cy="527539"/>
+            <a:off x="2497655" y="3059558"/>
+            <a:ext cx="1351614" cy="422364"/>
           </a:xfrm>
           <a:prstGeom prst="roundRect">
             <a:avLst>
@@ -7687,19 +8258,21 @@
           <a:p>
             <a:pPr algn="ctr"/>
             <a:r>
-              <a:rPr lang="ko-KR" altLang="en-US" dirty="0" smtClean="0">
+              <a:rPr lang="ko-KR" altLang="en-US" sz="1400" b="1" dirty="0" smtClean="0">
                 <a:solidFill>
                   <a:schemeClr val="tx1"/>
                 </a:solidFill>
-                <a:ea typeface="문체부 돋음체" panose="020B0609000101010101" pitchFamily="49" charset="-127"/>
+                <a:latin typeface="+mj-ea"/>
+                <a:ea typeface="+mj-ea"/>
               </a:rPr>
               <a:t>검색 결과</a:t>
             </a:r>
-            <a:endParaRPr lang="ko-KR" altLang="en-US" dirty="0">
+            <a:endParaRPr lang="ko-KR" altLang="en-US" sz="1400" b="1" dirty="0">
               <a:solidFill>
                 <a:schemeClr val="tx1"/>
               </a:solidFill>
-              <a:ea typeface="문체부 돋음체" panose="020B0609000101010101" pitchFamily="49" charset="-127"/>
+              <a:latin typeface="+mj-ea"/>
+              <a:ea typeface="+mj-ea"/>
             </a:endParaRPr>
           </a:p>
         </p:txBody>
@@ -7715,7 +8288,7 @@
         <p:spPr>
           <a:xfrm>
             <a:off x="5072601" y="2092569"/>
-            <a:ext cx="0" cy="1441940"/>
+            <a:ext cx="0" cy="1389353"/>
           </a:xfrm>
           <a:prstGeom prst="line">
             <a:avLst/>
@@ -7749,8 +8322,8 @@
         </p:nvSpPr>
         <p:spPr>
           <a:xfrm>
-            <a:off x="4239250" y="2303584"/>
-            <a:ext cx="1666702" cy="527539"/>
+            <a:off x="4396794" y="2356172"/>
+            <a:ext cx="1351614" cy="422364"/>
           </a:xfrm>
           <a:prstGeom prst="roundRect">
             <a:avLst>
@@ -7788,19 +8361,19 @@
           <a:p>
             <a:pPr algn="ctr"/>
             <a:r>
-              <a:rPr lang="ko-KR" altLang="en-US" sz="1350" dirty="0" smtClean="0">
+              <a:rPr lang="ko-KR" altLang="en-US" sz="1050" b="1" dirty="0" smtClean="0">
                 <a:solidFill>
                   <a:schemeClr val="tx1"/>
                 </a:solidFill>
-                <a:ea typeface="문체부 돋음체" panose="020B0609000101010101" pitchFamily="49" charset="-127"/>
+                <a:ea typeface="+mj-ea"/>
               </a:rPr>
               <a:t>검색 및 지도 출력</a:t>
             </a:r>
-            <a:endParaRPr lang="ko-KR" altLang="en-US" sz="1350" dirty="0">
+            <a:endParaRPr lang="ko-KR" altLang="en-US" sz="1050" b="1" dirty="0">
               <a:solidFill>
                 <a:schemeClr val="tx1"/>
               </a:solidFill>
-              <a:ea typeface="문체부 돋음체" panose="020B0609000101010101" pitchFamily="49" charset="-127"/>
+              <a:ea typeface="+mj-ea"/>
             </a:endParaRPr>
           </a:p>
         </p:txBody>
@@ -7813,8 +8386,8 @@
         </p:nvSpPr>
         <p:spPr>
           <a:xfrm>
-            <a:off x="4239250" y="3006970"/>
-            <a:ext cx="1666702" cy="527539"/>
+            <a:off x="4396794" y="3059558"/>
+            <a:ext cx="1351614" cy="422364"/>
           </a:xfrm>
           <a:prstGeom prst="roundRect">
             <a:avLst>
@@ -7852,19 +8425,21 @@
           <a:p>
             <a:pPr algn="ctr"/>
             <a:r>
-              <a:rPr lang="ko-KR" altLang="en-US" dirty="0" smtClean="0">
+              <a:rPr lang="ko-KR" altLang="en-US" sz="1400" b="1" dirty="0" smtClean="0">
                 <a:solidFill>
                   <a:schemeClr val="tx1"/>
                 </a:solidFill>
-                <a:ea typeface="문체부 돋음체" panose="020B0609000101010101" pitchFamily="49" charset="-127"/>
+                <a:latin typeface="+mj-ea"/>
+                <a:ea typeface="+mj-ea"/>
               </a:rPr>
               <a:t>상세 페이지</a:t>
             </a:r>
-            <a:endParaRPr lang="ko-KR" altLang="en-US" dirty="0">
+            <a:endParaRPr lang="ko-KR" altLang="en-US" sz="1400" b="1" dirty="0">
               <a:solidFill>
                 <a:schemeClr val="tx1"/>
               </a:solidFill>
-              <a:ea typeface="문체부 돋음체" panose="020B0609000101010101" pitchFamily="49" charset="-127"/>
+              <a:latin typeface="+mj-ea"/>
+              <a:ea typeface="+mj-ea"/>
             </a:endParaRPr>
           </a:p>
         </p:txBody>
@@ -7880,7 +8455,7 @@
         <p:spPr>
           <a:xfrm>
             <a:off x="6971739" y="2092569"/>
-            <a:ext cx="0" cy="2145326"/>
+            <a:ext cx="0" cy="2092739"/>
           </a:xfrm>
           <a:prstGeom prst="line">
             <a:avLst/>
@@ -7914,8 +8489,8 @@
         </p:nvSpPr>
         <p:spPr>
           <a:xfrm>
-            <a:off x="6138388" y="2303584"/>
-            <a:ext cx="1666702" cy="527539"/>
+            <a:off x="6295932" y="2356172"/>
+            <a:ext cx="1351614" cy="422364"/>
           </a:xfrm>
           <a:prstGeom prst="roundRect">
             <a:avLst>
@@ -7953,19 +8528,21 @@
           <a:p>
             <a:pPr algn="ctr"/>
             <a:r>
-              <a:rPr lang="ko-KR" altLang="en-US" dirty="0" smtClean="0">
+              <a:rPr lang="ko-KR" altLang="en-US" sz="1400" b="1" dirty="0" smtClean="0">
                 <a:solidFill>
                   <a:schemeClr val="tx1"/>
                 </a:solidFill>
-                <a:ea typeface="문체부 돋음체" panose="020B0609000101010101" pitchFamily="49" charset="-127"/>
+                <a:latin typeface="+mj-ea"/>
+                <a:ea typeface="+mj-ea"/>
               </a:rPr>
               <a:t>자유 게시판</a:t>
             </a:r>
-            <a:endParaRPr lang="ko-KR" altLang="en-US" dirty="0">
+            <a:endParaRPr lang="ko-KR" altLang="en-US" sz="1400" b="1" dirty="0">
               <a:solidFill>
                 <a:schemeClr val="tx1"/>
               </a:solidFill>
-              <a:ea typeface="문체부 돋음체" panose="020B0609000101010101" pitchFamily="49" charset="-127"/>
+              <a:latin typeface="+mj-ea"/>
+              <a:ea typeface="+mj-ea"/>
             </a:endParaRPr>
           </a:p>
         </p:txBody>
@@ -7978,8 +8555,8 @@
         </p:nvSpPr>
         <p:spPr>
           <a:xfrm>
-            <a:off x="6138388" y="3006970"/>
-            <a:ext cx="1666702" cy="527539"/>
+            <a:off x="6295932" y="3059558"/>
+            <a:ext cx="1351614" cy="422364"/>
           </a:xfrm>
           <a:prstGeom prst="roundRect">
             <a:avLst>
@@ -8017,19 +8594,21 @@
           <a:p>
             <a:pPr algn="ctr"/>
             <a:r>
-              <a:rPr lang="ko-KR" altLang="en-US" dirty="0" smtClean="0">
+              <a:rPr lang="ko-KR" altLang="en-US" sz="1400" b="1" dirty="0" smtClean="0">
                 <a:solidFill>
                   <a:schemeClr val="tx1"/>
                 </a:solidFill>
-                <a:ea typeface="문체부 돋음체" panose="020B0609000101010101" pitchFamily="49" charset="-127"/>
+                <a:latin typeface="+mj-ea"/>
+                <a:ea typeface="+mj-ea"/>
               </a:rPr>
               <a:t>질문 게시판</a:t>
             </a:r>
-            <a:endParaRPr lang="ko-KR" altLang="en-US" dirty="0">
+            <a:endParaRPr lang="ko-KR" altLang="en-US" sz="1400" b="1" dirty="0">
               <a:solidFill>
                 <a:schemeClr val="tx1"/>
               </a:solidFill>
-              <a:ea typeface="문체부 돋음체" panose="020B0609000101010101" pitchFamily="49" charset="-127"/>
+              <a:latin typeface="+mj-ea"/>
+              <a:ea typeface="+mj-ea"/>
             </a:endParaRPr>
           </a:p>
         </p:txBody>
@@ -8042,8 +8621,8 @@
         </p:nvSpPr>
         <p:spPr>
           <a:xfrm>
-            <a:off x="6138388" y="3710356"/>
-            <a:ext cx="1666702" cy="527539"/>
+            <a:off x="6295932" y="3762944"/>
+            <a:ext cx="1351614" cy="422364"/>
           </a:xfrm>
           <a:prstGeom prst="roundRect">
             <a:avLst>
@@ -8081,19 +8660,21 @@
           <a:p>
             <a:pPr algn="ctr"/>
             <a:r>
-              <a:rPr lang="ko-KR" altLang="en-US" sz="1600" dirty="0" smtClean="0">
+              <a:rPr lang="ko-KR" altLang="en-US" sz="1200" b="1" dirty="0" smtClean="0">
                 <a:solidFill>
                   <a:schemeClr val="tx1"/>
                 </a:solidFill>
-                <a:ea typeface="문체부 돋음체" panose="020B0609000101010101" pitchFamily="49" charset="-127"/>
+                <a:latin typeface="+mj-ea"/>
+                <a:ea typeface="+mj-ea"/>
               </a:rPr>
               <a:t>내가 사는 동네</a:t>
             </a:r>
-            <a:endParaRPr lang="ko-KR" altLang="en-US" sz="1600" dirty="0">
+            <a:endParaRPr lang="ko-KR" altLang="en-US" sz="1200" b="1" dirty="0">
               <a:solidFill>
                 <a:schemeClr val="tx1"/>
               </a:solidFill>
-              <a:ea typeface="문체부 돋음체" panose="020B0609000101010101" pitchFamily="49" charset="-127"/>
+              <a:latin typeface="+mj-ea"/>
+              <a:ea typeface="+mj-ea"/>
             </a:endParaRPr>
           </a:p>
         </p:txBody>
@@ -8109,7 +8690,7 @@
         <p:spPr>
           <a:xfrm>
             <a:off x="8870876" y="2092569"/>
-            <a:ext cx="0" cy="2848712"/>
+            <a:ext cx="0" cy="2796125"/>
           </a:xfrm>
           <a:prstGeom prst="line">
             <a:avLst/>
@@ -8143,8 +8724,8 @@
         </p:nvSpPr>
         <p:spPr>
           <a:xfrm>
-            <a:off x="8037525" y="2303584"/>
-            <a:ext cx="1666702" cy="527539"/>
+            <a:off x="8195069" y="2356172"/>
+            <a:ext cx="1351614" cy="422364"/>
           </a:xfrm>
           <a:prstGeom prst="roundRect">
             <a:avLst>
@@ -8182,19 +8763,21 @@
           <a:p>
             <a:pPr algn="ctr"/>
             <a:r>
-              <a:rPr lang="ko-KR" altLang="en-US" dirty="0" smtClean="0">
+              <a:rPr lang="ko-KR" altLang="en-US" sz="1400" b="1" dirty="0" smtClean="0">
                 <a:solidFill>
                   <a:schemeClr val="tx1"/>
                 </a:solidFill>
-                <a:ea typeface="문체부 돋음체" panose="020B0609000101010101" pitchFamily="49" charset="-127"/>
+                <a:latin typeface="+mj-ea"/>
+                <a:ea typeface="+mj-ea"/>
               </a:rPr>
               <a:t>메인</a:t>
             </a:r>
-            <a:endParaRPr lang="ko-KR" altLang="en-US" dirty="0">
+            <a:endParaRPr lang="ko-KR" altLang="en-US" sz="1400" b="1" dirty="0">
               <a:solidFill>
                 <a:schemeClr val="tx1"/>
               </a:solidFill>
-              <a:ea typeface="문체부 돋음체" panose="020B0609000101010101" pitchFamily="49" charset="-127"/>
+              <a:latin typeface="+mj-ea"/>
+              <a:ea typeface="+mj-ea"/>
             </a:endParaRPr>
           </a:p>
         </p:txBody>
@@ -8207,8 +8790,8 @@
         </p:nvSpPr>
         <p:spPr>
           <a:xfrm>
-            <a:off x="8037525" y="3006970"/>
-            <a:ext cx="1666702" cy="527539"/>
+            <a:off x="8195069" y="3059558"/>
+            <a:ext cx="1351614" cy="422364"/>
           </a:xfrm>
           <a:prstGeom prst="roundRect">
             <a:avLst>
@@ -8246,19 +8829,21 @@
           <a:p>
             <a:pPr algn="ctr"/>
             <a:r>
-              <a:rPr lang="ko-KR" altLang="en-US" dirty="0" smtClean="0">
+              <a:rPr lang="ko-KR" altLang="en-US" sz="1400" b="1" dirty="0" smtClean="0">
                 <a:solidFill>
                   <a:schemeClr val="tx1"/>
                 </a:solidFill>
-                <a:ea typeface="문체부 돋음체" panose="020B0609000101010101" pitchFamily="49" charset="-127"/>
+                <a:latin typeface="+mj-ea"/>
+                <a:ea typeface="+mj-ea"/>
               </a:rPr>
               <a:t>공지사항</a:t>
             </a:r>
-            <a:endParaRPr lang="ko-KR" altLang="en-US" dirty="0">
+            <a:endParaRPr lang="ko-KR" altLang="en-US" sz="1400" b="1" dirty="0">
               <a:solidFill>
                 <a:schemeClr val="tx1"/>
               </a:solidFill>
-              <a:ea typeface="문체부 돋음체" panose="020B0609000101010101" pitchFamily="49" charset="-127"/>
+              <a:latin typeface="+mj-ea"/>
+              <a:ea typeface="+mj-ea"/>
             </a:endParaRPr>
           </a:p>
         </p:txBody>
@@ -8271,8 +8856,8 @@
         </p:nvSpPr>
         <p:spPr>
           <a:xfrm>
-            <a:off x="8037525" y="3710356"/>
-            <a:ext cx="1666702" cy="527539"/>
+            <a:off x="8195069" y="3762944"/>
+            <a:ext cx="1351614" cy="422364"/>
           </a:xfrm>
           <a:prstGeom prst="roundRect">
             <a:avLst>
@@ -8310,19 +8895,21 @@
           <a:p>
             <a:pPr algn="ctr"/>
             <a:r>
-              <a:rPr lang="ko-KR" altLang="en-US" sz="1600" dirty="0" smtClean="0">
+              <a:rPr lang="ko-KR" altLang="en-US" sz="1200" b="1" dirty="0" smtClean="0">
                 <a:solidFill>
                   <a:schemeClr val="tx1"/>
                 </a:solidFill>
-                <a:ea typeface="문체부 돋음체" panose="020B0609000101010101" pitchFamily="49" charset="-127"/>
+                <a:latin typeface="+mj-ea"/>
+                <a:ea typeface="+mj-ea"/>
               </a:rPr>
               <a:t>자주 묻는 질문</a:t>
             </a:r>
-            <a:endParaRPr lang="ko-KR" altLang="en-US" sz="1600" dirty="0">
+            <a:endParaRPr lang="ko-KR" altLang="en-US" sz="1200" b="1" dirty="0">
               <a:solidFill>
                 <a:schemeClr val="tx1"/>
               </a:solidFill>
-              <a:ea typeface="문체부 돋음체" panose="020B0609000101010101" pitchFamily="49" charset="-127"/>
+              <a:latin typeface="+mj-ea"/>
+              <a:ea typeface="+mj-ea"/>
             </a:endParaRPr>
           </a:p>
         </p:txBody>
@@ -8335,8 +8922,8 @@
         </p:nvSpPr>
         <p:spPr>
           <a:xfrm>
-            <a:off x="8037525" y="4413742"/>
-            <a:ext cx="1666702" cy="527539"/>
+            <a:off x="8195069" y="4466330"/>
+            <a:ext cx="1351614" cy="422364"/>
           </a:xfrm>
           <a:prstGeom prst="roundRect">
             <a:avLst>
@@ -8374,28 +8961,31 @@
           <a:p>
             <a:pPr algn="ctr"/>
             <a:r>
-              <a:rPr lang="en-US" altLang="ko-KR" dirty="0" smtClean="0">
+              <a:rPr lang="en-US" altLang="ko-KR" sz="1400" b="1" dirty="0" smtClean="0">
                 <a:solidFill>
                   <a:schemeClr val="tx1"/>
                 </a:solidFill>
-                <a:ea typeface="문체부 돋음체" panose="020B0609000101010101" pitchFamily="49" charset="-127"/>
+                <a:latin typeface="+mj-ea"/>
+                <a:ea typeface="+mj-ea"/>
               </a:rPr>
               <a:t>1:1 </a:t>
             </a:r>
             <a:r>
-              <a:rPr lang="ko-KR" altLang="en-US" dirty="0" smtClean="0">
+              <a:rPr lang="ko-KR" altLang="en-US" sz="1400" b="1" dirty="0" smtClean="0">
                 <a:solidFill>
                   <a:schemeClr val="tx1"/>
                 </a:solidFill>
-                <a:ea typeface="문체부 돋음체" panose="020B0609000101010101" pitchFamily="49" charset="-127"/>
+                <a:latin typeface="+mj-ea"/>
+                <a:ea typeface="+mj-ea"/>
               </a:rPr>
               <a:t>문의</a:t>
             </a:r>
-            <a:endParaRPr lang="ko-KR" altLang="en-US" dirty="0">
+            <a:endParaRPr lang="ko-KR" altLang="en-US" sz="1400" b="1" dirty="0">
               <a:solidFill>
                 <a:schemeClr val="tx1"/>
               </a:solidFill>
-              <a:ea typeface="문체부 돋음체" panose="020B0609000101010101" pitchFamily="49" charset="-127"/>
+              <a:latin typeface="+mj-ea"/>
+              <a:ea typeface="+mj-ea"/>
             </a:endParaRPr>
           </a:p>
         </p:txBody>
@@ -8411,7 +9001,7 @@
         <p:spPr>
           <a:xfrm>
             <a:off x="10770012" y="2092569"/>
-            <a:ext cx="0" cy="3552102"/>
+            <a:ext cx="0" cy="3499515"/>
           </a:xfrm>
           <a:prstGeom prst="line">
             <a:avLst/>
@@ -8445,8 +9035,8 @@
         </p:nvSpPr>
         <p:spPr>
           <a:xfrm>
-            <a:off x="9936661" y="2303584"/>
-            <a:ext cx="1666702" cy="527539"/>
+            <a:off x="10094205" y="2356172"/>
+            <a:ext cx="1351614" cy="422364"/>
           </a:xfrm>
           <a:prstGeom prst="roundRect">
             <a:avLst>
@@ -8484,19 +9074,21 @@
           <a:p>
             <a:pPr algn="ctr"/>
             <a:r>
-              <a:rPr lang="ko-KR" altLang="en-US" dirty="0" smtClean="0">
+              <a:rPr lang="ko-KR" altLang="en-US" sz="1400" b="1" dirty="0" smtClean="0">
                 <a:solidFill>
                   <a:schemeClr val="tx1"/>
                 </a:solidFill>
-                <a:ea typeface="문체부 돋음체" panose="020B0609000101010101" pitchFamily="49" charset="-127"/>
+                <a:latin typeface="+mj-ea"/>
+                <a:ea typeface="+mj-ea"/>
               </a:rPr>
               <a:t>현황 보드</a:t>
             </a:r>
-            <a:endParaRPr lang="ko-KR" altLang="en-US" dirty="0">
+            <a:endParaRPr lang="ko-KR" altLang="en-US" sz="1400" b="1" dirty="0">
               <a:solidFill>
                 <a:schemeClr val="tx1"/>
               </a:solidFill>
-              <a:ea typeface="문체부 돋음체" panose="020B0609000101010101" pitchFamily="49" charset="-127"/>
+              <a:latin typeface="+mj-ea"/>
+              <a:ea typeface="+mj-ea"/>
             </a:endParaRPr>
           </a:p>
         </p:txBody>
@@ -8509,8 +9101,8 @@
         </p:nvSpPr>
         <p:spPr>
           <a:xfrm>
-            <a:off x="9936661" y="3006970"/>
-            <a:ext cx="1666702" cy="527539"/>
+            <a:off x="10094205" y="3059558"/>
+            <a:ext cx="1351614" cy="422364"/>
           </a:xfrm>
           <a:prstGeom prst="roundRect">
             <a:avLst>
@@ -8548,19 +9140,21 @@
           <a:p>
             <a:pPr algn="ctr"/>
             <a:r>
-              <a:rPr lang="ko-KR" altLang="en-US" dirty="0" smtClean="0">
+              <a:rPr lang="ko-KR" altLang="en-US" sz="1400" b="1" dirty="0" smtClean="0">
                 <a:solidFill>
                   <a:schemeClr val="tx1"/>
                 </a:solidFill>
-                <a:ea typeface="문체부 돋음체" panose="020B0609000101010101" pitchFamily="49" charset="-127"/>
+                <a:latin typeface="+mj-ea"/>
+                <a:ea typeface="+mj-ea"/>
               </a:rPr>
               <a:t>회원 관리</a:t>
             </a:r>
-            <a:endParaRPr lang="ko-KR" altLang="en-US" dirty="0">
+            <a:endParaRPr lang="ko-KR" altLang="en-US" sz="1400" b="1" dirty="0">
               <a:solidFill>
                 <a:schemeClr val="tx1"/>
               </a:solidFill>
-              <a:ea typeface="문체부 돋음체" panose="020B0609000101010101" pitchFamily="49" charset="-127"/>
+              <a:latin typeface="+mj-ea"/>
+              <a:ea typeface="+mj-ea"/>
             </a:endParaRPr>
           </a:p>
         </p:txBody>
@@ -8573,8 +9167,8 @@
         </p:nvSpPr>
         <p:spPr>
           <a:xfrm>
-            <a:off x="9936661" y="3710356"/>
-            <a:ext cx="1666702" cy="527539"/>
+            <a:off x="10094205" y="3762944"/>
+            <a:ext cx="1351614" cy="422364"/>
           </a:xfrm>
           <a:prstGeom prst="roundRect">
             <a:avLst>
@@ -8612,19 +9206,21 @@
           <a:p>
             <a:pPr algn="ctr"/>
             <a:r>
-              <a:rPr lang="ko-KR" altLang="en-US" sz="1600" dirty="0" smtClean="0">
+              <a:rPr lang="ko-KR" altLang="en-US" sz="1200" b="1" dirty="0" smtClean="0">
                 <a:solidFill>
                   <a:schemeClr val="tx1"/>
                 </a:solidFill>
-                <a:ea typeface="문체부 돋음체" panose="020B0609000101010101" pitchFamily="49" charset="-127"/>
+                <a:latin typeface="+mj-ea"/>
+                <a:ea typeface="+mj-ea"/>
               </a:rPr>
               <a:t>병원 리뷰 관리</a:t>
             </a:r>
-            <a:endParaRPr lang="ko-KR" altLang="en-US" sz="1600" dirty="0">
+            <a:endParaRPr lang="ko-KR" altLang="en-US" sz="1200" b="1" dirty="0">
               <a:solidFill>
                 <a:schemeClr val="tx1"/>
               </a:solidFill>
-              <a:ea typeface="문체부 돋음체" panose="020B0609000101010101" pitchFamily="49" charset="-127"/>
+              <a:latin typeface="+mj-ea"/>
+              <a:ea typeface="+mj-ea"/>
             </a:endParaRPr>
           </a:p>
         </p:txBody>
@@ -8637,8 +9233,8 @@
         </p:nvSpPr>
         <p:spPr>
           <a:xfrm>
-            <a:off x="9936661" y="4413742"/>
-            <a:ext cx="1666702" cy="527539"/>
+            <a:off x="10094205" y="4466330"/>
+            <a:ext cx="1351614" cy="422364"/>
           </a:xfrm>
           <a:prstGeom prst="roundRect">
             <a:avLst>
@@ -8676,19 +9272,21 @@
           <a:p>
             <a:pPr algn="ctr"/>
             <a:r>
-              <a:rPr lang="ko-KR" altLang="en-US" sz="1600" dirty="0" smtClean="0">
+              <a:rPr lang="ko-KR" altLang="en-US" sz="1200" b="1" dirty="0" smtClean="0">
                 <a:solidFill>
                   <a:schemeClr val="tx1"/>
                 </a:solidFill>
-                <a:ea typeface="문체부 돋음체" panose="020B0609000101010101" pitchFamily="49" charset="-127"/>
+                <a:latin typeface="+mj-ea"/>
+                <a:ea typeface="+mj-ea"/>
               </a:rPr>
               <a:t>커뮤니티 관리</a:t>
             </a:r>
-            <a:endParaRPr lang="ko-KR" altLang="en-US" sz="1600" dirty="0">
+            <a:endParaRPr lang="ko-KR" altLang="en-US" sz="1200" b="1" dirty="0">
               <a:solidFill>
                 <a:schemeClr val="tx1"/>
               </a:solidFill>
-              <a:ea typeface="문체부 돋음체" panose="020B0609000101010101" pitchFamily="49" charset="-127"/>
+              <a:latin typeface="+mj-ea"/>
+              <a:ea typeface="+mj-ea"/>
             </a:endParaRPr>
           </a:p>
         </p:txBody>
@@ -8701,8 +9299,8 @@
         </p:nvSpPr>
         <p:spPr>
           <a:xfrm>
-            <a:off x="9936661" y="5117132"/>
-            <a:ext cx="1666702" cy="527539"/>
+            <a:off x="10094205" y="5169720"/>
+            <a:ext cx="1351614" cy="422364"/>
           </a:xfrm>
           <a:prstGeom prst="roundRect">
             <a:avLst>
@@ -8740,19 +9338,21 @@
           <a:p>
             <a:pPr algn="ctr"/>
             <a:r>
-              <a:rPr lang="ko-KR" altLang="en-US" sz="1600" dirty="0" smtClean="0">
+              <a:rPr lang="ko-KR" altLang="en-US" sz="1200" b="1" dirty="0" smtClean="0">
                 <a:solidFill>
                   <a:schemeClr val="tx1"/>
                 </a:solidFill>
-                <a:ea typeface="문체부 돋음체" panose="020B0609000101010101" pitchFamily="49" charset="-127"/>
+                <a:latin typeface="+mj-ea"/>
+                <a:ea typeface="+mj-ea"/>
               </a:rPr>
               <a:t>고객센터 관리</a:t>
             </a:r>
-            <a:endParaRPr lang="ko-KR" altLang="en-US" sz="1600" dirty="0">
+            <a:endParaRPr lang="ko-KR" altLang="en-US" sz="1200" b="1" dirty="0">
               <a:solidFill>
                 <a:schemeClr val="tx1"/>
               </a:solidFill>
-              <a:ea typeface="문체부 돋음체" panose="020B0609000101010101" pitchFamily="49" charset="-127"/>
+              <a:latin typeface="+mj-ea"/>
+              <a:ea typeface="+mj-ea"/>
             </a:endParaRPr>
           </a:p>
         </p:txBody>
@@ -8765,8 +9365,8 @@
         </p:nvSpPr>
         <p:spPr>
           <a:xfrm>
-            <a:off x="8037525" y="5745787"/>
-            <a:ext cx="1666702" cy="677008"/>
+            <a:off x="2497651" y="4142725"/>
+            <a:ext cx="1351614" cy="542034"/>
           </a:xfrm>
           <a:prstGeom prst="roundRect">
             <a:avLst>
@@ -8802,13 +9402,176 @@
           <a:p>
             <a:pPr algn="ctr"/>
             <a:r>
-              <a:rPr lang="ko-KR" altLang="en-US" sz="2000" dirty="0" err="1" smtClean="0">
-                <a:ea typeface="문체부 제목 돋음체" panose="020B0609000101010101" pitchFamily="49" charset="-127"/>
+              <a:rPr lang="ko-KR" altLang="en-US" sz="1600" b="1" dirty="0" err="1" smtClean="0">
+                <a:latin typeface="+mj-ea"/>
+                <a:ea typeface="+mj-ea"/>
               </a:rPr>
               <a:t>메세지</a:t>
             </a:r>
-            <a:endParaRPr lang="ko-KR" altLang="en-US" sz="2000" dirty="0">
-              <a:ea typeface="문체부 제목 돋음체" panose="020B0609000101010101" pitchFamily="49" charset="-127"/>
+            <a:endParaRPr lang="ko-KR" altLang="en-US" sz="1600" b="1" dirty="0">
+              <a:latin typeface="+mj-ea"/>
+              <a:ea typeface="+mj-ea"/>
+            </a:endParaRPr>
+          </a:p>
+        </p:txBody>
+      </p:sp>
+      <p:sp>
+        <p:nvSpPr>
+          <p:cNvPr id="41" name="모서리가 둥근 직사각형 40"/>
+          <p:cNvSpPr/>
+          <p:nvPr/>
+        </p:nvSpPr>
+        <p:spPr>
+          <a:xfrm>
+            <a:off x="4396784" y="4142725"/>
+            <a:ext cx="1351614" cy="542034"/>
+          </a:xfrm>
+          <a:prstGeom prst="roundRect">
+            <a:avLst>
+              <a:gd name="adj" fmla="val 29654"/>
+            </a:avLst>
+          </a:prstGeom>
+          <a:solidFill>
+            <a:srgbClr val="2CE97B"/>
+          </a:solidFill>
+          <a:ln>
+            <a:noFill/>
+          </a:ln>
+        </p:spPr>
+        <p:style>
+          <a:lnRef idx="2">
+            <a:schemeClr val="accent1">
+              <a:shade val="50000"/>
+            </a:schemeClr>
+          </a:lnRef>
+          <a:fillRef idx="1">
+            <a:schemeClr val="accent1"/>
+          </a:fillRef>
+          <a:effectRef idx="0">
+            <a:schemeClr val="accent1"/>
+          </a:effectRef>
+          <a:fontRef idx="minor">
+            <a:schemeClr val="lt1"/>
+          </a:fontRef>
+        </p:style>
+        <p:txBody>
+          <a:bodyPr rtlCol="0" anchor="ctr"/>
+          <a:lstStyle/>
+          <a:p>
+            <a:pPr algn="ctr"/>
+            <a:r>
+              <a:rPr lang="ko-KR" altLang="en-US" sz="1600" b="1" dirty="0" smtClean="0">
+                <a:latin typeface="+mj-ea"/>
+                <a:ea typeface="+mj-ea"/>
+              </a:rPr>
+              <a:t>약국 검색</a:t>
+            </a:r>
+            <a:endParaRPr lang="ko-KR" altLang="en-US" sz="1600" b="1" dirty="0">
+              <a:latin typeface="+mj-ea"/>
+              <a:ea typeface="+mj-ea"/>
+            </a:endParaRPr>
+          </a:p>
+        </p:txBody>
+      </p:sp>
+      <p:cxnSp>
+        <p:nvCxnSpPr>
+          <p:cNvPr id="45" name="직선 연결선 44"/>
+          <p:cNvCxnSpPr>
+            <a:endCxn id="46" idx="2"/>
+          </p:cNvCxnSpPr>
+          <p:nvPr/>
+        </p:nvCxnSpPr>
+        <p:spPr>
+          <a:xfrm>
+            <a:off x="5083780" y="4697974"/>
+            <a:ext cx="0" cy="685967"/>
+          </a:xfrm>
+          <a:prstGeom prst="line">
+            <a:avLst/>
+          </a:prstGeom>
+          <a:ln w="57150">
+            <a:solidFill>
+              <a:srgbClr val="2CE97B"/>
+            </a:solidFill>
+          </a:ln>
+        </p:spPr>
+        <p:style>
+          <a:lnRef idx="1">
+            <a:schemeClr val="accent1"/>
+          </a:lnRef>
+          <a:fillRef idx="0">
+            <a:schemeClr val="accent1"/>
+          </a:fillRef>
+          <a:effectRef idx="0">
+            <a:schemeClr val="accent1"/>
+          </a:effectRef>
+          <a:fontRef idx="minor">
+            <a:schemeClr val="tx1"/>
+          </a:fontRef>
+        </p:style>
+      </p:cxnSp>
+      <p:sp>
+        <p:nvSpPr>
+          <p:cNvPr id="46" name="모서리가 둥근 직사각형 45"/>
+          <p:cNvSpPr/>
+          <p:nvPr/>
+        </p:nvSpPr>
+        <p:spPr>
+          <a:xfrm>
+            <a:off x="4407973" y="4961577"/>
+            <a:ext cx="1351614" cy="422364"/>
+          </a:xfrm>
+          <a:prstGeom prst="roundRect">
+            <a:avLst>
+              <a:gd name="adj" fmla="val 29654"/>
+            </a:avLst>
+          </a:prstGeom>
+          <a:solidFill>
+            <a:schemeClr val="bg1"/>
+          </a:solidFill>
+          <a:ln>
+            <a:solidFill>
+              <a:srgbClr val="2CE97B"/>
+            </a:solidFill>
+          </a:ln>
+        </p:spPr>
+        <p:style>
+          <a:lnRef idx="2">
+            <a:schemeClr val="accent1">
+              <a:shade val="50000"/>
+            </a:schemeClr>
+          </a:lnRef>
+          <a:fillRef idx="1">
+            <a:schemeClr val="accent1"/>
+          </a:fillRef>
+          <a:effectRef idx="0">
+            <a:schemeClr val="accent1"/>
+          </a:effectRef>
+          <a:fontRef idx="minor">
+            <a:schemeClr val="lt1"/>
+          </a:fontRef>
+        </p:style>
+        <p:txBody>
+          <a:bodyPr rtlCol="0" anchor="ctr"/>
+          <a:lstStyle/>
+          <a:p>
+            <a:pPr algn="ctr"/>
+            <a:r>
+              <a:rPr lang="ko-KR" altLang="en-US" sz="1050" b="1" dirty="0" smtClean="0">
+                <a:solidFill>
+                  <a:schemeClr val="tx1"/>
+                </a:solidFill>
+                <a:latin typeface="+mj-ea"/>
+                <a:ea typeface="+mj-ea"/>
+              </a:rPr>
+              <a:t>검색 및 지도 출력</a:t>
+            </a:r>
+            <a:endParaRPr lang="ko-KR" altLang="en-US" sz="1050" b="1" dirty="0">
+              <a:solidFill>
+                <a:schemeClr val="tx1"/>
+              </a:solidFill>
+              <a:latin typeface="+mj-ea"/>
+              <a:ea typeface="+mj-ea"/>
             </a:endParaRPr>
           </a:p>
         </p:txBody>
@@ -8852,84 +9615,14 @@
       </p:grpSpPr>
       <p:pic>
         <p:nvPicPr>
-          <p:cNvPr id="9" name="그림 8"/>
+          <p:cNvPr id="2" name="그림 1"/>
           <p:cNvPicPr>
             <a:picLocks noChangeAspect="1"/>
           </p:cNvPicPr>
           <p:nvPr/>
         </p:nvPicPr>
         <p:blipFill>
-          <a:blip r:embed="rId2"/>
-          <a:stretch>
-            <a:fillRect/>
-          </a:stretch>
-        </p:blipFill>
-        <p:spPr>
-          <a:xfrm>
-            <a:off x="0" y="0"/>
-            <a:ext cx="12192000" cy="1011600"/>
-          </a:xfrm>
-          <a:prstGeom prst="rect">
-            <a:avLst/>
-          </a:prstGeom>
-        </p:spPr>
-      </p:pic>
-      <p:sp>
-        <p:nvSpPr>
-          <p:cNvPr id="4" name="타원 3"/>
-          <p:cNvSpPr/>
-          <p:nvPr/>
-        </p:nvSpPr>
-        <p:spPr>
-          <a:xfrm>
-            <a:off x="194552" y="97276"/>
-            <a:ext cx="768485" cy="768485"/>
-          </a:xfrm>
-          <a:prstGeom prst="ellipse">
-            <a:avLst/>
-          </a:prstGeom>
-          <a:solidFill>
-            <a:schemeClr val="bg1"/>
-          </a:solidFill>
-          <a:ln>
-            <a:noFill/>
-          </a:ln>
-        </p:spPr>
-        <p:style>
-          <a:lnRef idx="2">
-            <a:schemeClr val="accent1">
-              <a:shade val="50000"/>
-            </a:schemeClr>
-          </a:lnRef>
-          <a:fillRef idx="1">
-            <a:schemeClr val="accent1"/>
-          </a:fillRef>
-          <a:effectRef idx="0">
-            <a:schemeClr val="accent1"/>
-          </a:effectRef>
-          <a:fontRef idx="minor">
-            <a:schemeClr val="lt1"/>
-          </a:fontRef>
-        </p:style>
-        <p:txBody>
-          <a:bodyPr rtlCol="0" anchor="ctr"/>
-          <a:lstStyle/>
-          <a:p>
-            <a:pPr algn="ctr"/>
-            <a:endParaRPr lang="ko-KR" altLang="en-US"/>
-          </a:p>
-        </p:txBody>
-      </p:sp>
-      <p:pic>
-        <p:nvPicPr>
-          <p:cNvPr id="3" name="그림 2"/>
-          <p:cNvPicPr>
-            <a:picLocks noChangeAspect="1"/>
-          </p:cNvPicPr>
-          <p:nvPr/>
-        </p:nvPicPr>
-        <p:blipFill>
-          <a:blip r:embed="rId3">
+          <a:blip r:embed="rId2">
             <a:extLst>
               <a:ext uri="{28A0092B-C50C-407E-A947-70E740481C1C}">
                 <a14:useLocalDpi xmlns:a14="http://schemas.microsoft.com/office/drawing/2010/main" val="0"/>
@@ -8942,57 +9635,87 @@
         </p:blipFill>
         <p:spPr>
           <a:xfrm>
-            <a:off x="194552" y="97275"/>
-            <a:ext cx="753847" cy="768485"/>
+            <a:off x="2687782" y="973952"/>
+            <a:ext cx="6816436" cy="5884048"/>
           </a:xfrm>
           <a:prstGeom prst="rect">
             <a:avLst/>
           </a:prstGeom>
         </p:spPr>
       </p:pic>
-      <p:sp>
-        <p:nvSpPr>
-          <p:cNvPr id="6" name="TextBox 5"/>
-          <p:cNvSpPr txBox="1"/>
-          <p:nvPr/>
-        </p:nvSpPr>
-        <p:spPr>
-          <a:xfrm>
-            <a:off x="1274323" y="175098"/>
-            <a:ext cx="6647546" cy="630942"/>
+      <p:pic>
+        <p:nvPicPr>
+          <p:cNvPr id="9" name="그림 8"/>
+          <p:cNvPicPr>
+            <a:picLocks noChangeAspect="1"/>
+          </p:cNvPicPr>
+          <p:nvPr/>
+        </p:nvPicPr>
+        <p:blipFill>
+          <a:blip r:embed="rId3"/>
+          <a:stretch>
+            <a:fillRect/>
+          </a:stretch>
+        </p:blipFill>
+        <p:spPr>
+          <a:xfrm>
+            <a:off x="0" y="0"/>
+            <a:ext cx="12192000" cy="1011600"/>
           </a:xfrm>
           <a:prstGeom prst="rect">
             <a:avLst/>
           </a:prstGeom>
-          <a:noFill/>
-        </p:spPr>
-        <p:txBody>
-          <a:bodyPr wrap="square" rtlCol="0">
-            <a:spAutoFit/>
-          </a:bodyPr>
-          <a:lstStyle/>
-          <a:p>
-            <a:r>
-              <a:rPr lang="ko-KR" altLang="en-US" sz="3500" dirty="0" smtClean="0">
-                <a:solidFill>
-                  <a:schemeClr val="bg1"/>
-                </a:solidFill>
-                <a:ea typeface="문체부 제목 돋음체" panose="020B0609000101010101" pitchFamily="49" charset="-127"/>
-              </a:rPr>
-              <a:t>데이터베이스 구조</a:t>
-            </a:r>
-            <a:endParaRPr lang="ko-KR" altLang="en-US" sz="3500" dirty="0">
-              <a:solidFill>
-                <a:schemeClr val="bg1"/>
-              </a:solidFill>
-              <a:ea typeface="문체부 제목 돋음체" panose="020B0609000101010101" pitchFamily="49" charset="-127"/>
-            </a:endParaRPr>
+        </p:spPr>
+      </p:pic>
+      <p:sp>
+        <p:nvSpPr>
+          <p:cNvPr id="4" name="타원 3"/>
+          <p:cNvSpPr/>
+          <p:nvPr/>
+        </p:nvSpPr>
+        <p:spPr>
+          <a:xfrm>
+            <a:off x="194552" y="97276"/>
+            <a:ext cx="768485" cy="768485"/>
+          </a:xfrm>
+          <a:prstGeom prst="ellipse">
+            <a:avLst/>
+          </a:prstGeom>
+          <a:solidFill>
+            <a:schemeClr val="bg1"/>
+          </a:solidFill>
+          <a:ln>
+            <a:noFill/>
+          </a:ln>
+        </p:spPr>
+        <p:style>
+          <a:lnRef idx="2">
+            <a:schemeClr val="accent1">
+              <a:shade val="50000"/>
+            </a:schemeClr>
+          </a:lnRef>
+          <a:fillRef idx="1">
+            <a:schemeClr val="accent1"/>
+          </a:fillRef>
+          <a:effectRef idx="0">
+            <a:schemeClr val="accent1"/>
+          </a:effectRef>
+          <a:fontRef idx="minor">
+            <a:schemeClr val="lt1"/>
+          </a:fontRef>
+        </p:style>
+        <p:txBody>
+          <a:bodyPr rtlCol="0" anchor="ctr"/>
+          <a:lstStyle/>
+          <a:p>
+            <a:pPr algn="ctr"/>
+            <a:endParaRPr lang="ko-KR" altLang="en-US"/>
           </a:p>
         </p:txBody>
       </p:sp>
       <p:pic>
         <p:nvPicPr>
-          <p:cNvPr id="2" name="그림 1"/>
+          <p:cNvPr id="3" name="그림 2"/>
           <p:cNvPicPr>
             <a:picLocks noChangeAspect="1"/>
           </p:cNvPicPr>
@@ -9012,14 +9735,56 @@
         </p:blipFill>
         <p:spPr>
           <a:xfrm>
-            <a:off x="2877724" y="1186698"/>
-            <a:ext cx="6436551" cy="5556126"/>
+            <a:off x="194552" y="97275"/>
+            <a:ext cx="753847" cy="768485"/>
           </a:xfrm>
           <a:prstGeom prst="rect">
             <a:avLst/>
           </a:prstGeom>
         </p:spPr>
       </p:pic>
+      <p:sp>
+        <p:nvSpPr>
+          <p:cNvPr id="6" name="TextBox 5"/>
+          <p:cNvSpPr txBox="1"/>
+          <p:nvPr/>
+        </p:nvSpPr>
+        <p:spPr>
+          <a:xfrm>
+            <a:off x="1274323" y="175098"/>
+            <a:ext cx="6647546" cy="630942"/>
+          </a:xfrm>
+          <a:prstGeom prst="rect">
+            <a:avLst/>
+          </a:prstGeom>
+          <a:noFill/>
+        </p:spPr>
+        <p:txBody>
+          <a:bodyPr wrap="square" rtlCol="0">
+            <a:spAutoFit/>
+          </a:bodyPr>
+          <a:lstStyle/>
+          <a:p>
+            <a:r>
+              <a:rPr lang="ko-KR" altLang="en-US" sz="3500" b="1" dirty="0" smtClean="0">
+                <a:solidFill>
+                  <a:schemeClr val="bg1"/>
+                </a:solidFill>
+                <a:latin typeface="맑은 고딕" panose="020B0503020000020004" pitchFamily="50" charset="-127"/>
+                <a:ea typeface="맑은 고딕" panose="020B0503020000020004" pitchFamily="50" charset="-127"/>
+              </a:rPr>
+              <a:t>데이터베이스 구조</a:t>
+            </a:r>
+            <a:endParaRPr lang="ko-KR" altLang="en-US" sz="3500" b="1" dirty="0">
+              <a:solidFill>
+                <a:schemeClr val="bg1"/>
+              </a:solidFill>
+              <a:latin typeface="맑은 고딕" panose="020B0503020000020004" pitchFamily="50" charset="-127"/>
+              <a:ea typeface="맑은 고딕" panose="020B0503020000020004" pitchFamily="50" charset="-127"/>
+            </a:endParaRPr>
+          </a:p>
+        </p:txBody>
+      </p:sp>
     </p:spTree>
     <p:extLst>
       <p:ext uri="{BB962C8B-B14F-4D97-AF65-F5344CB8AC3E}">
@@ -9180,19 +9945,21 @@
           <a:lstStyle/>
           <a:p>
             <a:r>
-              <a:rPr lang="ko-KR" altLang="en-US" sz="3500" dirty="0" smtClean="0">
+              <a:rPr lang="ko-KR" altLang="en-US" sz="3500" b="1" dirty="0" smtClean="0">
                 <a:solidFill>
                   <a:schemeClr val="bg1"/>
                 </a:solidFill>
-                <a:ea typeface="문체부 제목 돋음체" panose="020B0609000101010101" pitchFamily="49" charset="-127"/>
+                <a:latin typeface="맑은 고딕" panose="020B0503020000020004" pitchFamily="50" charset="-127"/>
+                <a:ea typeface="맑은 고딕" panose="020B0503020000020004" pitchFamily="50" charset="-127"/>
               </a:rPr>
               <a:t>주요 기능</a:t>
             </a:r>
-            <a:endParaRPr lang="ko-KR" altLang="en-US" sz="3500" dirty="0">
+            <a:endParaRPr lang="ko-KR" altLang="en-US" sz="3500" b="1" dirty="0">
               <a:solidFill>
                 <a:schemeClr val="bg1"/>
               </a:solidFill>
-              <a:ea typeface="문체부 제목 돋음체" panose="020B0609000101010101" pitchFamily="49" charset="-127"/>
+              <a:latin typeface="맑은 고딕" panose="020B0503020000020004" pitchFamily="50" charset="-127"/>
+              <a:ea typeface="맑은 고딕" panose="020B0503020000020004" pitchFamily="50" charset="-127"/>
             </a:endParaRPr>
           </a:p>
         </p:txBody>
@@ -9221,12 +9988,14 @@
           <a:p>
             <a:r>
               <a:rPr lang="ko-KR" altLang="en-US" dirty="0" smtClean="0">
-                <a:ea typeface="문체부 돋음체" panose="020B0609000101010101" pitchFamily="49" charset="-127"/>
+                <a:latin typeface="맑은 고딕" panose="020B0503020000020004" pitchFamily="50" charset="-127"/>
+                <a:ea typeface="맑은 고딕" panose="020B0503020000020004" pitchFamily="50" charset="-127"/>
               </a:rPr>
               <a:t>회원</a:t>
             </a:r>
             <a:endParaRPr lang="ko-KR" altLang="en-US" dirty="0">
-              <a:ea typeface="문체부 돋음체" panose="020B0609000101010101" pitchFamily="49" charset="-127"/>
+              <a:latin typeface="맑은 고딕" panose="020B0503020000020004" pitchFamily="50" charset="-127"/>
+              <a:ea typeface="맑은 고딕" panose="020B0503020000020004" pitchFamily="50" charset="-127"/>
             </a:endParaRPr>
           </a:p>
         </p:txBody>
@@ -9290,12 +10059,14 @@
           <a:p>
             <a:r>
               <a:rPr lang="ko-KR" altLang="en-US" dirty="0" smtClean="0">
-                <a:ea typeface="문체부 돋음체" panose="020B0609000101010101" pitchFamily="49" charset="-127"/>
+                <a:latin typeface="맑은 고딕" panose="020B0503020000020004" pitchFamily="50" charset="-127"/>
+                <a:ea typeface="맑은 고딕" panose="020B0503020000020004" pitchFamily="50" charset="-127"/>
               </a:rPr>
               <a:t>증상 검색</a:t>
             </a:r>
             <a:endParaRPr lang="ko-KR" altLang="en-US" dirty="0">
-              <a:ea typeface="문체부 돋음체" panose="020B0609000101010101" pitchFamily="49" charset="-127"/>
+              <a:latin typeface="맑은 고딕" panose="020B0503020000020004" pitchFamily="50" charset="-127"/>
+              <a:ea typeface="맑은 고딕" panose="020B0503020000020004" pitchFamily="50" charset="-127"/>
             </a:endParaRPr>
           </a:p>
         </p:txBody>
@@ -9324,12 +10095,14 @@
           <a:p>
             <a:r>
               <a:rPr lang="ko-KR" altLang="en-US" dirty="0" smtClean="0">
-                <a:ea typeface="문체부 돋음체" panose="020B0609000101010101" pitchFamily="49" charset="-127"/>
+                <a:latin typeface="맑은 고딕" panose="020B0503020000020004" pitchFamily="50" charset="-127"/>
+                <a:ea typeface="맑은 고딕" panose="020B0503020000020004" pitchFamily="50" charset="-127"/>
               </a:rPr>
               <a:t>응급실 검색</a:t>
             </a:r>
             <a:endParaRPr lang="ko-KR" altLang="en-US" dirty="0">
-              <a:ea typeface="문체부 돋음체" panose="020B0609000101010101" pitchFamily="49" charset="-127"/>
+              <a:latin typeface="맑은 고딕" panose="020B0503020000020004" pitchFamily="50" charset="-127"/>
+              <a:ea typeface="맑은 고딕" panose="020B0503020000020004" pitchFamily="50" charset="-127"/>
             </a:endParaRPr>
           </a:p>
         </p:txBody>
@@ -9358,12 +10131,14 @@
           <a:p>
             <a:r>
               <a:rPr lang="ko-KR" altLang="en-US" dirty="0" smtClean="0">
-                <a:ea typeface="문체부 돋음체" panose="020B0609000101010101" pitchFamily="49" charset="-127"/>
+                <a:latin typeface="맑은 고딕" panose="020B0503020000020004" pitchFamily="50" charset="-127"/>
+                <a:ea typeface="맑은 고딕" panose="020B0503020000020004" pitchFamily="50" charset="-127"/>
               </a:rPr>
               <a:t>커뮤니티</a:t>
             </a:r>
             <a:endParaRPr lang="ko-KR" altLang="en-US" dirty="0">
-              <a:ea typeface="문체부 돋음체" panose="020B0609000101010101" pitchFamily="49" charset="-127"/>
+              <a:latin typeface="맑은 고딕" panose="020B0503020000020004" pitchFamily="50" charset="-127"/>
+              <a:ea typeface="맑은 고딕" panose="020B0503020000020004" pitchFamily="50" charset="-127"/>
             </a:endParaRPr>
           </a:p>
         </p:txBody>
@@ -9391,13 +10166,15 @@
           <a:lstStyle/>
           <a:p>
             <a:r>
-              <a:rPr lang="ko-KR" altLang="en-US" smtClean="0">
-                <a:ea typeface="문체부 돋음체" panose="020B0609000101010101" pitchFamily="49" charset="-127"/>
+              <a:rPr lang="ko-KR" altLang="en-US" dirty="0" smtClean="0">
+                <a:latin typeface="맑은 고딕" panose="020B0503020000020004" pitchFamily="50" charset="-127"/>
+                <a:ea typeface="맑은 고딕" panose="020B0503020000020004" pitchFamily="50" charset="-127"/>
               </a:rPr>
               <a:t>관리자</a:t>
             </a:r>
             <a:endParaRPr lang="ko-KR" altLang="en-US" dirty="0">
-              <a:ea typeface="문체부 돋음체" panose="020B0609000101010101" pitchFamily="49" charset="-127"/>
+              <a:latin typeface="맑은 고딕" panose="020B0503020000020004" pitchFamily="50" charset="-127"/>
+              <a:ea typeface="맑은 고딕" panose="020B0503020000020004" pitchFamily="50" charset="-127"/>
             </a:endParaRPr>
           </a:p>
         </p:txBody>
@@ -9426,12 +10203,14 @@
           <a:p>
             <a:r>
               <a:rPr lang="ko-KR" altLang="en-US" dirty="0" err="1" smtClean="0">
-                <a:ea typeface="문체부 돋음체" panose="020B0609000101010101" pitchFamily="49" charset="-127"/>
+                <a:latin typeface="맑은 고딕" panose="020B0503020000020004" pitchFamily="50" charset="-127"/>
+                <a:ea typeface="맑은 고딕" panose="020B0503020000020004" pitchFamily="50" charset="-127"/>
               </a:rPr>
               <a:t>메세징</a:t>
             </a:r>
             <a:endParaRPr lang="ko-KR" altLang="en-US" dirty="0">
-              <a:ea typeface="문체부 돋음체" panose="020B0609000101010101" pitchFamily="49" charset="-127"/>
+              <a:latin typeface="맑은 고딕" panose="020B0503020000020004" pitchFamily="50" charset="-127"/>
+              <a:ea typeface="맑은 고딕" panose="020B0503020000020004" pitchFamily="50" charset="-127"/>
             </a:endParaRPr>
           </a:p>
         </p:txBody>
@@ -9605,13 +10384,13 @@
           <a:lstStyle/>
           <a:p>
             <a:r>
-              <a:rPr lang="en-US" altLang="ko-KR">
+              <a:rPr lang="en-US" altLang="ko-KR" dirty="0">
                 <a:hlinkClick r:id="rId9"/>
               </a:rPr>
               <a:t>https://www.youtube.com/watch?v=_OgSrllc70U</a:t>
             </a:r>
             <a:r>
-              <a:rPr lang="en-US" altLang="ko-KR"/>
+              <a:rPr lang="en-US" altLang="ko-KR" dirty="0"/>
               <a:t> </a:t>
             </a:r>
             <a:endParaRPr lang="ko-KR" altLang="en-US" dirty="0">
@@ -9645,12 +10424,14 @@
           <a:p>
             <a:r>
               <a:rPr lang="ko-KR" altLang="en-US" dirty="0" smtClean="0">
-                <a:ea typeface="문체부 돋음체" panose="020B0609000101010101" pitchFamily="49" charset="-127"/>
+                <a:latin typeface="맑은 고딕" panose="020B0503020000020004" pitchFamily="50" charset="-127"/>
+                <a:ea typeface="맑은 고딕" panose="020B0503020000020004" pitchFamily="50" charset="-127"/>
               </a:rPr>
               <a:t>고객센터</a:t>
             </a:r>
             <a:endParaRPr lang="ko-KR" altLang="en-US" dirty="0">
-              <a:ea typeface="문체부 돋음체" panose="020B0609000101010101" pitchFamily="49" charset="-127"/>
+              <a:latin typeface="맑은 고딕" panose="020B0503020000020004" pitchFamily="50" charset="-127"/>
+              <a:ea typeface="맑은 고딕" panose="020B0503020000020004" pitchFamily="50" charset="-127"/>
             </a:endParaRPr>
           </a:p>
         </p:txBody>
@@ -9920,7 +10701,7 @@
         </p:nvSpPr>
         <p:spPr>
           <a:xfrm>
-            <a:off x="1274323" y="175098"/>
+            <a:off x="2772227" y="190329"/>
             <a:ext cx="6647546" cy="630942"/>
           </a:xfrm>
           <a:prstGeom prst="rect">
@@ -9934,53 +10715,27 @@
           </a:bodyPr>
           <a:lstStyle/>
           <a:p>
-            <a:r>
-              <a:rPr lang="ko-KR" altLang="en-US" sz="3500" dirty="0" smtClean="0">
+            <a:pPr algn="ctr"/>
+            <a:r>
+              <a:rPr lang="ko-KR" altLang="en-US" sz="3500" b="1" dirty="0" smtClean="0">
                 <a:solidFill>
                   <a:schemeClr val="bg1"/>
                 </a:solidFill>
-                <a:ea typeface="문체부 제목 돋음체" panose="020B0609000101010101" pitchFamily="49" charset="-127"/>
-              </a:rPr>
-              <a:t>질의응답 및 소감 발표</a:t>
-            </a:r>
-            <a:endParaRPr lang="ko-KR" altLang="en-US" sz="3500" dirty="0">
+                <a:latin typeface="HY견고딕" panose="02030600000101010101" pitchFamily="18" charset="-127"/>
+                <a:ea typeface="HY견고딕" panose="02030600000101010101" pitchFamily="18" charset="-127"/>
+              </a:rPr>
+              <a:t>소감</a:t>
+            </a:r>
+            <a:endParaRPr lang="ko-KR" altLang="en-US" sz="3500" b="1" dirty="0">
               <a:solidFill>
                 <a:schemeClr val="bg1"/>
               </a:solidFill>
-              <a:ea typeface="문체부 제목 돋음체" panose="020B0609000101010101" pitchFamily="49" charset="-127"/>
+              <a:latin typeface="HY견고딕" panose="02030600000101010101" pitchFamily="18" charset="-127"/>
+              <a:ea typeface="HY견고딕" panose="02030600000101010101" pitchFamily="18" charset="-127"/>
             </a:endParaRPr>
           </a:p>
         </p:txBody>
       </p:sp>
-      <p:pic>
-        <p:nvPicPr>
-          <p:cNvPr id="7" name="그림 6"/>
-          <p:cNvPicPr>
-            <a:picLocks noChangeAspect="1"/>
-          </p:cNvPicPr>
-          <p:nvPr/>
-        </p:nvPicPr>
-        <p:blipFill rotWithShape="1">
-          <a:blip r:embed="rId4">
-            <a:extLst>
-              <a:ext uri="{28A0092B-C50C-407E-A947-70E740481C1C}">
-                <a14:useLocalDpi xmlns:a14="http://schemas.microsoft.com/office/drawing/2010/main" val="0"/>
-              </a:ext>
-            </a:extLst>
-          </a:blip>
-          <a:srcRect l="15442" t="28628" r="16631" b="24691"/>
-          <a:stretch/>
-        </p:blipFill>
-        <p:spPr>
-          <a:xfrm>
-            <a:off x="4411556" y="2561204"/>
-            <a:ext cx="3368888" cy="2315183"/>
-          </a:xfrm>
-          <a:prstGeom prst="rect">
-            <a:avLst/>
-          </a:prstGeom>
-        </p:spPr>
-      </p:pic>
     </p:spTree>
     <p:extLst>
       <p:ext uri="{BB962C8B-B14F-4D97-AF65-F5344CB8AC3E}">

--- a/swiftER 발표 보고서.pptx
+++ b/swiftER 발표 보고서.pptx
@@ -13,7 +13,7 @@
     <p:sldId id="260" r:id="rId7"/>
     <p:sldId id="261" r:id="rId8"/>
     <p:sldId id="263" r:id="rId9"/>
-    <p:sldId id="264" r:id="rId10"/>
+    <p:sldId id="266" r:id="rId10"/>
     <p:sldId id="265" r:id="rId11"/>
   </p:sldIdLst>
   <p:sldSz cx="12192000" cy="6858000"/>
@@ -24,7 +24,7 @@
       <p:regular r:id="rId12"/>
     </p:embeddedFont>
     <p:embeddedFont>
-      <p:font typeface="맑은 고딕" panose="020B0503020000020004" pitchFamily="50" charset="-127"/>
+      <p:font typeface="Bahnschrift" panose="020B0502040204020203" pitchFamily="34" charset="0"/>
       <p:regular r:id="rId13"/>
       <p:bold r:id="rId14"/>
     </p:embeddedFont>
@@ -33,7 +33,7 @@
       <p:bold r:id="rId15"/>
     </p:embeddedFont>
     <p:embeddedFont>
-      <p:font typeface="Bahnschrift" panose="020B0502040204020203" pitchFamily="34" charset="0"/>
+      <p:font typeface="맑은 고딕" panose="020B0503020000020004" pitchFamily="50" charset="-127"/>
       <p:regular r:id="rId16"/>
       <p:bold r:id="rId17"/>
     </p:embeddedFont>
@@ -3019,7 +3019,7 @@
         </p:blipFill>
         <p:spPr>
           <a:xfrm>
-            <a:off x="4411557" y="1663430"/>
+            <a:off x="4323914" y="1425692"/>
             <a:ext cx="3368888" cy="2315183"/>
           </a:xfrm>
           <a:prstGeom prst="rect">
@@ -3059,7 +3059,7 @@
         </p:nvSpPr>
         <p:spPr>
           <a:xfrm>
-            <a:off x="3172839" y="4511074"/>
+            <a:off x="3085197" y="3839275"/>
             <a:ext cx="5846323" cy="784830"/>
           </a:xfrm>
           <a:prstGeom prst="rect">
@@ -3076,15 +3076,75 @@
             <a:pPr algn="ctr"/>
             <a:r>
               <a:rPr lang="ko-KR" altLang="en-US" sz="4500" dirty="0" smtClean="0">
-                <a:latin typeface="나눔고딕 ExtraBold" panose="020D0904000000000000" pitchFamily="50" charset="-127"/>
                 <a:ea typeface="나눔고딕 ExtraBold" panose="020D0904000000000000" pitchFamily="50" charset="-127"/>
               </a:rPr>
               <a:t>프로젝트 발표 보고서</a:t>
             </a:r>
             <a:endParaRPr lang="ko-KR" altLang="en-US" sz="4500" dirty="0">
-              <a:latin typeface="나눔고딕 ExtraBold" panose="020D0904000000000000" pitchFamily="50" charset="-127"/>
               <a:ea typeface="나눔고딕 ExtraBold" panose="020D0904000000000000" pitchFamily="50" charset="-127"/>
             </a:endParaRPr>
+          </a:p>
+        </p:txBody>
+      </p:sp>
+      <p:sp>
+        <p:nvSpPr>
+          <p:cNvPr id="2" name="TextBox 1"/>
+          <p:cNvSpPr txBox="1"/>
+          <p:nvPr/>
+        </p:nvSpPr>
+        <p:spPr>
+          <a:xfrm>
+            <a:off x="3435595" y="5827362"/>
+            <a:ext cx="5320811" cy="446276"/>
+          </a:xfrm>
+          <a:prstGeom prst="rect">
+            <a:avLst/>
+          </a:prstGeom>
+          <a:noFill/>
+        </p:spPr>
+        <p:txBody>
+          <a:bodyPr wrap="square" rtlCol="0">
+            <a:spAutoFit/>
+          </a:bodyPr>
+          <a:lstStyle/>
+          <a:p>
+            <a:r>
+              <a:rPr lang="ko-KR" altLang="en-US" sz="2300" dirty="0" smtClean="0"/>
+              <a:t>조수빈</a:t>
+            </a:r>
+            <a:r>
+              <a:rPr lang="en-US" altLang="ko-KR" sz="2300" dirty="0" smtClean="0"/>
+              <a:t>, </a:t>
+            </a:r>
+            <a:r>
+              <a:rPr lang="ko-KR" altLang="en-US" sz="2300" dirty="0" smtClean="0"/>
+              <a:t>김현준</a:t>
+            </a:r>
+            <a:r>
+              <a:rPr lang="en-US" altLang="ko-KR" sz="2300" dirty="0" smtClean="0"/>
+              <a:t>, </a:t>
+            </a:r>
+            <a:r>
+              <a:rPr lang="ko-KR" altLang="en-US" sz="2300" dirty="0" smtClean="0"/>
+              <a:t>홍민준</a:t>
+            </a:r>
+            <a:r>
+              <a:rPr lang="en-US" altLang="ko-KR" sz="2300" dirty="0" smtClean="0"/>
+              <a:t>, </a:t>
+            </a:r>
+            <a:r>
+              <a:rPr lang="ko-KR" altLang="en-US" sz="2300" dirty="0" err="1" smtClean="0"/>
+              <a:t>최아영</a:t>
+            </a:r>
+            <a:r>
+              <a:rPr lang="en-US" altLang="ko-KR" sz="2300" dirty="0" smtClean="0"/>
+              <a:t>, </a:t>
+            </a:r>
+            <a:r>
+              <a:rPr lang="ko-KR" altLang="en-US" sz="2300" dirty="0" err="1" smtClean="0"/>
+              <a:t>공민혁</a:t>
+            </a:r>
+            <a:endParaRPr lang="ko-KR" altLang="en-US" sz="2300" dirty="0"/>
           </a:p>
         </p:txBody>
       </p:sp>
@@ -4331,7 +4391,7 @@
         </p:nvSpPr>
         <p:spPr>
           <a:xfrm flipH="1">
-            <a:off x="571475" y="1186698"/>
+            <a:off x="667653" y="1308747"/>
             <a:ext cx="1508041" cy="477054"/>
           </a:xfrm>
           <a:prstGeom prst="rect">
@@ -4399,8 +4459,8 @@
         </p:nvSpPr>
         <p:spPr>
           <a:xfrm>
-            <a:off x="2433686" y="1951730"/>
-            <a:ext cx="5101321" cy="861774"/>
+            <a:off x="2273739" y="2202337"/>
+            <a:ext cx="5101321" cy="783431"/>
           </a:xfrm>
           <a:prstGeom prst="rect">
             <a:avLst/>
@@ -4453,7 +4513,7 @@
         </p:nvSpPr>
         <p:spPr>
           <a:xfrm>
-            <a:off x="869535" y="3272773"/>
+            <a:off x="677008" y="3272773"/>
             <a:ext cx="1099038" cy="369332"/>
           </a:xfrm>
           <a:prstGeom prst="rect">
@@ -4489,8 +4549,8 @@
         </p:nvSpPr>
         <p:spPr>
           <a:xfrm>
-            <a:off x="2433686" y="3288162"/>
-            <a:ext cx="5101321" cy="338554"/>
+            <a:off x="2273739" y="3288162"/>
+            <a:ext cx="5101321" cy="307776"/>
           </a:xfrm>
           <a:prstGeom prst="rect">
             <a:avLst/>
@@ -4513,14 +4573,14 @@
       </p:sp>
       <p:sp>
         <p:nvSpPr>
-          <p:cNvPr id="12" name="TextBox 11"/>
+          <p:cNvPr id="13" name="TextBox 12"/>
           <p:cNvSpPr txBox="1"/>
           <p:nvPr/>
         </p:nvSpPr>
         <p:spPr>
           <a:xfrm>
-            <a:off x="724803" y="4090459"/>
-            <a:ext cx="1099038" cy="369332"/>
+            <a:off x="2273739" y="4114413"/>
+            <a:ext cx="5101321" cy="307776"/>
           </a:xfrm>
           <a:prstGeom prst="rect">
             <a:avLst/>
@@ -4534,27 +4594,39 @@
           <a:lstStyle/>
           <a:p>
             <a:r>
-              <a:rPr lang="en-US" altLang="ko-KR" dirty="0" smtClean="0"/>
-              <a:t>DBMS</a:t>
-            </a:r>
-            <a:r>
-              <a:rPr lang="ko-KR" altLang="en-US" dirty="0" smtClean="0"/>
-              <a:t> </a:t>
-            </a:r>
-            <a:endParaRPr lang="ko-KR" altLang="en-US" dirty="0"/>
-          </a:p>
-        </p:txBody>
-      </p:sp>
-      <p:sp>
-        <p:nvSpPr>
-          <p:cNvPr id="13" name="TextBox 12"/>
+              <a:rPr lang="en-US" altLang="ko-KR" sz="1600" dirty="0" smtClean="0"/>
+              <a:t>MySQL 8.0, </a:t>
+            </a:r>
+            <a:r>
+              <a:rPr lang="en-US" altLang="ko-KR" sz="1600" dirty="0" err="1" smtClean="0"/>
+              <a:t>MariaDB</a:t>
+            </a:r>
+            <a:r>
+              <a:rPr lang="en-US" altLang="ko-KR" sz="1600" dirty="0" smtClean="0"/>
+              <a:t> 5.5.68(</a:t>
+            </a:r>
+            <a:r>
+              <a:rPr lang="ko-KR" altLang="en-US" sz="1600" dirty="0" smtClean="0"/>
+              <a:t>서비스</a:t>
+            </a:r>
+            <a:r>
+              <a:rPr lang="en-US" altLang="ko-KR" sz="1600" dirty="0" smtClean="0"/>
+              <a:t>)</a:t>
+            </a:r>
+            <a:endParaRPr lang="ko-KR" altLang="en-US" sz="1600" dirty="0"/>
+          </a:p>
+        </p:txBody>
+      </p:sp>
+      <p:sp>
+        <p:nvSpPr>
+          <p:cNvPr id="14" name="TextBox 13"/>
           <p:cNvSpPr txBox="1"/>
           <p:nvPr/>
         </p:nvSpPr>
         <p:spPr>
           <a:xfrm>
-            <a:off x="2433686" y="4105848"/>
-            <a:ext cx="5101321" cy="338554"/>
+            <a:off x="667653" y="4897213"/>
+            <a:ext cx="1854055" cy="646331"/>
           </a:xfrm>
           <a:prstGeom prst="rect">
             <a:avLst/>
@@ -4568,62 +4640,27 @@
           <a:lstStyle/>
           <a:p>
             <a:r>
-              <a:rPr lang="en-US" altLang="ko-KR" sz="1600" dirty="0" smtClean="0"/>
-              <a:t>MySQL 8.0, </a:t>
-            </a:r>
-            <a:r>
-              <a:rPr lang="en-US" altLang="ko-KR" sz="1600" dirty="0" err="1" smtClean="0"/>
-              <a:t>MariaDB</a:t>
-            </a:r>
-            <a:r>
-              <a:rPr lang="en-US" altLang="ko-KR" sz="1600" dirty="0" smtClean="0"/>
-              <a:t> 5.5.68(</a:t>
-            </a:r>
-            <a:r>
-              <a:rPr lang="ko-KR" altLang="en-US" sz="1600" dirty="0" smtClean="0"/>
-              <a:t>서비스</a:t>
-            </a:r>
-            <a:r>
-              <a:rPr lang="en-US" altLang="ko-KR" sz="1600" dirty="0" smtClean="0"/>
-              <a:t>)</a:t>
-            </a:r>
-            <a:endParaRPr lang="ko-KR" altLang="en-US" sz="1600" dirty="0"/>
-          </a:p>
-        </p:txBody>
-      </p:sp>
-      <p:sp>
-        <p:nvSpPr>
-          <p:cNvPr id="14" name="TextBox 13"/>
-          <p:cNvSpPr txBox="1"/>
-          <p:nvPr/>
-        </p:nvSpPr>
-        <p:spPr>
-          <a:xfrm>
-            <a:off x="353480" y="5143434"/>
-            <a:ext cx="1854055" cy="369332"/>
-          </a:xfrm>
-          <a:prstGeom prst="rect">
-            <a:avLst/>
-          </a:prstGeom>
-          <a:noFill/>
-        </p:spPr>
-        <p:txBody>
-          <a:bodyPr wrap="square" rtlCol="0">
-            <a:spAutoFit/>
-          </a:bodyPr>
-          <a:lstStyle/>
-          <a:p>
-            <a:r>
               <a:rPr lang="ko-KR" altLang="en-US" dirty="0" smtClean="0">
                 <a:latin typeface="+mj-lt"/>
               </a:rPr>
               <a:t>라이브러리</a:t>
             </a:r>
+            <a:endParaRPr lang="en-US" altLang="ko-KR" dirty="0" smtClean="0">
+              <a:latin typeface="+mj-lt"/>
+            </a:endParaRPr>
+          </a:p>
+          <a:p>
             <a:r>
               <a:rPr lang="en-US" altLang="ko-KR" dirty="0" smtClean="0">
                 <a:latin typeface="+mj-lt"/>
               </a:rPr>
-              <a:t>/API</a:t>
+              <a:t>/</a:t>
+            </a:r>
+            <a:r>
+              <a:rPr lang="en-US" altLang="ko-KR" dirty="0" smtClean="0">
+                <a:latin typeface="+mj-lt"/>
+              </a:rPr>
+              <a:t>API</a:t>
             </a:r>
             <a:r>
               <a:rPr lang="ko-KR" altLang="en-US" dirty="0" smtClean="0">
@@ -4645,8 +4682,8 @@
         </p:nvSpPr>
         <p:spPr>
           <a:xfrm>
-            <a:off x="2433686" y="4897213"/>
-            <a:ext cx="6341037" cy="861774"/>
+            <a:off x="2273739" y="4890242"/>
+            <a:ext cx="6341037" cy="783431"/>
           </a:xfrm>
           <a:prstGeom prst="rect">
             <a:avLst/>
@@ -4879,6 +4916,42 @@
               </a:rPr>
               <a:t>https://github.com/SleepingAlbaricoque/swiftER</a:t>
             </a:r>
+          </a:p>
+        </p:txBody>
+      </p:sp>
+      <p:sp>
+        <p:nvSpPr>
+          <p:cNvPr id="20" name="TextBox 19"/>
+          <p:cNvSpPr txBox="1"/>
+          <p:nvPr/>
+        </p:nvSpPr>
+        <p:spPr>
+          <a:xfrm>
+            <a:off x="677008" y="4101056"/>
+            <a:ext cx="1099038" cy="369332"/>
+          </a:xfrm>
+          <a:prstGeom prst="rect">
+            <a:avLst/>
+          </a:prstGeom>
+          <a:noFill/>
+        </p:spPr>
+        <p:txBody>
+          <a:bodyPr wrap="square" rtlCol="0">
+            <a:spAutoFit/>
+          </a:bodyPr>
+          <a:lstStyle/>
+          <a:p>
+            <a:r>
+              <a:rPr lang="en-US" altLang="ko-KR" dirty="0" smtClean="0">
+                <a:latin typeface="맑은 고딕" panose="020B0503020000020004" pitchFamily="50" charset="-127"/>
+                <a:ea typeface="맑은 고딕" panose="020B0503020000020004" pitchFamily="50" charset="-127"/>
+              </a:rPr>
+              <a:t>DBMS</a:t>
+            </a:r>
+            <a:endParaRPr lang="ko-KR" altLang="en-US" dirty="0">
+              <a:latin typeface="맑은 고딕" panose="020B0503020000020004" pitchFamily="50" charset="-127"/>
+              <a:ea typeface="맑은 고딕" panose="020B0503020000020004" pitchFamily="50" charset="-127"/>
+            </a:endParaRPr>
           </a:p>
         </p:txBody>
       </p:sp>
@@ -5780,7 +5853,7 @@
         <p:spPr>
           <a:xfrm>
             <a:off x="4435090" y="1837593"/>
-            <a:ext cx="3527772" cy="2817694"/>
+            <a:ext cx="3527772" cy="3208571"/>
           </a:xfrm>
           <a:prstGeom prst="rect">
             <a:avLst/>
@@ -5803,7 +5876,32 @@
                 <a:latin typeface="맑은 고딕" panose="020B0503020000020004" pitchFamily="50" charset="-127"/>
                 <a:ea typeface="맑은 고딕" panose="020B0503020000020004" pitchFamily="50" charset="-127"/>
               </a:rPr>
-              <a:t>회원가입 및 정보 화면 구현</a:t>
+              <a:t>프로젝트 기획 및 자료조사</a:t>
+            </a:r>
+            <a:endParaRPr lang="en-US" altLang="ko-KR" sz="1500" dirty="0" smtClean="0">
+              <a:latin typeface="맑은 고딕" panose="020B0503020000020004" pitchFamily="50" charset="-127"/>
+              <a:ea typeface="맑은 고딕" panose="020B0503020000020004" pitchFamily="50" charset="-127"/>
+            </a:endParaRPr>
+          </a:p>
+          <a:p>
+            <a:pPr>
+              <a:lnSpc>
+                <a:spcPct val="150000"/>
+              </a:lnSpc>
+            </a:pPr>
+            <a:r>
+              <a:rPr lang="ko-KR" altLang="en-US" sz="1500" dirty="0" smtClean="0">
+                <a:latin typeface="맑은 고딕" panose="020B0503020000020004" pitchFamily="50" charset="-127"/>
+                <a:ea typeface="맑은 고딕" panose="020B0503020000020004" pitchFamily="50" charset="-127"/>
+              </a:rPr>
+              <a:t>회원가입 </a:t>
+            </a:r>
+            <a:r>
+              <a:rPr lang="ko-KR" altLang="en-US" sz="1500" dirty="0" smtClean="0">
+                <a:latin typeface="맑은 고딕" panose="020B0503020000020004" pitchFamily="50" charset="-127"/>
+                <a:ea typeface="맑은 고딕" panose="020B0503020000020004" pitchFamily="50" charset="-127"/>
+              </a:rPr>
+              <a:t>및 정보 화면 구현</a:t>
             </a:r>
             <a:endParaRPr lang="en-US" altLang="ko-KR" sz="1500" dirty="0" smtClean="0">
               <a:latin typeface="맑은 고딕" panose="020B0503020000020004" pitchFamily="50" charset="-127"/>
@@ -7525,13 +7623,13 @@
           <a:p>
             <a:pPr algn="ctr"/>
             <a:r>
-              <a:rPr lang="ko-KR" altLang="en-US" sz="1600" b="1" dirty="0" smtClean="0">
+              <a:rPr lang="ko-KR" altLang="en-US" sz="1500" b="1" dirty="0" smtClean="0">
                 <a:latin typeface="+mj-ea"/>
                 <a:ea typeface="+mj-ea"/>
               </a:rPr>
               <a:t>응급실 검색</a:t>
             </a:r>
-            <a:endParaRPr lang="ko-KR" altLang="en-US" sz="1600" b="1" dirty="0">
+            <a:endParaRPr lang="ko-KR" altLang="en-US" sz="1500" b="1" dirty="0">
               <a:latin typeface="+mj-ea"/>
               <a:ea typeface="+mj-ea"/>
             </a:endParaRPr>
@@ -8111,14 +8209,12 @@
       <p:cxnSp>
         <p:nvCxnSpPr>
           <p:cNvPr id="35" name="직선 연결선 34"/>
-          <p:cNvCxnSpPr>
-            <a:endCxn id="37" idx="2"/>
-          </p:cNvCxnSpPr>
+          <p:cNvCxnSpPr/>
           <p:nvPr/>
         </p:nvCxnSpPr>
         <p:spPr>
           <a:xfrm>
-            <a:off x="3173462" y="2092569"/>
+            <a:off x="3173462" y="1987063"/>
             <a:ext cx="0" cy="1389353"/>
           </a:xfrm>
           <a:prstGeom prst="line">
@@ -8280,14 +8376,12 @@
       <p:cxnSp>
         <p:nvCxnSpPr>
           <p:cNvPr id="42" name="직선 연결선 41"/>
-          <p:cNvCxnSpPr>
-            <a:endCxn id="44" idx="2"/>
-          </p:cNvCxnSpPr>
+          <p:cNvCxnSpPr/>
           <p:nvPr/>
         </p:nvCxnSpPr>
         <p:spPr>
           <a:xfrm>
-            <a:off x="5072601" y="2092569"/>
+            <a:off x="5072601" y="1995855"/>
             <a:ext cx="0" cy="1389353"/>
           </a:xfrm>
           <a:prstGeom prst="line">
@@ -8447,14 +8541,12 @@
       <p:cxnSp>
         <p:nvCxnSpPr>
           <p:cNvPr id="49" name="직선 연결선 48"/>
-          <p:cNvCxnSpPr>
-            <a:endCxn id="52" idx="2"/>
-          </p:cNvCxnSpPr>
+          <p:cNvCxnSpPr/>
           <p:nvPr/>
         </p:nvCxnSpPr>
         <p:spPr>
           <a:xfrm>
-            <a:off x="6971739" y="2092569"/>
+            <a:off x="6971739" y="1951892"/>
             <a:ext cx="0" cy="2092739"/>
           </a:xfrm>
           <a:prstGeom prst="line">
@@ -8682,14 +8774,12 @@
       <p:cxnSp>
         <p:nvCxnSpPr>
           <p:cNvPr id="56" name="직선 연결선 55"/>
-          <p:cNvCxnSpPr>
-            <a:endCxn id="60" idx="2"/>
-          </p:cNvCxnSpPr>
+          <p:cNvCxnSpPr/>
           <p:nvPr/>
         </p:nvCxnSpPr>
         <p:spPr>
           <a:xfrm>
-            <a:off x="8870876" y="2092569"/>
+            <a:off x="8870876" y="2013439"/>
             <a:ext cx="0" cy="2796125"/>
           </a:xfrm>
           <a:prstGeom prst="line">
@@ -8993,14 +9083,12 @@
       <p:cxnSp>
         <p:nvCxnSpPr>
           <p:cNvPr id="63" name="직선 연결선 62"/>
-          <p:cNvCxnSpPr>
-            <a:endCxn id="68" idx="2"/>
-          </p:cNvCxnSpPr>
+          <p:cNvCxnSpPr/>
           <p:nvPr/>
         </p:nvCxnSpPr>
         <p:spPr>
           <a:xfrm>
-            <a:off x="10770012" y="2092569"/>
+            <a:off x="10770012" y="1890346"/>
             <a:ext cx="0" cy="3499515"/>
           </a:xfrm>
           <a:prstGeom prst="line">
@@ -9476,14 +9564,12 @@
       <p:cxnSp>
         <p:nvCxnSpPr>
           <p:cNvPr id="45" name="직선 연결선 44"/>
-          <p:cNvCxnSpPr>
-            <a:endCxn id="46" idx="2"/>
-          </p:cNvCxnSpPr>
+          <p:cNvCxnSpPr/>
           <p:nvPr/>
         </p:nvCxnSpPr>
         <p:spPr>
           <a:xfrm>
-            <a:off x="5083780" y="4697974"/>
+            <a:off x="5083780" y="4680390"/>
             <a:ext cx="0" cy="685967"/>
           </a:xfrm>
           <a:prstGeom prst="line">
@@ -10701,7 +10787,7 @@
         </p:nvSpPr>
         <p:spPr>
           <a:xfrm>
-            <a:off x="2772227" y="190329"/>
+            <a:off x="1274323" y="175098"/>
             <a:ext cx="6647546" cy="630942"/>
           </a:xfrm>
           <a:prstGeom prst="rect">
@@ -10715,14 +10801,13 @@
           </a:bodyPr>
           <a:lstStyle/>
           <a:p>
-            <a:pPr algn="ctr"/>
             <a:r>
               <a:rPr lang="ko-KR" altLang="en-US" sz="3500" b="1" dirty="0" smtClean="0">
                 <a:solidFill>
                   <a:schemeClr val="bg1"/>
                 </a:solidFill>
-                <a:latin typeface="HY견고딕" panose="02030600000101010101" pitchFamily="18" charset="-127"/>
-                <a:ea typeface="HY견고딕" panose="02030600000101010101" pitchFamily="18" charset="-127"/>
+                <a:latin typeface="맑은 고딕" panose="020B0503020000020004" pitchFamily="50" charset="-127"/>
+                <a:ea typeface="맑은 고딕" panose="020B0503020000020004" pitchFamily="50" charset="-127"/>
               </a:rPr>
               <a:t>소감</a:t>
             </a:r>
@@ -10730,8 +10815,1021 @@
               <a:solidFill>
                 <a:schemeClr val="bg1"/>
               </a:solidFill>
-              <a:latin typeface="HY견고딕" panose="02030600000101010101" pitchFamily="18" charset="-127"/>
-              <a:ea typeface="HY견고딕" panose="02030600000101010101" pitchFamily="18" charset="-127"/>
+              <a:latin typeface="맑은 고딕" panose="020B0503020000020004" pitchFamily="50" charset="-127"/>
+              <a:ea typeface="맑은 고딕" panose="020B0503020000020004" pitchFamily="50" charset="-127"/>
+            </a:endParaRPr>
+          </a:p>
+        </p:txBody>
+      </p:sp>
+      <p:sp>
+        <p:nvSpPr>
+          <p:cNvPr id="23" name="직사각형 22"/>
+          <p:cNvSpPr/>
+          <p:nvPr/>
+        </p:nvSpPr>
+        <p:spPr>
+          <a:xfrm>
+            <a:off x="272562" y="1644161"/>
+            <a:ext cx="3527772" cy="4844562"/>
+          </a:xfrm>
+          <a:prstGeom prst="rect">
+            <a:avLst/>
+          </a:prstGeom>
+          <a:noFill/>
+        </p:spPr>
+        <p:style>
+          <a:lnRef idx="2">
+            <a:schemeClr val="accent1">
+              <a:shade val="50000"/>
+            </a:schemeClr>
+          </a:lnRef>
+          <a:fillRef idx="1">
+            <a:schemeClr val="accent1"/>
+          </a:fillRef>
+          <a:effectRef idx="0">
+            <a:schemeClr val="accent1"/>
+          </a:effectRef>
+          <a:fontRef idx="minor">
+            <a:schemeClr val="lt1"/>
+          </a:fontRef>
+        </p:style>
+        <p:txBody>
+          <a:bodyPr rtlCol="0" anchor="ctr"/>
+          <a:lstStyle/>
+          <a:p>
+            <a:pPr algn="ctr"/>
+            <a:r>
+              <a:rPr lang="ko-KR" altLang="en-US" sz="1300" dirty="0" smtClean="0">
+                <a:solidFill>
+                  <a:schemeClr val="tx1"/>
+                </a:solidFill>
+              </a:rPr>
+              <a:t>프로젝트에 열심히 참여해 준 팀원들에게 정말 감사한 마음입니다</a:t>
+            </a:r>
+            <a:r>
+              <a:rPr lang="en-US" altLang="ko-KR" sz="1300" dirty="0" smtClean="0">
+                <a:solidFill>
+                  <a:schemeClr val="tx1"/>
+                </a:solidFill>
+              </a:rPr>
+              <a:t>. </a:t>
+            </a:r>
+            <a:br>
+              <a:rPr lang="en-US" altLang="ko-KR" sz="1300" dirty="0" smtClean="0">
+                <a:solidFill>
+                  <a:schemeClr val="tx1"/>
+                </a:solidFill>
+              </a:rPr>
+            </a:br>
+            <a:r>
+              <a:rPr lang="en-US" altLang="ko-KR" sz="1300" dirty="0" smtClean="0">
+                <a:solidFill>
+                  <a:schemeClr val="tx1"/>
+                </a:solidFill>
+              </a:rPr>
+              <a:t/>
+            </a:r>
+            <a:br>
+              <a:rPr lang="en-US" altLang="ko-KR" sz="1300" dirty="0" smtClean="0">
+                <a:solidFill>
+                  <a:schemeClr val="tx1"/>
+                </a:solidFill>
+              </a:rPr>
+            </a:br>
+            <a:r>
+              <a:rPr lang="ko-KR" altLang="en-US" sz="1300" dirty="0" smtClean="0">
+                <a:solidFill>
+                  <a:schemeClr val="tx1"/>
+                </a:solidFill>
+              </a:rPr>
+              <a:t>이번 프로젝트에서 </a:t>
+            </a:r>
+            <a:r>
+              <a:rPr lang="ko-KR" altLang="en-US" sz="1300" dirty="0" err="1" smtClean="0">
+                <a:solidFill>
+                  <a:schemeClr val="tx1"/>
+                </a:solidFill>
+              </a:rPr>
+              <a:t>웹소켓이나</a:t>
+            </a:r>
+            <a:r>
+              <a:rPr lang="ko-KR" altLang="en-US" sz="1300" dirty="0" smtClean="0">
+                <a:solidFill>
+                  <a:schemeClr val="tx1"/>
+                </a:solidFill>
+              </a:rPr>
+              <a:t> 데이터 구조 등 생소했던 개념 및 기술을 다뤄볼 기회가 있었다는 점이 가장 좋았습니다</a:t>
+            </a:r>
+            <a:r>
+              <a:rPr lang="en-US" altLang="ko-KR" sz="1300" dirty="0" smtClean="0">
+                <a:solidFill>
+                  <a:schemeClr val="tx1"/>
+                </a:solidFill>
+              </a:rPr>
+              <a:t>. </a:t>
+            </a:r>
+            <a:r>
+              <a:rPr lang="ko-KR" altLang="en-US" sz="1300" dirty="0" smtClean="0">
+                <a:solidFill>
+                  <a:schemeClr val="tx1"/>
+                </a:solidFill>
+              </a:rPr>
+              <a:t>또한</a:t>
+            </a:r>
+            <a:r>
+              <a:rPr lang="en-US" altLang="ko-KR" sz="1300" dirty="0" smtClean="0">
+                <a:solidFill>
+                  <a:schemeClr val="tx1"/>
+                </a:solidFill>
+              </a:rPr>
+              <a:t>, </a:t>
+            </a:r>
+            <a:r>
+              <a:rPr lang="ko-KR" altLang="en-US" sz="1300" dirty="0" smtClean="0">
+                <a:solidFill>
+                  <a:schemeClr val="tx1"/>
+                </a:solidFill>
+              </a:rPr>
+              <a:t>서비스를 기획부터 테스트하는 과정에 모두 참여하여 내가 배운 지식과 내가 작성한 코드가 현실에서 어떻게 사용될 수 있는지 체험할 수도 있었습니다</a:t>
+            </a:r>
+            <a:r>
+              <a:rPr lang="en-US" altLang="ko-KR" sz="1300" dirty="0" smtClean="0">
+                <a:solidFill>
+                  <a:schemeClr val="tx1"/>
+                </a:solidFill>
+              </a:rPr>
+              <a:t>.</a:t>
+            </a:r>
+            <a:br>
+              <a:rPr lang="en-US" altLang="ko-KR" sz="1300" dirty="0" smtClean="0">
+                <a:solidFill>
+                  <a:schemeClr val="tx1"/>
+                </a:solidFill>
+              </a:rPr>
+            </a:br>
+            <a:r>
+              <a:rPr lang="en-US" altLang="ko-KR" sz="1300" dirty="0" smtClean="0">
+                <a:solidFill>
+                  <a:schemeClr val="tx1"/>
+                </a:solidFill>
+              </a:rPr>
+              <a:t/>
+            </a:r>
+            <a:br>
+              <a:rPr lang="en-US" altLang="ko-KR" sz="1300" dirty="0" smtClean="0">
+                <a:solidFill>
+                  <a:schemeClr val="tx1"/>
+                </a:solidFill>
+              </a:rPr>
+            </a:br>
+            <a:r>
+              <a:rPr lang="ko-KR" altLang="en-US" sz="1300" dirty="0" smtClean="0">
+                <a:solidFill>
+                  <a:schemeClr val="tx1"/>
+                </a:solidFill>
+              </a:rPr>
+              <a:t>이번 프로젝트를 진행하면서 아쉬웠던 점도 많았습니다</a:t>
+            </a:r>
+            <a:r>
+              <a:rPr lang="en-US" altLang="ko-KR" sz="1300" dirty="0" smtClean="0">
+                <a:solidFill>
+                  <a:schemeClr val="tx1"/>
+                </a:solidFill>
+              </a:rPr>
+              <a:t>.</a:t>
+            </a:r>
+            <a:r>
+              <a:rPr lang="ko-KR" altLang="en-US" sz="1300" dirty="0">
+                <a:solidFill>
+                  <a:schemeClr val="tx1"/>
+                </a:solidFill>
+              </a:rPr>
+              <a:t> </a:t>
+            </a:r>
+            <a:r>
+              <a:rPr lang="ko-KR" altLang="en-US" sz="1300" dirty="0" smtClean="0">
+                <a:solidFill>
+                  <a:schemeClr val="tx1"/>
+                </a:solidFill>
+              </a:rPr>
+              <a:t>우선</a:t>
+            </a:r>
+            <a:r>
+              <a:rPr lang="en-US" altLang="ko-KR" sz="1300" dirty="0" smtClean="0">
+                <a:solidFill>
+                  <a:schemeClr val="tx1"/>
+                </a:solidFill>
+              </a:rPr>
+              <a:t>,</a:t>
+            </a:r>
+            <a:r>
+              <a:rPr lang="ko-KR" altLang="en-US" sz="1300" dirty="0" smtClean="0">
+                <a:solidFill>
+                  <a:schemeClr val="tx1"/>
+                </a:solidFill>
+              </a:rPr>
+              <a:t> 한정된 시간 안에 원했던 모든 기능을 구현하지 못했다는 것입니다</a:t>
+            </a:r>
+            <a:r>
+              <a:rPr lang="en-US" altLang="ko-KR" sz="1300" dirty="0" smtClean="0">
+                <a:solidFill>
+                  <a:schemeClr val="tx1"/>
+                </a:solidFill>
+              </a:rPr>
+              <a:t>. </a:t>
+            </a:r>
+            <a:r>
+              <a:rPr lang="ko-KR" altLang="en-US" sz="1300" dirty="0" smtClean="0">
+                <a:solidFill>
+                  <a:schemeClr val="tx1"/>
+                </a:solidFill>
+              </a:rPr>
+              <a:t>하지만 이는 한정된 자원들을 어떻게 배분하고 적재적소에 쓸 것인지를 고민하고 배우는 좋은 기회이기도 하였습니다</a:t>
+            </a:r>
+            <a:r>
+              <a:rPr lang="en-US" altLang="ko-KR" sz="1300" dirty="0" smtClean="0">
+                <a:solidFill>
+                  <a:schemeClr val="tx1"/>
+                </a:solidFill>
+              </a:rPr>
+              <a:t>. </a:t>
+            </a:r>
+            <a:r>
+              <a:rPr lang="ko-KR" altLang="en-US" sz="1300" dirty="0" smtClean="0">
+                <a:solidFill>
+                  <a:schemeClr val="tx1"/>
+                </a:solidFill>
+              </a:rPr>
+              <a:t>이후 커뮤니티 </a:t>
+            </a:r>
+            <a:r>
+              <a:rPr lang="ko-KR" altLang="en-US" sz="1300" dirty="0" err="1" smtClean="0">
+                <a:solidFill>
+                  <a:schemeClr val="tx1"/>
+                </a:solidFill>
+              </a:rPr>
+              <a:t>대댓글</a:t>
+            </a:r>
+            <a:r>
+              <a:rPr lang="ko-KR" altLang="en-US" sz="1300" dirty="0" smtClean="0">
+                <a:solidFill>
+                  <a:schemeClr val="tx1"/>
+                </a:solidFill>
+              </a:rPr>
+              <a:t> 기능이나 </a:t>
+            </a:r>
+            <a:r>
+              <a:rPr lang="ko-KR" altLang="en-US" sz="1300" dirty="0" err="1" smtClean="0">
+                <a:solidFill>
+                  <a:schemeClr val="tx1"/>
+                </a:solidFill>
+              </a:rPr>
+              <a:t>챗봇</a:t>
+            </a:r>
+            <a:r>
+              <a:rPr lang="ko-KR" altLang="en-US" sz="1300" dirty="0" smtClean="0">
+                <a:solidFill>
+                  <a:schemeClr val="tx1"/>
+                </a:solidFill>
+              </a:rPr>
+              <a:t> 기능 등을 구현해보고 싶습니다</a:t>
+            </a:r>
+            <a:r>
+              <a:rPr lang="en-US" altLang="ko-KR" sz="1300" dirty="0" smtClean="0">
+                <a:solidFill>
+                  <a:schemeClr val="tx1"/>
+                </a:solidFill>
+              </a:rPr>
+              <a:t>. </a:t>
+            </a:r>
+            <a:endParaRPr lang="ko-KR" altLang="en-US" sz="1300" dirty="0">
+              <a:solidFill>
+                <a:schemeClr val="tx1"/>
+              </a:solidFill>
+            </a:endParaRPr>
+          </a:p>
+        </p:txBody>
+      </p:sp>
+      <p:sp>
+        <p:nvSpPr>
+          <p:cNvPr id="24" name="직사각형 23"/>
+          <p:cNvSpPr/>
+          <p:nvPr/>
+        </p:nvSpPr>
+        <p:spPr>
+          <a:xfrm>
+            <a:off x="935351" y="1301262"/>
+            <a:ext cx="2202194" cy="536331"/>
+          </a:xfrm>
+          <a:prstGeom prst="rect">
+            <a:avLst/>
+          </a:prstGeom>
+          <a:solidFill>
+            <a:schemeClr val="bg1"/>
+          </a:solidFill>
+          <a:ln>
+            <a:noFill/>
+          </a:ln>
+        </p:spPr>
+        <p:style>
+          <a:lnRef idx="2">
+            <a:schemeClr val="accent1">
+              <a:shade val="50000"/>
+            </a:schemeClr>
+          </a:lnRef>
+          <a:fillRef idx="1">
+            <a:schemeClr val="accent1"/>
+          </a:fillRef>
+          <a:effectRef idx="0">
+            <a:schemeClr val="accent1"/>
+          </a:effectRef>
+          <a:fontRef idx="minor">
+            <a:schemeClr val="lt1"/>
+          </a:fontRef>
+        </p:style>
+        <p:txBody>
+          <a:bodyPr rtlCol="0" anchor="ctr"/>
+          <a:lstStyle/>
+          <a:p>
+            <a:pPr algn="ctr"/>
+            <a:r>
+              <a:rPr lang="ko-KR" altLang="en-US" sz="2500" dirty="0" smtClean="0">
+                <a:solidFill>
+                  <a:schemeClr val="tx1"/>
+                </a:solidFill>
+                <a:latin typeface="맑은 고딕" panose="020B0503020000020004" pitchFamily="50" charset="-127"/>
+                <a:ea typeface="맑은 고딕" panose="020B0503020000020004" pitchFamily="50" charset="-127"/>
+              </a:rPr>
+              <a:t>조수빈</a:t>
+            </a:r>
+            <a:endParaRPr lang="ko-KR" altLang="en-US" sz="2500" dirty="0">
+              <a:solidFill>
+                <a:schemeClr val="tx1"/>
+              </a:solidFill>
+              <a:latin typeface="맑은 고딕" panose="020B0503020000020004" pitchFamily="50" charset="-127"/>
+              <a:ea typeface="맑은 고딕" panose="020B0503020000020004" pitchFamily="50" charset="-127"/>
+            </a:endParaRPr>
+          </a:p>
+        </p:txBody>
+      </p:sp>
+      <p:sp>
+        <p:nvSpPr>
+          <p:cNvPr id="25" name="직사각형 24"/>
+          <p:cNvSpPr/>
+          <p:nvPr/>
+        </p:nvSpPr>
+        <p:spPr>
+          <a:xfrm>
+            <a:off x="4332550" y="1644161"/>
+            <a:ext cx="3527772" cy="4844562"/>
+          </a:xfrm>
+          <a:prstGeom prst="rect">
+            <a:avLst/>
+          </a:prstGeom>
+          <a:noFill/>
+        </p:spPr>
+        <p:style>
+          <a:lnRef idx="2">
+            <a:schemeClr val="accent1">
+              <a:shade val="50000"/>
+            </a:schemeClr>
+          </a:lnRef>
+          <a:fillRef idx="1">
+            <a:schemeClr val="accent1"/>
+          </a:fillRef>
+          <a:effectRef idx="0">
+            <a:schemeClr val="accent1"/>
+          </a:effectRef>
+          <a:fontRef idx="minor">
+            <a:schemeClr val="lt1"/>
+          </a:fontRef>
+        </p:style>
+        <p:txBody>
+          <a:bodyPr rtlCol="0" anchor="ctr"/>
+          <a:lstStyle/>
+          <a:p>
+            <a:pPr algn="ctr"/>
+            <a:endParaRPr lang="ko-KR" altLang="en-US" dirty="0"/>
+          </a:p>
+        </p:txBody>
+      </p:sp>
+      <p:sp>
+        <p:nvSpPr>
+          <p:cNvPr id="26" name="직사각형 25"/>
+          <p:cNvSpPr/>
+          <p:nvPr/>
+        </p:nvSpPr>
+        <p:spPr>
+          <a:xfrm>
+            <a:off x="4995339" y="1301262"/>
+            <a:ext cx="2202194" cy="536331"/>
+          </a:xfrm>
+          <a:prstGeom prst="rect">
+            <a:avLst/>
+          </a:prstGeom>
+          <a:solidFill>
+            <a:schemeClr val="bg1"/>
+          </a:solidFill>
+          <a:ln>
+            <a:noFill/>
+          </a:ln>
+        </p:spPr>
+        <p:style>
+          <a:lnRef idx="2">
+            <a:schemeClr val="accent1">
+              <a:shade val="50000"/>
+            </a:schemeClr>
+          </a:lnRef>
+          <a:fillRef idx="1">
+            <a:schemeClr val="accent1"/>
+          </a:fillRef>
+          <a:effectRef idx="0">
+            <a:schemeClr val="accent1"/>
+          </a:effectRef>
+          <a:fontRef idx="minor">
+            <a:schemeClr val="lt1"/>
+          </a:fontRef>
+        </p:style>
+        <p:txBody>
+          <a:bodyPr rtlCol="0" anchor="ctr"/>
+          <a:lstStyle/>
+          <a:p>
+            <a:pPr algn="ctr"/>
+            <a:r>
+              <a:rPr lang="ko-KR" altLang="en-US" sz="2500" dirty="0" smtClean="0">
+                <a:solidFill>
+                  <a:schemeClr val="tx1"/>
+                </a:solidFill>
+                <a:latin typeface="맑은 고딕" panose="020B0503020000020004" pitchFamily="50" charset="-127"/>
+                <a:ea typeface="맑은 고딕" panose="020B0503020000020004" pitchFamily="50" charset="-127"/>
+              </a:rPr>
+              <a:t>김현준</a:t>
+            </a:r>
+            <a:endParaRPr lang="ko-KR" altLang="en-US" sz="2500" dirty="0">
+              <a:solidFill>
+                <a:schemeClr val="tx1"/>
+              </a:solidFill>
+              <a:latin typeface="맑은 고딕" panose="020B0503020000020004" pitchFamily="50" charset="-127"/>
+              <a:ea typeface="맑은 고딕" panose="020B0503020000020004" pitchFamily="50" charset="-127"/>
+            </a:endParaRPr>
+          </a:p>
+        </p:txBody>
+      </p:sp>
+      <p:sp>
+        <p:nvSpPr>
+          <p:cNvPr id="27" name="직사각형 26"/>
+          <p:cNvSpPr/>
+          <p:nvPr/>
+        </p:nvSpPr>
+        <p:spPr>
+          <a:xfrm>
+            <a:off x="8392538" y="1644161"/>
+            <a:ext cx="3527772" cy="4844562"/>
+          </a:xfrm>
+          <a:prstGeom prst="rect">
+            <a:avLst/>
+          </a:prstGeom>
+          <a:noFill/>
+        </p:spPr>
+        <p:style>
+          <a:lnRef idx="2">
+            <a:schemeClr val="accent1">
+              <a:shade val="50000"/>
+            </a:schemeClr>
+          </a:lnRef>
+          <a:fillRef idx="1">
+            <a:schemeClr val="accent1"/>
+          </a:fillRef>
+          <a:effectRef idx="0">
+            <a:schemeClr val="accent1"/>
+          </a:effectRef>
+          <a:fontRef idx="minor">
+            <a:schemeClr val="lt1"/>
+          </a:fontRef>
+        </p:style>
+        <p:txBody>
+          <a:bodyPr rtlCol="0" anchor="ctr"/>
+          <a:lstStyle/>
+          <a:p>
+            <a:pPr algn="ctr"/>
+            <a:r>
+              <a:rPr lang="ko-KR" altLang="en-US" sz="1100" dirty="0">
+                <a:solidFill>
+                  <a:schemeClr val="tx1"/>
+                </a:solidFill>
+              </a:rPr>
+              <a:t>우선 프로젝트를 성공적으로 마칠 수 있게 도와주신 팀장님과 팀원분들에게 감사의 말씀을 </a:t>
+            </a:r>
+            <a:r>
+              <a:rPr lang="ko-KR" altLang="en-US" sz="1100" dirty="0" smtClean="0">
+                <a:solidFill>
+                  <a:schemeClr val="tx1"/>
+                </a:solidFill>
+              </a:rPr>
+              <a:t>전합니다</a:t>
+            </a:r>
+            <a:r>
+              <a:rPr lang="en-US" altLang="ko-KR" sz="1100" dirty="0" smtClean="0">
+                <a:solidFill>
+                  <a:schemeClr val="tx1"/>
+                </a:solidFill>
+              </a:rPr>
+              <a:t>.</a:t>
+            </a:r>
+          </a:p>
+          <a:p>
+            <a:pPr algn="ctr"/>
+            <a:r>
+              <a:rPr lang="ko-KR" altLang="en-US" sz="1100" dirty="0">
+                <a:solidFill>
+                  <a:schemeClr val="tx1"/>
+                </a:solidFill>
+              </a:rPr>
+              <a:t/>
+            </a:r>
+            <a:br>
+              <a:rPr lang="ko-KR" altLang="en-US" sz="1100" dirty="0">
+                <a:solidFill>
+                  <a:schemeClr val="tx1"/>
+                </a:solidFill>
+              </a:rPr>
+            </a:br>
+            <a:r>
+              <a:rPr lang="ko-KR" altLang="en-US" sz="1100" dirty="0">
+                <a:solidFill>
+                  <a:schemeClr val="tx1"/>
+                </a:solidFill>
+              </a:rPr>
+              <a:t>저는 이번 프로젝트의 </a:t>
+            </a:r>
+            <a:r>
+              <a:rPr lang="ko-KR" altLang="en-US" sz="1100" dirty="0" err="1">
+                <a:solidFill>
+                  <a:schemeClr val="tx1"/>
+                </a:solidFill>
+              </a:rPr>
+              <a:t>파트중</a:t>
+            </a:r>
+            <a:r>
+              <a:rPr lang="ko-KR" altLang="en-US" sz="1100" dirty="0">
+                <a:solidFill>
+                  <a:schemeClr val="tx1"/>
+                </a:solidFill>
+              </a:rPr>
+              <a:t> 응급실 검색 기능을 구현하면서 리스트라는 </a:t>
+            </a:r>
+            <a:r>
+              <a:rPr lang="ko-KR" altLang="en-US" sz="1100" dirty="0" err="1">
+                <a:solidFill>
+                  <a:schemeClr val="tx1"/>
+                </a:solidFill>
+              </a:rPr>
+              <a:t>자료형에</a:t>
+            </a:r>
+            <a:r>
+              <a:rPr lang="ko-KR" altLang="en-US" sz="1100" dirty="0">
+                <a:solidFill>
+                  <a:schemeClr val="tx1"/>
+                </a:solidFill>
+              </a:rPr>
+              <a:t> 대하여 더 깊은 지식과 활용법을배울 수 있게 </a:t>
+            </a:r>
+            <a:r>
+              <a:rPr lang="ko-KR" altLang="en-US" sz="1100" dirty="0" err="1" smtClean="0">
+                <a:solidFill>
+                  <a:schemeClr val="tx1"/>
+                </a:solidFill>
+              </a:rPr>
+              <a:t>되었습니다</a:t>
+            </a:r>
+            <a:r>
+              <a:rPr lang="ko-KR" altLang="en-US" sz="1100" dirty="0" err="1">
+                <a:solidFill>
+                  <a:schemeClr val="tx1"/>
+                </a:solidFill>
+              </a:rPr>
+              <a:t>우선</a:t>
+            </a:r>
+            <a:r>
+              <a:rPr lang="ko-KR" altLang="en-US" sz="1100" dirty="0">
+                <a:solidFill>
+                  <a:schemeClr val="tx1"/>
+                </a:solidFill>
+              </a:rPr>
+              <a:t> 프로젝트를 성공적으로 마칠 수 있게 도와주신 팀장님과 팀원분들에게 감사의 말씀을 </a:t>
+            </a:r>
+            <a:r>
+              <a:rPr lang="ko-KR" altLang="en-US" sz="1100" dirty="0" smtClean="0">
+                <a:solidFill>
+                  <a:schemeClr val="tx1"/>
+                </a:solidFill>
+              </a:rPr>
+              <a:t>전합니다</a:t>
+            </a:r>
+            <a:r>
+              <a:rPr lang="en-US" altLang="ko-KR" sz="1100" dirty="0" smtClean="0">
+                <a:solidFill>
+                  <a:schemeClr val="tx1"/>
+                </a:solidFill>
+              </a:rPr>
+              <a:t>.</a:t>
+            </a:r>
+          </a:p>
+          <a:p>
+            <a:pPr algn="ctr"/>
+            <a:r>
+              <a:rPr lang="ko-KR" altLang="en-US" sz="1100" dirty="0">
+                <a:solidFill>
+                  <a:schemeClr val="tx1"/>
+                </a:solidFill>
+              </a:rPr>
+              <a:t/>
+            </a:r>
+            <a:br>
+              <a:rPr lang="ko-KR" altLang="en-US" sz="1100" dirty="0">
+                <a:solidFill>
+                  <a:schemeClr val="tx1"/>
+                </a:solidFill>
+              </a:rPr>
+            </a:br>
+            <a:r>
+              <a:rPr lang="ko-KR" altLang="en-US" sz="1100" dirty="0">
+                <a:solidFill>
+                  <a:schemeClr val="tx1"/>
+                </a:solidFill>
+              </a:rPr>
+              <a:t>저는 이번 프로젝트의 </a:t>
+            </a:r>
+            <a:r>
+              <a:rPr lang="ko-KR" altLang="en-US" sz="1100" dirty="0" err="1">
+                <a:solidFill>
+                  <a:schemeClr val="tx1"/>
+                </a:solidFill>
+              </a:rPr>
+              <a:t>파트중</a:t>
+            </a:r>
+            <a:r>
+              <a:rPr lang="ko-KR" altLang="en-US" sz="1100" dirty="0">
+                <a:solidFill>
+                  <a:schemeClr val="tx1"/>
+                </a:solidFill>
+              </a:rPr>
+              <a:t> 응급실 검색 기능을 구현하면서 리스트라는 </a:t>
+            </a:r>
+            <a:r>
+              <a:rPr lang="ko-KR" altLang="en-US" sz="1100" dirty="0" err="1">
+                <a:solidFill>
+                  <a:schemeClr val="tx1"/>
+                </a:solidFill>
+              </a:rPr>
+              <a:t>자료형에</a:t>
+            </a:r>
+            <a:r>
+              <a:rPr lang="ko-KR" altLang="en-US" sz="1100" dirty="0">
+                <a:solidFill>
+                  <a:schemeClr val="tx1"/>
+                </a:solidFill>
+              </a:rPr>
+              <a:t> 대하여 더 깊은 지식과 활용법을배울 수 있게 되었습니다</a:t>
+            </a:r>
+            <a:r>
+              <a:rPr lang="en-US" altLang="ko-KR" sz="1100" dirty="0">
+                <a:solidFill>
+                  <a:schemeClr val="tx1"/>
+                </a:solidFill>
+              </a:rPr>
+              <a:t>. </a:t>
+            </a:r>
+            <a:r>
+              <a:rPr lang="ko-KR" altLang="en-US" sz="1100" dirty="0">
+                <a:solidFill>
+                  <a:schemeClr val="tx1"/>
+                </a:solidFill>
+              </a:rPr>
+              <a:t>또한 아쉬운 점은 클라이언트 단에서 </a:t>
+            </a:r>
+            <a:r>
+              <a:rPr lang="en-US" altLang="ko-KR" sz="1100" dirty="0">
+                <a:solidFill>
+                  <a:schemeClr val="tx1"/>
+                </a:solidFill>
+              </a:rPr>
+              <a:t>JS</a:t>
+            </a:r>
+            <a:r>
+              <a:rPr lang="ko-KR" altLang="en-US" sz="1100" dirty="0">
+                <a:solidFill>
+                  <a:schemeClr val="tx1"/>
+                </a:solidFill>
+              </a:rPr>
+              <a:t>로 </a:t>
+            </a:r>
+            <a:r>
+              <a:rPr lang="ko-KR" altLang="en-US" sz="1100" dirty="0" err="1">
+                <a:solidFill>
+                  <a:schemeClr val="tx1"/>
+                </a:solidFill>
+              </a:rPr>
+              <a:t>많은양의</a:t>
+            </a:r>
+            <a:r>
+              <a:rPr lang="ko-KR" altLang="en-US" sz="1100" dirty="0">
+                <a:solidFill>
+                  <a:schemeClr val="tx1"/>
+                </a:solidFill>
+              </a:rPr>
+              <a:t> 데이터를 받아와 리스트에 담아 </a:t>
+            </a:r>
+            <a:r>
+              <a:rPr lang="ko-KR" altLang="en-US" sz="1100" dirty="0" err="1">
+                <a:solidFill>
+                  <a:schemeClr val="tx1"/>
+                </a:solidFill>
+              </a:rPr>
+              <a:t>필터링</a:t>
+            </a:r>
+            <a:r>
+              <a:rPr lang="ko-KR" altLang="en-US" sz="1100" dirty="0">
+                <a:solidFill>
+                  <a:schemeClr val="tx1"/>
+                </a:solidFill>
+              </a:rPr>
+              <a:t> 할 </a:t>
+            </a:r>
+            <a:r>
+              <a:rPr lang="ko-KR" altLang="en-US" sz="1100" dirty="0" err="1">
+                <a:solidFill>
+                  <a:schemeClr val="tx1"/>
+                </a:solidFill>
+              </a:rPr>
+              <a:t>때페이지</a:t>
+            </a:r>
+            <a:r>
+              <a:rPr lang="ko-KR" altLang="en-US" sz="1100" dirty="0">
+                <a:solidFill>
+                  <a:schemeClr val="tx1"/>
+                </a:solidFill>
+              </a:rPr>
+              <a:t> 로딩 속도가 많이 느려지는 문제점을 찾을 수 있었습니다</a:t>
+            </a:r>
+            <a:r>
+              <a:rPr lang="en-US" altLang="ko-KR" sz="1100" dirty="0">
+                <a:solidFill>
+                  <a:schemeClr val="tx1"/>
+                </a:solidFill>
+              </a:rPr>
+              <a:t>. </a:t>
+            </a:r>
+            <a:r>
+              <a:rPr lang="ko-KR" altLang="en-US" sz="1100" dirty="0">
+                <a:solidFill>
+                  <a:schemeClr val="tx1"/>
+                </a:solidFill>
+              </a:rPr>
+              <a:t>이후에 이 문제점의 해결방안을 찾아 </a:t>
+            </a:r>
+            <a:r>
+              <a:rPr lang="ko-KR" altLang="en-US" sz="1100" dirty="0" err="1">
+                <a:solidFill>
+                  <a:schemeClr val="tx1"/>
+                </a:solidFill>
+              </a:rPr>
+              <a:t>리팩토링</a:t>
+            </a:r>
+            <a:r>
+              <a:rPr lang="ko-KR" altLang="en-US" sz="1100" dirty="0">
+                <a:solidFill>
+                  <a:schemeClr val="tx1"/>
+                </a:solidFill>
+              </a:rPr>
+              <a:t> 작업까지 해야겠다는 생각과 앞으로의 개발에서 이 부분을 생각하여 코드를 작성해야한다는 것을 알 수 </a:t>
+            </a:r>
+            <a:r>
+              <a:rPr lang="ko-KR" altLang="en-US" sz="1100" dirty="0" err="1">
+                <a:solidFill>
+                  <a:schemeClr val="tx1"/>
+                </a:solidFill>
+              </a:rPr>
+              <a:t>있게된</a:t>
+            </a:r>
+            <a:r>
+              <a:rPr lang="ko-KR" altLang="en-US" sz="1100" dirty="0">
+                <a:solidFill>
+                  <a:schemeClr val="tx1"/>
+                </a:solidFill>
+              </a:rPr>
+              <a:t> 계기가 되었습니다</a:t>
+            </a:r>
+            <a:r>
+              <a:rPr lang="en-US" altLang="ko-KR" sz="1100" dirty="0">
+                <a:solidFill>
+                  <a:schemeClr val="tx1"/>
+                </a:solidFill>
+              </a:rPr>
+              <a:t>.</a:t>
+            </a:r>
+            <a:r>
+              <a:rPr lang="en-US" altLang="ko-KR" sz="1100" dirty="0" smtClean="0">
+                <a:solidFill>
+                  <a:schemeClr val="tx1"/>
+                </a:solidFill>
+              </a:rPr>
+              <a:t> </a:t>
+            </a:r>
+            <a:r>
+              <a:rPr lang="ko-KR" altLang="en-US" sz="1100" dirty="0">
+                <a:solidFill>
+                  <a:schemeClr val="tx1"/>
+                </a:solidFill>
+              </a:rPr>
+              <a:t>또한 아쉬운 점은 클라이언트 단에서 </a:t>
+            </a:r>
+            <a:r>
+              <a:rPr lang="en-US" altLang="ko-KR" sz="1100" dirty="0">
+                <a:solidFill>
+                  <a:schemeClr val="tx1"/>
+                </a:solidFill>
+              </a:rPr>
+              <a:t>JS</a:t>
+            </a:r>
+            <a:r>
+              <a:rPr lang="ko-KR" altLang="en-US" sz="1100" dirty="0">
+                <a:solidFill>
+                  <a:schemeClr val="tx1"/>
+                </a:solidFill>
+              </a:rPr>
+              <a:t>로 </a:t>
+            </a:r>
+            <a:r>
+              <a:rPr lang="ko-KR" altLang="en-US" sz="1100" dirty="0" err="1">
+                <a:solidFill>
+                  <a:schemeClr val="tx1"/>
+                </a:solidFill>
+              </a:rPr>
+              <a:t>많은양의</a:t>
+            </a:r>
+            <a:r>
+              <a:rPr lang="ko-KR" altLang="en-US" sz="1100" dirty="0">
+                <a:solidFill>
+                  <a:schemeClr val="tx1"/>
+                </a:solidFill>
+              </a:rPr>
+              <a:t> 데이터를 받아와 리스트에 담아 </a:t>
+            </a:r>
+            <a:r>
+              <a:rPr lang="ko-KR" altLang="en-US" sz="1100" dirty="0" err="1">
+                <a:solidFill>
+                  <a:schemeClr val="tx1"/>
+                </a:solidFill>
+              </a:rPr>
+              <a:t>필터링</a:t>
+            </a:r>
+            <a:r>
+              <a:rPr lang="ko-KR" altLang="en-US" sz="1100" dirty="0">
+                <a:solidFill>
+                  <a:schemeClr val="tx1"/>
+                </a:solidFill>
+              </a:rPr>
+              <a:t> 할 </a:t>
+            </a:r>
+            <a:r>
+              <a:rPr lang="ko-KR" altLang="en-US" sz="1100" dirty="0" err="1">
+                <a:solidFill>
+                  <a:schemeClr val="tx1"/>
+                </a:solidFill>
+              </a:rPr>
+              <a:t>때페이지</a:t>
+            </a:r>
+            <a:r>
+              <a:rPr lang="ko-KR" altLang="en-US" sz="1100" dirty="0">
+                <a:solidFill>
+                  <a:schemeClr val="tx1"/>
+                </a:solidFill>
+              </a:rPr>
+              <a:t> 로딩 속도가 많이 느려지는 문제점을 찾을 수 있었습니다</a:t>
+            </a:r>
+            <a:r>
+              <a:rPr lang="en-US" altLang="ko-KR" sz="1100" dirty="0">
+                <a:solidFill>
+                  <a:schemeClr val="tx1"/>
+                </a:solidFill>
+              </a:rPr>
+              <a:t>. </a:t>
+            </a:r>
+            <a:r>
+              <a:rPr lang="ko-KR" altLang="en-US" sz="1100" dirty="0">
+                <a:solidFill>
+                  <a:schemeClr val="tx1"/>
+                </a:solidFill>
+              </a:rPr>
+              <a:t>이후에 이 문제점의 해결방안을 찾아 </a:t>
+            </a:r>
+            <a:r>
+              <a:rPr lang="ko-KR" altLang="en-US" sz="1100" dirty="0" err="1">
+                <a:solidFill>
+                  <a:schemeClr val="tx1"/>
+                </a:solidFill>
+              </a:rPr>
+              <a:t>리팩토링</a:t>
+            </a:r>
+            <a:r>
+              <a:rPr lang="ko-KR" altLang="en-US" sz="1100" dirty="0">
+                <a:solidFill>
+                  <a:schemeClr val="tx1"/>
+                </a:solidFill>
+              </a:rPr>
+              <a:t> 작업까지 해야겠다는 생각과 앞으로의 개발에서 이 부분을 생각하여 코드를 작성해야한다는 것을 알 수 </a:t>
+            </a:r>
+            <a:r>
+              <a:rPr lang="ko-KR" altLang="en-US" sz="1100" dirty="0" err="1">
+                <a:solidFill>
+                  <a:schemeClr val="tx1"/>
+                </a:solidFill>
+              </a:rPr>
+              <a:t>있게된</a:t>
+            </a:r>
+            <a:r>
+              <a:rPr lang="ko-KR" altLang="en-US" sz="1100" dirty="0">
+                <a:solidFill>
+                  <a:schemeClr val="tx1"/>
+                </a:solidFill>
+              </a:rPr>
+              <a:t> 계기가 되었습니다</a:t>
+            </a:r>
+            <a:r>
+              <a:rPr lang="en-US" altLang="ko-KR" sz="1100" dirty="0">
+                <a:solidFill>
+                  <a:schemeClr val="tx1"/>
+                </a:solidFill>
+              </a:rPr>
+              <a:t>.</a:t>
+            </a:r>
+            <a:endParaRPr lang="ko-KR" altLang="en-US" sz="1100" dirty="0">
+              <a:solidFill>
+                <a:schemeClr val="tx1"/>
+              </a:solidFill>
+            </a:endParaRPr>
+          </a:p>
+        </p:txBody>
+      </p:sp>
+      <p:sp>
+        <p:nvSpPr>
+          <p:cNvPr id="28" name="직사각형 27"/>
+          <p:cNvSpPr/>
+          <p:nvPr/>
+        </p:nvSpPr>
+        <p:spPr>
+          <a:xfrm>
+            <a:off x="9055327" y="1301262"/>
+            <a:ext cx="2202194" cy="536331"/>
+          </a:xfrm>
+          <a:prstGeom prst="rect">
+            <a:avLst/>
+          </a:prstGeom>
+          <a:solidFill>
+            <a:schemeClr val="bg1"/>
+          </a:solidFill>
+          <a:ln>
+            <a:noFill/>
+          </a:ln>
+        </p:spPr>
+        <p:style>
+          <a:lnRef idx="2">
+            <a:schemeClr val="accent1">
+              <a:shade val="50000"/>
+            </a:schemeClr>
+          </a:lnRef>
+          <a:fillRef idx="1">
+            <a:schemeClr val="accent1"/>
+          </a:fillRef>
+          <a:effectRef idx="0">
+            <a:schemeClr val="accent1"/>
+          </a:effectRef>
+          <a:fontRef idx="minor">
+            <a:schemeClr val="lt1"/>
+          </a:fontRef>
+        </p:style>
+        <p:txBody>
+          <a:bodyPr rtlCol="0" anchor="ctr"/>
+          <a:lstStyle/>
+          <a:p>
+            <a:pPr algn="ctr"/>
+            <a:r>
+              <a:rPr lang="ko-KR" altLang="en-US" sz="2500" dirty="0" smtClean="0">
+                <a:solidFill>
+                  <a:schemeClr val="tx1"/>
+                </a:solidFill>
+                <a:latin typeface="맑은 고딕" panose="020B0503020000020004" pitchFamily="50" charset="-127"/>
+                <a:ea typeface="맑은 고딕" panose="020B0503020000020004" pitchFamily="50" charset="-127"/>
+              </a:rPr>
+              <a:t>홍민준</a:t>
+            </a:r>
+            <a:endParaRPr lang="ko-KR" altLang="en-US" sz="2500" dirty="0">
+              <a:solidFill>
+                <a:schemeClr val="tx1"/>
+              </a:solidFill>
+              <a:latin typeface="맑은 고딕" panose="020B0503020000020004" pitchFamily="50" charset="-127"/>
+              <a:ea typeface="맑은 고딕" panose="020B0503020000020004" pitchFamily="50" charset="-127"/>
             </a:endParaRPr>
           </a:p>
         </p:txBody>
@@ -10739,7 +11837,7 @@
     </p:spTree>
     <p:extLst>
       <p:ext uri="{BB962C8B-B14F-4D97-AF65-F5344CB8AC3E}">
-        <p14:creationId xmlns:p14="http://schemas.microsoft.com/office/powerpoint/2010/main" val="1275047113"/>
+        <p14:creationId xmlns:p14="http://schemas.microsoft.com/office/powerpoint/2010/main" val="2023946703"/>
       </p:ext>
     </p:extLst>
   </p:cSld>

--- a/swiftER 발표 보고서.pptx
+++ b/swiftER 발표 보고서.pptx
@@ -24,17 +24,17 @@
       <p:regular r:id="rId12"/>
     </p:embeddedFont>
     <p:embeddedFont>
-      <p:font typeface="Bahnschrift" panose="020B0502040204020203" pitchFamily="34" charset="0"/>
+      <p:font typeface="맑은 고딕" panose="020B0503020000020004" pitchFamily="50" charset="-127"/>
       <p:regular r:id="rId13"/>
       <p:bold r:id="rId14"/>
     </p:embeddedFont>
     <p:embeddedFont>
-      <p:font typeface="나눔고딕 ExtraBold" panose="020D0904000000000000" pitchFamily="50" charset="-127"/>
-      <p:bold r:id="rId15"/>
+      <p:font typeface="Bahnschrift" panose="020B0502040204020203" pitchFamily="34" charset="0"/>
+      <p:regular r:id="rId15"/>
+      <p:bold r:id="rId16"/>
     </p:embeddedFont>
     <p:embeddedFont>
-      <p:font typeface="맑은 고딕" panose="020B0503020000020004" pitchFamily="50" charset="-127"/>
-      <p:regular r:id="rId16"/>
+      <p:font typeface="나눔고딕 ExtraBold" panose="020D0904000000000000" pitchFamily="50" charset="-127"/>
       <p:bold r:id="rId17"/>
     </p:embeddedFont>
   </p:embeddedFontLst>
@@ -4654,13 +4654,7 @@
               <a:rPr lang="en-US" altLang="ko-KR" dirty="0" smtClean="0">
                 <a:latin typeface="+mj-lt"/>
               </a:rPr>
-              <a:t>/</a:t>
-            </a:r>
-            <a:r>
-              <a:rPr lang="en-US" altLang="ko-KR" dirty="0" smtClean="0">
-                <a:latin typeface="+mj-lt"/>
-              </a:rPr>
-              <a:t>API</a:t>
+              <a:t>/API</a:t>
             </a:r>
             <a:r>
               <a:rPr lang="ko-KR" altLang="en-US" dirty="0" smtClean="0">
@@ -5894,14 +5888,7 @@
                 <a:latin typeface="맑은 고딕" panose="020B0503020000020004" pitchFamily="50" charset="-127"/>
                 <a:ea typeface="맑은 고딕" panose="020B0503020000020004" pitchFamily="50" charset="-127"/>
               </a:rPr>
-              <a:t>회원가입 </a:t>
-            </a:r>
-            <a:r>
-              <a:rPr lang="ko-KR" altLang="en-US" sz="1500" dirty="0" smtClean="0">
-                <a:latin typeface="맑은 고딕" panose="020B0503020000020004" pitchFamily="50" charset="-127"/>
-                <a:ea typeface="맑은 고딕" panose="020B0503020000020004" pitchFamily="50" charset="-127"/>
-              </a:rPr>
-              <a:t>및 정보 화면 구현</a:t>
+              <a:t>회원가입 및 정보 화면 구현</a:t>
             </a:r>
             <a:endParaRPr lang="en-US" altLang="ko-KR" sz="1500" dirty="0" smtClean="0">
               <a:latin typeface="맑은 고딕" panose="020B0503020000020004" pitchFamily="50" charset="-127"/>
@@ -10864,7 +10851,31 @@
                   <a:schemeClr val="tx1"/>
                 </a:solidFill>
               </a:rPr>
-              <a:t>프로젝트에 열심히 참여해 준 팀원들에게 정말 감사한 마음입니다</a:t>
+              <a:t>프로젝트에 열심히 참여해 준 팀원들에게 </a:t>
+            </a:r>
+            <a:endParaRPr lang="en-US" altLang="ko-KR" sz="1300" dirty="0" smtClean="0">
+              <a:solidFill>
+                <a:schemeClr val="tx1"/>
+              </a:solidFill>
+            </a:endParaRPr>
+          </a:p>
+          <a:p>
+            <a:pPr algn="ctr"/>
+            <a:r>
+              <a:rPr lang="ko-KR" altLang="en-US" sz="1300" dirty="0" smtClean="0">
+                <a:solidFill>
+                  <a:schemeClr val="tx1"/>
+                </a:solidFill>
+              </a:rPr>
+              <a:t>정말 </a:t>
+            </a:r>
+            <a:r>
+              <a:rPr lang="ko-KR" altLang="en-US" sz="1300" dirty="0" smtClean="0">
+                <a:solidFill>
+                  <a:schemeClr val="tx1"/>
+                </a:solidFill>
+              </a:rPr>
+              <a:t>감사한 마음입니다</a:t>
             </a:r>
             <a:r>
               <a:rPr lang="en-US" altLang="ko-KR" sz="1300" dirty="0" smtClean="0">

--- a/swiftER 발표 보고서.pptx
+++ b/swiftER 발표 보고서.pptx
@@ -20,16 +20,16 @@
   <p:notesSz cx="6858000" cy="9144000"/>
   <p:embeddedFontLst>
     <p:embeddedFont>
+      <p:font typeface="Bahnschrift" panose="020B0502040204020203" pitchFamily="34" charset="0"/>
+      <p:regular r:id="rId12"/>
+      <p:bold r:id="rId13"/>
+    </p:embeddedFont>
+    <p:embeddedFont>
       <p:font typeface="HY견고딕" panose="02030600000101010101" pitchFamily="18" charset="-127"/>
-      <p:regular r:id="rId12"/>
+      <p:regular r:id="rId14"/>
     </p:embeddedFont>
     <p:embeddedFont>
       <p:font typeface="맑은 고딕" panose="020B0503020000020004" pitchFamily="50" charset="-127"/>
-      <p:regular r:id="rId13"/>
-      <p:bold r:id="rId14"/>
-    </p:embeddedFont>
-    <p:embeddedFont>
-      <p:font typeface="Bahnschrift" panose="020B0502040204020203" pitchFamily="34" charset="0"/>
       <p:regular r:id="rId15"/>
       <p:bold r:id="rId16"/>
     </p:embeddedFont>
@@ -272,7 +272,7 @@
           <a:p>
             <a:fld id="{BFD51FC1-7DA1-4A7E-B866-81D87DCF9972}" type="datetimeFigureOut">
               <a:rPr lang="ko-KR" altLang="en-US" smtClean="0"/>
-              <a:t>2023-05-17</a:t>
+              <a:t>2023-05-18</a:t>
             </a:fld>
             <a:endParaRPr lang="ko-KR" altLang="en-US"/>
           </a:p>
@@ -442,7 +442,7 @@
           <a:p>
             <a:fld id="{BFD51FC1-7DA1-4A7E-B866-81D87DCF9972}" type="datetimeFigureOut">
               <a:rPr lang="ko-KR" altLang="en-US" smtClean="0"/>
-              <a:t>2023-05-17</a:t>
+              <a:t>2023-05-18</a:t>
             </a:fld>
             <a:endParaRPr lang="ko-KR" altLang="en-US"/>
           </a:p>
@@ -622,7 +622,7 @@
           <a:p>
             <a:fld id="{BFD51FC1-7DA1-4A7E-B866-81D87DCF9972}" type="datetimeFigureOut">
               <a:rPr lang="ko-KR" altLang="en-US" smtClean="0"/>
-              <a:t>2023-05-17</a:t>
+              <a:t>2023-05-18</a:t>
             </a:fld>
             <a:endParaRPr lang="ko-KR" altLang="en-US"/>
           </a:p>
@@ -792,7 +792,7 @@
           <a:p>
             <a:fld id="{BFD51FC1-7DA1-4A7E-B866-81D87DCF9972}" type="datetimeFigureOut">
               <a:rPr lang="ko-KR" altLang="en-US" smtClean="0"/>
-              <a:t>2023-05-17</a:t>
+              <a:t>2023-05-18</a:t>
             </a:fld>
             <a:endParaRPr lang="ko-KR" altLang="en-US"/>
           </a:p>
@@ -1038,7 +1038,7 @@
           <a:p>
             <a:fld id="{BFD51FC1-7DA1-4A7E-B866-81D87DCF9972}" type="datetimeFigureOut">
               <a:rPr lang="ko-KR" altLang="en-US" smtClean="0"/>
-              <a:t>2023-05-17</a:t>
+              <a:t>2023-05-18</a:t>
             </a:fld>
             <a:endParaRPr lang="ko-KR" altLang="en-US"/>
           </a:p>
@@ -1270,7 +1270,7 @@
           <a:p>
             <a:fld id="{BFD51FC1-7DA1-4A7E-B866-81D87DCF9972}" type="datetimeFigureOut">
               <a:rPr lang="ko-KR" altLang="en-US" smtClean="0"/>
-              <a:t>2023-05-17</a:t>
+              <a:t>2023-05-18</a:t>
             </a:fld>
             <a:endParaRPr lang="ko-KR" altLang="en-US"/>
           </a:p>
@@ -1637,7 +1637,7 @@
           <a:p>
             <a:fld id="{BFD51FC1-7DA1-4A7E-B866-81D87DCF9972}" type="datetimeFigureOut">
               <a:rPr lang="ko-KR" altLang="en-US" smtClean="0"/>
-              <a:t>2023-05-17</a:t>
+              <a:t>2023-05-18</a:t>
             </a:fld>
             <a:endParaRPr lang="ko-KR" altLang="en-US"/>
           </a:p>
@@ -1755,7 +1755,7 @@
           <a:p>
             <a:fld id="{BFD51FC1-7DA1-4A7E-B866-81D87DCF9972}" type="datetimeFigureOut">
               <a:rPr lang="ko-KR" altLang="en-US" smtClean="0"/>
-              <a:t>2023-05-17</a:t>
+              <a:t>2023-05-18</a:t>
             </a:fld>
             <a:endParaRPr lang="ko-KR" altLang="en-US"/>
           </a:p>
@@ -1850,7 +1850,7 @@
           <a:p>
             <a:fld id="{BFD51FC1-7DA1-4A7E-B866-81D87DCF9972}" type="datetimeFigureOut">
               <a:rPr lang="ko-KR" altLang="en-US" smtClean="0"/>
-              <a:t>2023-05-17</a:t>
+              <a:t>2023-05-18</a:t>
             </a:fld>
             <a:endParaRPr lang="ko-KR" altLang="en-US"/>
           </a:p>
@@ -2127,7 +2127,7 @@
           <a:p>
             <a:fld id="{BFD51FC1-7DA1-4A7E-B866-81D87DCF9972}" type="datetimeFigureOut">
               <a:rPr lang="ko-KR" altLang="en-US" smtClean="0"/>
-              <a:t>2023-05-17</a:t>
+              <a:t>2023-05-18</a:t>
             </a:fld>
             <a:endParaRPr lang="ko-KR" altLang="en-US"/>
           </a:p>
@@ -2380,7 +2380,7 @@
           <a:p>
             <a:fld id="{BFD51FC1-7DA1-4A7E-B866-81D87DCF9972}" type="datetimeFigureOut">
               <a:rPr lang="ko-KR" altLang="en-US" smtClean="0"/>
-              <a:t>2023-05-17</a:t>
+              <a:t>2023-05-18</a:t>
             </a:fld>
             <a:endParaRPr lang="ko-KR" altLang="en-US"/>
           </a:p>
@@ -2593,7 +2593,7 @@
           <a:p>
             <a:fld id="{BFD51FC1-7DA1-4A7E-B866-81D87DCF9972}" type="datetimeFigureOut">
               <a:rPr lang="ko-KR" altLang="en-US" smtClean="0"/>
-              <a:t>2023-05-17</a:t>
+              <a:t>2023-05-18</a:t>
             </a:fld>
             <a:endParaRPr lang="ko-KR" altLang="en-US"/>
           </a:p>
@@ -10867,15 +10867,7 @@
                   <a:schemeClr val="tx1"/>
                 </a:solidFill>
               </a:rPr>
-              <a:t>정말 </a:t>
-            </a:r>
-            <a:r>
-              <a:rPr lang="ko-KR" altLang="en-US" sz="1300" dirty="0" smtClean="0">
-                <a:solidFill>
-                  <a:schemeClr val="tx1"/>
-                </a:solidFill>
-              </a:rPr>
-              <a:t>감사한 마음입니다</a:t>
+              <a:t>정말 감사한 마음입니다</a:t>
             </a:r>
             <a:r>
               <a:rPr lang="en-US" altLang="ko-KR" sz="1300" dirty="0" smtClean="0">
@@ -11220,7 +11212,214 @@
           <a:lstStyle/>
           <a:p>
             <a:pPr algn="ctr"/>
-            <a:endParaRPr lang="ko-KR" altLang="en-US" dirty="0"/>
+            <a:r>
+              <a:rPr lang="en-US" altLang="ko-KR" sz="1400" dirty="0" err="1">
+                <a:solidFill>
+                  <a:schemeClr val="tx1"/>
+                </a:solidFill>
+              </a:rPr>
+              <a:t>swiftER</a:t>
+            </a:r>
+            <a:r>
+              <a:rPr lang="en-US" altLang="ko-KR" sz="1400" dirty="0">
+                <a:solidFill>
+                  <a:schemeClr val="tx1"/>
+                </a:solidFill>
+              </a:rPr>
+              <a:t> </a:t>
+            </a:r>
+            <a:r>
+              <a:rPr lang="ko-KR" altLang="en-US" sz="1400" dirty="0">
+                <a:solidFill>
+                  <a:schemeClr val="tx1"/>
+                </a:solidFill>
+              </a:rPr>
+              <a:t>팀 프로젝트를 마무리하며</a:t>
+            </a:r>
+            <a:r>
+              <a:rPr lang="en-US" altLang="ko-KR" sz="1400" dirty="0">
+                <a:solidFill>
+                  <a:schemeClr val="tx1"/>
+                </a:solidFill>
+              </a:rPr>
+              <a:t>, </a:t>
+            </a:r>
+            <a:r>
+              <a:rPr lang="ko-KR" altLang="en-US" sz="1400" dirty="0">
+                <a:solidFill>
+                  <a:schemeClr val="tx1"/>
+                </a:solidFill>
+              </a:rPr>
+              <a:t>각자가 맡은 부분에 열심히 노력한 팀원들에게 진심으로 감사드립니다</a:t>
+            </a:r>
+            <a:r>
+              <a:rPr lang="en-US" altLang="ko-KR" sz="1400" dirty="0">
+                <a:solidFill>
+                  <a:schemeClr val="tx1"/>
+                </a:solidFill>
+              </a:rPr>
+              <a:t>. </a:t>
+            </a:r>
+            <a:endParaRPr lang="en-US" altLang="ko-KR" sz="1400" dirty="0" smtClean="0">
+              <a:solidFill>
+                <a:schemeClr val="tx1"/>
+              </a:solidFill>
+            </a:endParaRPr>
+          </a:p>
+          <a:p>
+            <a:pPr algn="ctr"/>
+            <a:endParaRPr lang="en-US" altLang="ko-KR" sz="1400" dirty="0">
+              <a:solidFill>
+                <a:schemeClr val="tx1"/>
+              </a:solidFill>
+            </a:endParaRPr>
+          </a:p>
+          <a:p>
+            <a:pPr algn="ctr"/>
+            <a:r>
+              <a:rPr lang="ko-KR" altLang="en-US" sz="1400" dirty="0" smtClean="0">
+                <a:solidFill>
+                  <a:schemeClr val="tx1"/>
+                </a:solidFill>
+              </a:rPr>
+              <a:t>이 </a:t>
+            </a:r>
+            <a:r>
+              <a:rPr lang="ko-KR" altLang="en-US" sz="1400" dirty="0">
+                <a:solidFill>
+                  <a:schemeClr val="tx1"/>
+                </a:solidFill>
+              </a:rPr>
+              <a:t>프로젝트를 통해 </a:t>
+            </a:r>
+            <a:r>
+              <a:rPr lang="en-US" altLang="ko-KR" sz="1400" dirty="0">
+                <a:solidFill>
+                  <a:schemeClr val="tx1"/>
+                </a:solidFill>
+              </a:rPr>
+              <a:t>Spring, Java, HTML </a:t>
+            </a:r>
+            <a:r>
+              <a:rPr lang="ko-KR" altLang="en-US" sz="1400" dirty="0">
+                <a:solidFill>
+                  <a:schemeClr val="tx1"/>
+                </a:solidFill>
+              </a:rPr>
+              <a:t>등 여러 가지 분야에서 발전하였고 우리가 생각했던 기능들을 실제로 만들어 작동시키는 과정에서 뿌듯함을 느꼈습니다</a:t>
+            </a:r>
+            <a:r>
+              <a:rPr lang="en-US" altLang="ko-KR" sz="1400" dirty="0">
+                <a:solidFill>
+                  <a:schemeClr val="tx1"/>
+                </a:solidFill>
+              </a:rPr>
+              <a:t>. </a:t>
+            </a:r>
+            <a:r>
+              <a:rPr lang="ko-KR" altLang="en-US" sz="1400" dirty="0">
+                <a:solidFill>
+                  <a:schemeClr val="tx1"/>
+                </a:solidFill>
+              </a:rPr>
+              <a:t>하지만 </a:t>
+            </a:r>
+            <a:r>
+              <a:rPr lang="en-US" altLang="ko-KR" sz="1400" dirty="0">
+                <a:solidFill>
+                  <a:schemeClr val="tx1"/>
+                </a:solidFill>
+              </a:rPr>
+              <a:t>Calendar </a:t>
+            </a:r>
+            <a:r>
+              <a:rPr lang="ko-KR" altLang="en-US" sz="1400" dirty="0">
+                <a:solidFill>
+                  <a:schemeClr val="tx1"/>
+                </a:solidFill>
+              </a:rPr>
+              <a:t>기능을 구현하는 과정에서 </a:t>
+            </a:r>
+            <a:r>
+              <a:rPr lang="en-US" altLang="ko-KR" sz="1400" dirty="0">
+                <a:solidFill>
+                  <a:schemeClr val="tx1"/>
+                </a:solidFill>
+              </a:rPr>
+              <a:t>JavaScript </a:t>
+            </a:r>
+            <a:r>
+              <a:rPr lang="ko-KR" altLang="en-US" sz="1400" dirty="0">
+                <a:solidFill>
+                  <a:schemeClr val="tx1"/>
+                </a:solidFill>
+              </a:rPr>
+              <a:t>지식이 부족하여 원하는 대로 기능을 완성하지 못했습니다</a:t>
+            </a:r>
+            <a:r>
+              <a:rPr lang="en-US" altLang="ko-KR" sz="1400" dirty="0">
+                <a:solidFill>
+                  <a:schemeClr val="tx1"/>
+                </a:solidFill>
+              </a:rPr>
+              <a:t>. </a:t>
+            </a:r>
+            <a:r>
+              <a:rPr lang="ko-KR" altLang="en-US" sz="1400" dirty="0">
+                <a:solidFill>
+                  <a:schemeClr val="tx1"/>
+                </a:solidFill>
+              </a:rPr>
+              <a:t>앞으로 더욱 열심히 노력하여 다양한 언어로 원하는 기능을 구현할 수 있도록 하겠습니다</a:t>
+            </a:r>
+            <a:r>
+              <a:rPr lang="en-US" altLang="ko-KR" sz="1400" dirty="0" smtClean="0">
+                <a:solidFill>
+                  <a:schemeClr val="tx1"/>
+                </a:solidFill>
+              </a:rPr>
+              <a:t>.</a:t>
+            </a:r>
+          </a:p>
+          <a:p>
+            <a:pPr algn="ctr"/>
+            <a:endParaRPr lang="en-US" altLang="ko-KR" sz="1400" dirty="0">
+              <a:solidFill>
+                <a:schemeClr val="tx1"/>
+              </a:solidFill>
+            </a:endParaRPr>
+          </a:p>
+          <a:p>
+            <a:pPr algn="ctr"/>
+            <a:endParaRPr lang="en-US" altLang="ko-KR" sz="1400" dirty="0" smtClean="0">
+              <a:solidFill>
+                <a:schemeClr val="tx1"/>
+              </a:solidFill>
+            </a:endParaRPr>
+          </a:p>
+          <a:p>
+            <a:pPr algn="ctr"/>
+            <a:endParaRPr lang="en-US" altLang="ko-KR" sz="1400" dirty="0">
+              <a:solidFill>
+                <a:schemeClr val="tx1"/>
+              </a:solidFill>
+            </a:endParaRPr>
+          </a:p>
+          <a:p>
+            <a:pPr algn="ctr"/>
+            <a:endParaRPr lang="en-US" altLang="ko-KR" sz="1400" dirty="0" smtClean="0">
+              <a:solidFill>
+                <a:schemeClr val="tx1"/>
+              </a:solidFill>
+            </a:endParaRPr>
+          </a:p>
+          <a:p>
+            <a:pPr algn="ctr"/>
+            <a:endParaRPr lang="ko-KR" altLang="en-US" sz="1400" dirty="0">
+              <a:solidFill>
+                <a:schemeClr val="tx1"/>
+              </a:solidFill>
+            </a:endParaRPr>
           </a:p>
         </p:txBody>
       </p:sp>
